--- a/Craft a Data Story/Movie Data Exploration.pptx
+++ b/Craft a Data Story/Movie Data Exploration.pptx
@@ -1,19 +1,20 @@
 
 <file path=ppt/presentation.xml><?xml version="1.0" encoding="utf-8"?>
-<p:presentation xmlns:a="http://schemas.openxmlformats.org/drawingml/2006/main" xmlns:p="http://schemas.openxmlformats.org/presentationml/2006/main" xmlns:r="http://schemas.openxmlformats.org/officeDocument/2006/relationships" saveSubsetFonts="1">
+<p:presentation xmlns:a="http://schemas.openxmlformats.org/drawingml/2006/main" xmlns:r="http://schemas.openxmlformats.org/officeDocument/2006/relationships" xmlns:p="http://schemas.openxmlformats.org/presentationml/2006/main" saveSubsetFonts="1">
   <p:sldMasterIdLst>
-    <p:sldMasterId id="2147483648" r:id="rId1"/>
+    <p:sldMasterId id="2147483672" r:id="rId1"/>
   </p:sldMasterIdLst>
   <p:sldIdLst>
-    <p:sldId id="256" r:id="rId6"/>
-    <p:sldId id="257" r:id="rId7"/>
-    <p:sldId id="258" r:id="rId8"/>
-    <p:sldId id="259" r:id="rId9"/>
-    <p:sldId id="260" r:id="rId10"/>
-    <p:sldId id="261" r:id="rId11"/>
-    <p:sldId id="262" r:id="rId12"/>
-    <p:sldId id="263" r:id="rId13"/>
-    <p:sldId id="264" r:id="rId14"/>
+    <p:sldId id="256" r:id="rId2"/>
+    <p:sldId id="265" r:id="rId3"/>
+    <p:sldId id="260" r:id="rId4"/>
+    <p:sldId id="257" r:id="rId5"/>
+    <p:sldId id="258" r:id="rId6"/>
+    <p:sldId id="261" r:id="rId7"/>
+    <p:sldId id="262" r:id="rId8"/>
+    <p:sldId id="263" r:id="rId9"/>
+    <p:sldId id="264" r:id="rId10"/>
+    <p:sldId id="266" r:id="rId11"/>
   </p:sldIdLst>
   <p:sldSz cx="12192000" cy="6858000"/>
   <p:notesSz cx="6858000" cy="9144000"/>
@@ -21,8 +22,8 @@
     <a:defPPr>
       <a:defRPr lang="en-US"/>
     </a:defPPr>
-    <a:lvl1pPr algn="l" defTabSz="914400" eaLnBrk="1" hangingPunct="1" latinLnBrk="0" marL="0" rtl="0">
-      <a:defRPr kern="1200" sz="1800">
+    <a:lvl1pPr marL="0" algn="l" defTabSz="457200" rtl="0" eaLnBrk="1" latinLnBrk="0" hangingPunct="1">
+      <a:defRPr sz="1800" kern="1200">
         <a:solidFill>
           <a:schemeClr val="tx1"/>
         </a:solidFill>
@@ -31,8 +32,8 @@
         <a:cs typeface="+mn-cs"/>
       </a:defRPr>
     </a:lvl1pPr>
-    <a:lvl2pPr algn="l" defTabSz="914400" eaLnBrk="1" hangingPunct="1" latinLnBrk="0" marL="457200" rtl="0">
-      <a:defRPr kern="1200" sz="1800">
+    <a:lvl2pPr marL="457200" algn="l" defTabSz="457200" rtl="0" eaLnBrk="1" latinLnBrk="0" hangingPunct="1">
+      <a:defRPr sz="1800" kern="1200">
         <a:solidFill>
           <a:schemeClr val="tx1"/>
         </a:solidFill>
@@ -41,8 +42,8 @@
         <a:cs typeface="+mn-cs"/>
       </a:defRPr>
     </a:lvl2pPr>
-    <a:lvl3pPr algn="l" defTabSz="914400" eaLnBrk="1" hangingPunct="1" latinLnBrk="0" marL="914400" rtl="0">
-      <a:defRPr kern="1200" sz="1800">
+    <a:lvl3pPr marL="914400" algn="l" defTabSz="457200" rtl="0" eaLnBrk="1" latinLnBrk="0" hangingPunct="1">
+      <a:defRPr sz="1800" kern="1200">
         <a:solidFill>
           <a:schemeClr val="tx1"/>
         </a:solidFill>
@@ -51,8 +52,8 @@
         <a:cs typeface="+mn-cs"/>
       </a:defRPr>
     </a:lvl3pPr>
-    <a:lvl4pPr algn="l" defTabSz="914400" eaLnBrk="1" hangingPunct="1" latinLnBrk="0" marL="1371600" rtl="0">
-      <a:defRPr kern="1200" sz="1800">
+    <a:lvl4pPr marL="1371600" algn="l" defTabSz="457200" rtl="0" eaLnBrk="1" latinLnBrk="0" hangingPunct="1">
+      <a:defRPr sz="1800" kern="1200">
         <a:solidFill>
           <a:schemeClr val="tx1"/>
         </a:solidFill>
@@ -61,8 +62,8 @@
         <a:cs typeface="+mn-cs"/>
       </a:defRPr>
     </a:lvl4pPr>
-    <a:lvl5pPr algn="l" defTabSz="914400" eaLnBrk="1" hangingPunct="1" latinLnBrk="0" marL="1828800" rtl="0">
-      <a:defRPr kern="1200" sz="1800">
+    <a:lvl5pPr marL="1828800" algn="l" defTabSz="457200" rtl="0" eaLnBrk="1" latinLnBrk="0" hangingPunct="1">
+      <a:defRPr sz="1800" kern="1200">
         <a:solidFill>
           <a:schemeClr val="tx1"/>
         </a:solidFill>
@@ -71,8 +72,8 @@
         <a:cs typeface="+mn-cs"/>
       </a:defRPr>
     </a:lvl5pPr>
-    <a:lvl6pPr algn="l" defTabSz="914400" eaLnBrk="1" hangingPunct="1" latinLnBrk="0" marL="2286000" rtl="0">
-      <a:defRPr kern="1200" sz="1800">
+    <a:lvl6pPr marL="2286000" algn="l" defTabSz="457200" rtl="0" eaLnBrk="1" latinLnBrk="0" hangingPunct="1">
+      <a:defRPr sz="1800" kern="1200">
         <a:solidFill>
           <a:schemeClr val="tx1"/>
         </a:solidFill>
@@ -81,8 +82,8 @@
         <a:cs typeface="+mn-cs"/>
       </a:defRPr>
     </a:lvl6pPr>
-    <a:lvl7pPr algn="l" defTabSz="914400" eaLnBrk="1" hangingPunct="1" latinLnBrk="0" marL="2743200" rtl="0">
-      <a:defRPr kern="1200" sz="1800">
+    <a:lvl7pPr marL="2743200" algn="l" defTabSz="457200" rtl="0" eaLnBrk="1" latinLnBrk="0" hangingPunct="1">
+      <a:defRPr sz="1800" kern="1200">
         <a:solidFill>
           <a:schemeClr val="tx1"/>
         </a:solidFill>
@@ -91,8 +92,8 @@
         <a:cs typeface="+mn-cs"/>
       </a:defRPr>
     </a:lvl7pPr>
-    <a:lvl8pPr algn="l" defTabSz="914400" eaLnBrk="1" hangingPunct="1" latinLnBrk="0" marL="3200400" rtl="0">
-      <a:defRPr kern="1200" sz="1800">
+    <a:lvl8pPr marL="3200400" algn="l" defTabSz="457200" rtl="0" eaLnBrk="1" latinLnBrk="0" hangingPunct="1">
+      <a:defRPr sz="1800" kern="1200">
         <a:solidFill>
           <a:schemeClr val="tx1"/>
         </a:solidFill>
@@ -101,8 +102,8 @@
         <a:cs typeface="+mn-cs"/>
       </a:defRPr>
     </a:lvl8pPr>
-    <a:lvl9pPr algn="l" defTabSz="914400" eaLnBrk="1" hangingPunct="1" latinLnBrk="0" marL="3657600" rtl="0">
-      <a:defRPr kern="1200" sz="1800">
+    <a:lvl9pPr marL="3657600" algn="l" defTabSz="457200" rtl="0" eaLnBrk="1" latinLnBrk="0" hangingPunct="1">
+      <a:defRPr sz="1800" kern="1200">
         <a:solidFill>
           <a:schemeClr val="tx1"/>
         </a:solidFill>
@@ -112,6 +113,11 @@
       </a:defRPr>
     </a:lvl9pPr>
   </p:defaultTextStyle>
+  <p:extLst>
+    <p:ext uri="{EFAFB233-063F-42B5-8137-9DF3F51BA10A}">
+      <p15:sldGuideLst xmlns:p15="http://schemas.microsoft.com/office/powerpoint/2012/main"/>
+    </p:ext>
+  </p:extLst>
 </p:presentation>
 </file>
 
@@ -134,13 +140,7 @@
       </p:grpSpPr>
       <p:sp>
         <p:nvSpPr>
-          <p:cNvPr id="2" name="Title 1">
-            <a:extLst>
-              <a:ext uri="{FF2B5EF4-FFF2-40B4-BE49-F238E27FC236}">
-                <a16:creationId xmlns:a16="http://schemas.microsoft.com/office/drawing/2014/main" id="{00D1A6E6-075E-4828-AF88-09BD0A74259E}"/>
-              </a:ext>
-            </a:extLst>
-          </p:cNvPr>
+          <p:cNvPr id="2" name="Title 1"/>
           <p:cNvSpPr>
             <a:spLocks noGrp="1"/>
           </p:cNvSpPr>
@@ -150,15 +150,17 @@
         </p:nvSpPr>
         <p:spPr>
           <a:xfrm>
-            <a:off x="1524000" y="1122363"/>
-            <a:ext cx="9144000" cy="2387600"/>
-          </a:xfrm>
-        </p:spPr>
-        <p:txBody>
-          <a:bodyPr anchor="b"/>
+            <a:off x="1595269" y="1122363"/>
+            <a:ext cx="9001462" cy="2387600"/>
+          </a:xfrm>
+        </p:spPr>
+        <p:txBody>
+          <a:bodyPr anchor="b">
+            <a:normAutofit/>
+          </a:bodyPr>
           <a:lstStyle>
             <a:lvl1pPr algn="ctr">
-              <a:defRPr sz="6000"/>
+              <a:defRPr sz="4800"/>
             </a:lvl1pPr>
           </a:lstStyle>
           <a:p>
@@ -166,18 +168,13 @@
               <a:rPr lang="en-US"/>
               <a:t>Click to edit Master title style</a:t>
             </a:r>
-          </a:p>
-        </p:txBody>
-      </p:sp>
-      <p:sp>
-        <p:nvSpPr>
-          <p:cNvPr id="3" name="Subtitle 2">
-            <a:extLst>
-              <a:ext uri="{FF2B5EF4-FFF2-40B4-BE49-F238E27FC236}">
-                <a16:creationId xmlns:a16="http://schemas.microsoft.com/office/drawing/2014/main" id="{5F3800DB-487B-4E23-AC0B-90C9ED4E1076}"/>
-              </a:ext>
-            </a:extLst>
-          </p:cNvPr>
+            <a:endParaRPr lang="en-US" dirty="0"/>
+          </a:p>
+        </p:txBody>
+      </p:sp>
+      <p:sp>
+        <p:nvSpPr>
+          <p:cNvPr id="3" name="Subtitle 2"/>
           <p:cNvSpPr>
             <a:spLocks noGrp="1"/>
           </p:cNvSpPr>
@@ -187,8 +184,8 @@
         </p:nvSpPr>
         <p:spPr>
           <a:xfrm>
-            <a:off x="1524000" y="3602038"/>
-            <a:ext cx="9144000" cy="1655762"/>
+            <a:off x="1595269" y="3602038"/>
+            <a:ext cx="9001462" cy="1655762"/>
           </a:xfrm>
         </p:spPr>
         <p:txBody>
@@ -236,18 +233,13 @@
               <a:rPr lang="en-US"/>
               <a:t>Click to edit Master subtitle style</a:t>
             </a:r>
-          </a:p>
-        </p:txBody>
-      </p:sp>
-      <p:sp>
-        <p:nvSpPr>
-          <p:cNvPr id="4" name="Date Placeholder 3">
-            <a:extLst>
-              <a:ext uri="{FF2B5EF4-FFF2-40B4-BE49-F238E27FC236}">
-                <a16:creationId xmlns:a16="http://schemas.microsoft.com/office/drawing/2014/main" id="{664DF5B1-3694-42A9-866E-9F1FF6CF0C01}"/>
-              </a:ext>
-            </a:extLst>
-          </p:cNvPr>
+            <a:endParaRPr lang="en-US" dirty="0"/>
+          </a:p>
+        </p:txBody>
+      </p:sp>
+      <p:sp>
+        <p:nvSpPr>
+          <p:cNvPr id="4" name="Date Placeholder 3"/>
           <p:cNvSpPr>
             <a:spLocks noGrp="1"/>
           </p:cNvSpPr>
@@ -262,7 +254,7 @@
           <a:p>
             <a:fld id="{EED1C14C-A143-42F5-B247-D0E800131009}" type="datetimeFigureOut">
               <a:rPr lang="en-US" smtClean="0"/>
-              <a:t>8/15/2018</a:t>
+              <a:t>7/5/2022</a:t>
             </a:fld>
             <a:endParaRPr lang="en-US"/>
           </a:p>
@@ -270,13 +262,7 @@
       </p:sp>
       <p:sp>
         <p:nvSpPr>
-          <p:cNvPr id="5" name="Footer Placeholder 4">
-            <a:extLst>
-              <a:ext uri="{FF2B5EF4-FFF2-40B4-BE49-F238E27FC236}">
-                <a16:creationId xmlns:a16="http://schemas.microsoft.com/office/drawing/2014/main" id="{54718E67-8162-4BE0-9B01-22B89A120ADC}"/>
-              </a:ext>
-            </a:extLst>
-          </p:cNvPr>
+          <p:cNvPr id="5" name="Footer Placeholder 4"/>
           <p:cNvSpPr>
             <a:spLocks noGrp="1"/>
           </p:cNvSpPr>
@@ -295,13 +281,7 @@
       </p:sp>
       <p:sp>
         <p:nvSpPr>
-          <p:cNvPr id="6" name="Slide Number Placeholder 5">
-            <a:extLst>
-              <a:ext uri="{FF2B5EF4-FFF2-40B4-BE49-F238E27FC236}">
-                <a16:creationId xmlns:a16="http://schemas.microsoft.com/office/drawing/2014/main" id="{91568B9D-A8C9-40C5-85B0-14F435F39C81}"/>
-              </a:ext>
-            </a:extLst>
-          </p:cNvPr>
+          <p:cNvPr id="6" name="Slide Number Placeholder 5"/>
           <p:cNvSpPr>
             <a:spLocks noGrp="1"/>
           </p:cNvSpPr>
@@ -325,7 +305,7 @@
     </p:spTree>
     <p:extLst>
       <p:ext uri="{BB962C8B-B14F-4D97-AF65-F5344CB8AC3E}">
-        <p14:creationId xmlns:p14="http://schemas.microsoft.com/office/powerpoint/2010/main" val="896738362"/>
+        <p14:creationId xmlns:p14="http://schemas.microsoft.com/office/powerpoint/2010/main" val="2850606362"/>
       </p:ext>
     </p:extLst>
   </p:cSld>
@@ -336,6 +316,2556 @@
 </file>
 
 <file path=ppt/slideLayouts/slideLayout10.xml><?xml version="1.0" encoding="utf-8"?>
+<p:sldLayout xmlns:a="http://schemas.openxmlformats.org/drawingml/2006/main" xmlns:r="http://schemas.openxmlformats.org/officeDocument/2006/relationships" xmlns:p="http://schemas.openxmlformats.org/presentationml/2006/main" preserve="1">
+  <p:cSld name="Panoramic Picture with Caption">
+    <p:spTree>
+      <p:nvGrpSpPr>
+        <p:cNvPr id="1" name=""/>
+        <p:cNvGrpSpPr/>
+        <p:nvPr/>
+      </p:nvGrpSpPr>
+      <p:grpSpPr>
+        <a:xfrm>
+          <a:off x="0" y="0"/>
+          <a:ext cx="0" cy="0"/>
+          <a:chOff x="0" y="0"/>
+          <a:chExt cx="0" cy="0"/>
+        </a:xfrm>
+      </p:grpSpPr>
+      <p:sp>
+        <p:nvSpPr>
+          <p:cNvPr id="2" name="Title 1"/>
+          <p:cNvSpPr>
+            <a:spLocks noGrp="1"/>
+          </p:cNvSpPr>
+          <p:nvPr>
+            <p:ph type="title"/>
+          </p:nvPr>
+        </p:nvSpPr>
+        <p:spPr>
+          <a:xfrm>
+            <a:off x="913806" y="4289372"/>
+            <a:ext cx="10367564" cy="819355"/>
+          </a:xfrm>
+        </p:spPr>
+        <p:txBody>
+          <a:bodyPr anchor="b">
+            <a:normAutofit/>
+          </a:bodyPr>
+          <a:lstStyle>
+            <a:lvl1pPr>
+              <a:defRPr sz="2800"/>
+            </a:lvl1pPr>
+          </a:lstStyle>
+          <a:p>
+            <a:r>
+              <a:rPr lang="en-US"/>
+              <a:t>Click to edit Master title style</a:t>
+            </a:r>
+            <a:endParaRPr lang="en-US" dirty="0"/>
+          </a:p>
+        </p:txBody>
+      </p:sp>
+      <p:sp>
+        <p:nvSpPr>
+          <p:cNvPr id="3" name="Picture Placeholder 2"/>
+          <p:cNvSpPr>
+            <a:spLocks noGrp="1" noChangeAspect="1"/>
+          </p:cNvSpPr>
+          <p:nvPr>
+            <p:ph type="pic" idx="1"/>
+          </p:nvPr>
+        </p:nvSpPr>
+        <p:spPr>
+          <a:xfrm>
+            <a:off x="913806" y="621321"/>
+            <a:ext cx="10367564" cy="3379735"/>
+          </a:xfrm>
+          <a:noFill/>
+          <a:ln w="190500" cap="sq">
+            <a:solidFill>
+              <a:srgbClr val="FFFFFF"/>
+            </a:solidFill>
+            <a:miter lim="800000"/>
+          </a:ln>
+          <a:effectLst>
+            <a:outerShdw blurRad="55000" dist="18000" dir="5400000" algn="tl" rotWithShape="0">
+              <a:srgbClr val="000000">
+                <a:alpha val="40000"/>
+              </a:srgbClr>
+            </a:outerShdw>
+          </a:effectLst>
+          <a:scene3d>
+            <a:camera prst="orthographicFront"/>
+            <a:lightRig rig="twoPt" dir="t">
+              <a:rot lat="0" lon="0" rev="7200000"/>
+            </a:lightRig>
+          </a:scene3d>
+          <a:sp3d>
+            <a:bevelT w="25400" h="19050"/>
+            <a:contourClr>
+              <a:srgbClr val="FFFFFF"/>
+            </a:contourClr>
+          </a:sp3d>
+        </p:spPr>
+        <p:txBody>
+          <a:bodyPr anchor="t"/>
+          <a:lstStyle>
+            <a:lvl1pPr marL="0" indent="0" algn="ctr">
+              <a:buNone/>
+              <a:defRPr sz="3200"/>
+            </a:lvl1pPr>
+            <a:lvl2pPr marL="457200" indent="0">
+              <a:buNone/>
+              <a:defRPr sz="2800"/>
+            </a:lvl2pPr>
+            <a:lvl3pPr marL="914400" indent="0">
+              <a:buNone/>
+              <a:defRPr sz="2400"/>
+            </a:lvl3pPr>
+            <a:lvl4pPr marL="1371600" indent="0">
+              <a:buNone/>
+              <a:defRPr sz="2000"/>
+            </a:lvl4pPr>
+            <a:lvl5pPr marL="1828800" indent="0">
+              <a:buNone/>
+              <a:defRPr sz="2000"/>
+            </a:lvl5pPr>
+            <a:lvl6pPr marL="2286000" indent="0">
+              <a:buNone/>
+              <a:defRPr sz="2000"/>
+            </a:lvl6pPr>
+            <a:lvl7pPr marL="2743200" indent="0">
+              <a:buNone/>
+              <a:defRPr sz="2000"/>
+            </a:lvl7pPr>
+            <a:lvl8pPr marL="3200400" indent="0">
+              <a:buNone/>
+              <a:defRPr sz="2000"/>
+            </a:lvl8pPr>
+            <a:lvl9pPr marL="3657600" indent="0">
+              <a:buNone/>
+              <a:defRPr sz="2000"/>
+            </a:lvl9pPr>
+          </a:lstStyle>
+          <a:p>
+            <a:r>
+              <a:rPr lang="en-US"/>
+              <a:t>Click icon to add picture</a:t>
+            </a:r>
+            <a:endParaRPr lang="en-US" dirty="0"/>
+          </a:p>
+        </p:txBody>
+      </p:sp>
+      <p:sp>
+        <p:nvSpPr>
+          <p:cNvPr id="4" name="Text Placeholder 3"/>
+          <p:cNvSpPr>
+            <a:spLocks noGrp="1"/>
+          </p:cNvSpPr>
+          <p:nvPr>
+            <p:ph type="body" sz="half" idx="2"/>
+          </p:nvPr>
+        </p:nvSpPr>
+        <p:spPr>
+          <a:xfrm>
+            <a:off x="913795" y="5108728"/>
+            <a:ext cx="10365998" cy="682472"/>
+          </a:xfrm>
+        </p:spPr>
+        <p:txBody>
+          <a:bodyPr>
+            <a:normAutofit/>
+          </a:bodyPr>
+          <a:lstStyle>
+            <a:lvl1pPr marL="0" indent="0" algn="ctr">
+              <a:buNone/>
+              <a:defRPr sz="1800"/>
+            </a:lvl1pPr>
+            <a:lvl2pPr marL="457200" indent="0">
+              <a:buNone/>
+              <a:defRPr sz="1400"/>
+            </a:lvl2pPr>
+            <a:lvl3pPr marL="914400" indent="0">
+              <a:buNone/>
+              <a:defRPr sz="1200"/>
+            </a:lvl3pPr>
+            <a:lvl4pPr marL="1371600" indent="0">
+              <a:buNone/>
+              <a:defRPr sz="1000"/>
+            </a:lvl4pPr>
+            <a:lvl5pPr marL="1828800" indent="0">
+              <a:buNone/>
+              <a:defRPr sz="1000"/>
+            </a:lvl5pPr>
+            <a:lvl6pPr marL="2286000" indent="0">
+              <a:buNone/>
+              <a:defRPr sz="1000"/>
+            </a:lvl6pPr>
+            <a:lvl7pPr marL="2743200" indent="0">
+              <a:buNone/>
+              <a:defRPr sz="1000"/>
+            </a:lvl7pPr>
+            <a:lvl8pPr marL="3200400" indent="0">
+              <a:buNone/>
+              <a:defRPr sz="1000"/>
+            </a:lvl8pPr>
+            <a:lvl9pPr marL="3657600" indent="0">
+              <a:buNone/>
+              <a:defRPr sz="1000"/>
+            </a:lvl9pPr>
+          </a:lstStyle>
+          <a:p>
+            <a:pPr lvl="0"/>
+            <a:r>
+              <a:rPr lang="en-US"/>
+              <a:t>Click to edit Master text styles</a:t>
+            </a:r>
+          </a:p>
+        </p:txBody>
+      </p:sp>
+      <p:sp>
+        <p:nvSpPr>
+          <p:cNvPr id="5" name="Date Placeholder 4"/>
+          <p:cNvSpPr>
+            <a:spLocks noGrp="1"/>
+          </p:cNvSpPr>
+          <p:nvPr>
+            <p:ph type="dt" sz="half" idx="10"/>
+          </p:nvPr>
+        </p:nvSpPr>
+        <p:spPr/>
+        <p:txBody>
+          <a:bodyPr/>
+          <a:lstStyle/>
+          <a:p>
+            <a:fld id="{EED1C14C-A143-42F5-B247-D0E800131009}" type="datetimeFigureOut">
+              <a:rPr lang="en-US" smtClean="0"/>
+              <a:t>7/5/2022</a:t>
+            </a:fld>
+            <a:endParaRPr lang="en-US"/>
+          </a:p>
+        </p:txBody>
+      </p:sp>
+      <p:sp>
+        <p:nvSpPr>
+          <p:cNvPr id="6" name="Footer Placeholder 5"/>
+          <p:cNvSpPr>
+            <a:spLocks noGrp="1"/>
+          </p:cNvSpPr>
+          <p:nvPr>
+            <p:ph type="ftr" sz="quarter" idx="11"/>
+          </p:nvPr>
+        </p:nvSpPr>
+        <p:spPr/>
+        <p:txBody>
+          <a:bodyPr/>
+          <a:lstStyle/>
+          <a:p>
+            <a:endParaRPr lang="en-US"/>
+          </a:p>
+        </p:txBody>
+      </p:sp>
+      <p:sp>
+        <p:nvSpPr>
+          <p:cNvPr id="7" name="Slide Number Placeholder 6"/>
+          <p:cNvSpPr>
+            <a:spLocks noGrp="1"/>
+          </p:cNvSpPr>
+          <p:nvPr>
+            <p:ph type="sldNum" sz="quarter" idx="12"/>
+          </p:nvPr>
+        </p:nvSpPr>
+        <p:spPr/>
+        <p:txBody>
+          <a:bodyPr/>
+          <a:lstStyle/>
+          <a:p>
+            <a:fld id="{5B03D32D-F1BC-4E9C-97E1-36CFF5B22341}" type="slidenum">
+              <a:rPr lang="en-US" smtClean="0"/>
+              <a:t>‹#›</a:t>
+            </a:fld>
+            <a:endParaRPr lang="en-US"/>
+          </a:p>
+        </p:txBody>
+      </p:sp>
+    </p:spTree>
+    <p:extLst>
+      <p:ext uri="{BB962C8B-B14F-4D97-AF65-F5344CB8AC3E}">
+        <p14:creationId xmlns:p14="http://schemas.microsoft.com/office/powerpoint/2010/main" val="1780549330"/>
+      </p:ext>
+    </p:extLst>
+  </p:cSld>
+  <p:clrMapOvr>
+    <a:masterClrMapping/>
+  </p:clrMapOvr>
+</p:sldLayout>
+</file>
+
+<file path=ppt/slideLayouts/slideLayout11.xml><?xml version="1.0" encoding="utf-8"?>
+<p:sldLayout xmlns:a="http://schemas.openxmlformats.org/drawingml/2006/main" xmlns:r="http://schemas.openxmlformats.org/officeDocument/2006/relationships" xmlns:p="http://schemas.openxmlformats.org/presentationml/2006/main" preserve="1">
+  <p:cSld name="Title and Caption">
+    <p:spTree>
+      <p:nvGrpSpPr>
+        <p:cNvPr id="1" name=""/>
+        <p:cNvGrpSpPr/>
+        <p:nvPr/>
+      </p:nvGrpSpPr>
+      <p:grpSpPr>
+        <a:xfrm>
+          <a:off x="0" y="0"/>
+          <a:ext cx="0" cy="0"/>
+          <a:chOff x="0" y="0"/>
+          <a:chExt cx="0" cy="0"/>
+        </a:xfrm>
+      </p:grpSpPr>
+      <p:sp>
+        <p:nvSpPr>
+          <p:cNvPr id="2" name="Title 1"/>
+          <p:cNvSpPr>
+            <a:spLocks noGrp="1"/>
+          </p:cNvSpPr>
+          <p:nvPr>
+            <p:ph type="title"/>
+          </p:nvPr>
+        </p:nvSpPr>
+        <p:spPr>
+          <a:xfrm>
+            <a:off x="913795" y="609600"/>
+            <a:ext cx="10353762" cy="3424859"/>
+          </a:xfrm>
+        </p:spPr>
+        <p:txBody>
+          <a:bodyPr anchor="ctr"/>
+          <a:lstStyle>
+            <a:lvl1pPr>
+              <a:defRPr sz="3200"/>
+            </a:lvl1pPr>
+          </a:lstStyle>
+          <a:p>
+            <a:r>
+              <a:rPr lang="en-US"/>
+              <a:t>Click to edit Master title style</a:t>
+            </a:r>
+            <a:endParaRPr lang="en-US" dirty="0"/>
+          </a:p>
+        </p:txBody>
+      </p:sp>
+      <p:sp>
+        <p:nvSpPr>
+          <p:cNvPr id="4" name="Text Placeholder 3"/>
+          <p:cNvSpPr>
+            <a:spLocks noGrp="1"/>
+          </p:cNvSpPr>
+          <p:nvPr>
+            <p:ph type="body" sz="half" idx="2"/>
+          </p:nvPr>
+        </p:nvSpPr>
+        <p:spPr>
+          <a:xfrm>
+            <a:off x="913795" y="4204820"/>
+            <a:ext cx="10353761" cy="1592186"/>
+          </a:xfrm>
+        </p:spPr>
+        <p:txBody>
+          <a:bodyPr anchor="ctr"/>
+          <a:lstStyle>
+            <a:lvl1pPr marL="0" indent="0" algn="ctr">
+              <a:buNone/>
+              <a:defRPr sz="1600"/>
+            </a:lvl1pPr>
+            <a:lvl2pPr marL="457200" indent="0">
+              <a:buNone/>
+              <a:defRPr sz="1400"/>
+            </a:lvl2pPr>
+            <a:lvl3pPr marL="914400" indent="0">
+              <a:buNone/>
+              <a:defRPr sz="1200"/>
+            </a:lvl3pPr>
+            <a:lvl4pPr marL="1371600" indent="0">
+              <a:buNone/>
+              <a:defRPr sz="1000"/>
+            </a:lvl4pPr>
+            <a:lvl5pPr marL="1828800" indent="0">
+              <a:buNone/>
+              <a:defRPr sz="1000"/>
+            </a:lvl5pPr>
+            <a:lvl6pPr marL="2286000" indent="0">
+              <a:buNone/>
+              <a:defRPr sz="1000"/>
+            </a:lvl6pPr>
+            <a:lvl7pPr marL="2743200" indent="0">
+              <a:buNone/>
+              <a:defRPr sz="1000"/>
+            </a:lvl7pPr>
+            <a:lvl8pPr marL="3200400" indent="0">
+              <a:buNone/>
+              <a:defRPr sz="1000"/>
+            </a:lvl8pPr>
+            <a:lvl9pPr marL="3657600" indent="0">
+              <a:buNone/>
+              <a:defRPr sz="1000"/>
+            </a:lvl9pPr>
+          </a:lstStyle>
+          <a:p>
+            <a:pPr lvl="0"/>
+            <a:r>
+              <a:rPr lang="en-US"/>
+              <a:t>Click to edit Master text styles</a:t>
+            </a:r>
+          </a:p>
+        </p:txBody>
+      </p:sp>
+      <p:sp>
+        <p:nvSpPr>
+          <p:cNvPr id="5" name="Date Placeholder 4"/>
+          <p:cNvSpPr>
+            <a:spLocks noGrp="1"/>
+          </p:cNvSpPr>
+          <p:nvPr>
+            <p:ph type="dt" sz="half" idx="10"/>
+          </p:nvPr>
+        </p:nvSpPr>
+        <p:spPr/>
+        <p:txBody>
+          <a:bodyPr/>
+          <a:lstStyle/>
+          <a:p>
+            <a:fld id="{EED1C14C-A143-42F5-B247-D0E800131009}" type="datetimeFigureOut">
+              <a:rPr lang="en-US" smtClean="0"/>
+              <a:t>7/5/2022</a:t>
+            </a:fld>
+            <a:endParaRPr lang="en-US"/>
+          </a:p>
+        </p:txBody>
+      </p:sp>
+      <p:sp>
+        <p:nvSpPr>
+          <p:cNvPr id="6" name="Footer Placeholder 5"/>
+          <p:cNvSpPr>
+            <a:spLocks noGrp="1"/>
+          </p:cNvSpPr>
+          <p:nvPr>
+            <p:ph type="ftr" sz="quarter" idx="11"/>
+          </p:nvPr>
+        </p:nvSpPr>
+        <p:spPr/>
+        <p:txBody>
+          <a:bodyPr/>
+          <a:lstStyle/>
+          <a:p>
+            <a:endParaRPr lang="en-US"/>
+          </a:p>
+        </p:txBody>
+      </p:sp>
+      <p:sp>
+        <p:nvSpPr>
+          <p:cNvPr id="7" name="Slide Number Placeholder 6"/>
+          <p:cNvSpPr>
+            <a:spLocks noGrp="1"/>
+          </p:cNvSpPr>
+          <p:nvPr>
+            <p:ph type="sldNum" sz="quarter" idx="12"/>
+          </p:nvPr>
+        </p:nvSpPr>
+        <p:spPr/>
+        <p:txBody>
+          <a:bodyPr/>
+          <a:lstStyle/>
+          <a:p>
+            <a:fld id="{5B03D32D-F1BC-4E9C-97E1-36CFF5B22341}" type="slidenum">
+              <a:rPr lang="en-US" smtClean="0"/>
+              <a:t>‹#›</a:t>
+            </a:fld>
+            <a:endParaRPr lang="en-US"/>
+          </a:p>
+        </p:txBody>
+      </p:sp>
+    </p:spTree>
+    <p:extLst>
+      <p:ext uri="{BB962C8B-B14F-4D97-AF65-F5344CB8AC3E}">
+        <p14:creationId xmlns:p14="http://schemas.microsoft.com/office/powerpoint/2010/main" val="2603253075"/>
+      </p:ext>
+    </p:extLst>
+  </p:cSld>
+  <p:clrMapOvr>
+    <a:masterClrMapping/>
+  </p:clrMapOvr>
+</p:sldLayout>
+</file>
+
+<file path=ppt/slideLayouts/slideLayout12.xml><?xml version="1.0" encoding="utf-8"?>
+<p:sldLayout xmlns:a="http://schemas.openxmlformats.org/drawingml/2006/main" xmlns:r="http://schemas.openxmlformats.org/officeDocument/2006/relationships" xmlns:p="http://schemas.openxmlformats.org/presentationml/2006/main" preserve="1">
+  <p:cSld name="Quote with Caption">
+    <p:spTree>
+      <p:nvGrpSpPr>
+        <p:cNvPr id="1" name=""/>
+        <p:cNvGrpSpPr/>
+        <p:nvPr/>
+      </p:nvGrpSpPr>
+      <p:grpSpPr>
+        <a:xfrm>
+          <a:off x="0" y="0"/>
+          <a:ext cx="0" cy="0"/>
+          <a:chOff x="0" y="0"/>
+          <a:chExt cx="0" cy="0"/>
+        </a:xfrm>
+      </p:grpSpPr>
+      <p:sp>
+        <p:nvSpPr>
+          <p:cNvPr id="2" name="Title 1"/>
+          <p:cNvSpPr>
+            <a:spLocks noGrp="1"/>
+          </p:cNvSpPr>
+          <p:nvPr>
+            <p:ph type="title"/>
+          </p:nvPr>
+        </p:nvSpPr>
+        <p:spPr>
+          <a:xfrm>
+            <a:off x="1446212" y="609600"/>
+            <a:ext cx="9302752" cy="2992904"/>
+          </a:xfrm>
+        </p:spPr>
+        <p:txBody>
+          <a:bodyPr anchor="ctr"/>
+          <a:lstStyle>
+            <a:lvl1pPr>
+              <a:defRPr sz="3200"/>
+            </a:lvl1pPr>
+          </a:lstStyle>
+          <a:p>
+            <a:r>
+              <a:rPr lang="en-US"/>
+              <a:t>Click to edit Master title style</a:t>
+            </a:r>
+            <a:endParaRPr lang="en-US" dirty="0"/>
+          </a:p>
+        </p:txBody>
+      </p:sp>
+      <p:sp>
+        <p:nvSpPr>
+          <p:cNvPr id="12" name="Text Placeholder 3"/>
+          <p:cNvSpPr>
+            <a:spLocks noGrp="1"/>
+          </p:cNvSpPr>
+          <p:nvPr>
+            <p:ph type="body" sz="half" idx="13"/>
+          </p:nvPr>
+        </p:nvSpPr>
+        <p:spPr>
+          <a:xfrm>
+            <a:off x="1720644" y="3610032"/>
+            <a:ext cx="8752299" cy="426812"/>
+          </a:xfrm>
+        </p:spPr>
+        <p:txBody>
+          <a:bodyPr anchor="t">
+            <a:normAutofit/>
+          </a:bodyPr>
+          <a:lstStyle>
+            <a:lvl1pPr marL="0" indent="0" algn="r">
+              <a:buNone/>
+              <a:defRPr sz="1400"/>
+            </a:lvl1pPr>
+            <a:lvl2pPr marL="457200" indent="0">
+              <a:buNone/>
+              <a:defRPr sz="1400"/>
+            </a:lvl2pPr>
+            <a:lvl3pPr marL="914400" indent="0">
+              <a:buNone/>
+              <a:defRPr sz="1200"/>
+            </a:lvl3pPr>
+            <a:lvl4pPr marL="1371600" indent="0">
+              <a:buNone/>
+              <a:defRPr sz="1000"/>
+            </a:lvl4pPr>
+            <a:lvl5pPr marL="1828800" indent="0">
+              <a:buNone/>
+              <a:defRPr sz="1000"/>
+            </a:lvl5pPr>
+            <a:lvl6pPr marL="2286000" indent="0">
+              <a:buNone/>
+              <a:defRPr sz="1000"/>
+            </a:lvl6pPr>
+            <a:lvl7pPr marL="2743200" indent="0">
+              <a:buNone/>
+              <a:defRPr sz="1000"/>
+            </a:lvl7pPr>
+            <a:lvl8pPr marL="3200400" indent="0">
+              <a:buNone/>
+              <a:defRPr sz="1000"/>
+            </a:lvl8pPr>
+            <a:lvl9pPr marL="3657600" indent="0">
+              <a:buNone/>
+              <a:defRPr sz="1000"/>
+            </a:lvl9pPr>
+          </a:lstStyle>
+          <a:p>
+            <a:pPr lvl="0"/>
+            <a:r>
+              <a:rPr lang="en-US"/>
+              <a:t>Click to edit Master text styles</a:t>
+            </a:r>
+          </a:p>
+        </p:txBody>
+      </p:sp>
+      <p:sp>
+        <p:nvSpPr>
+          <p:cNvPr id="4" name="Text Placeholder 3"/>
+          <p:cNvSpPr>
+            <a:spLocks noGrp="1"/>
+          </p:cNvSpPr>
+          <p:nvPr>
+            <p:ph type="body" sz="half" idx="2"/>
+          </p:nvPr>
+        </p:nvSpPr>
+        <p:spPr>
+          <a:xfrm>
+            <a:off x="913794" y="4204821"/>
+            <a:ext cx="10353762" cy="1586380"/>
+          </a:xfrm>
+        </p:spPr>
+        <p:txBody>
+          <a:bodyPr anchor="ctr">
+            <a:normAutofit/>
+          </a:bodyPr>
+          <a:lstStyle>
+            <a:lvl1pPr marL="0" indent="0" algn="ctr">
+              <a:buNone/>
+              <a:defRPr sz="1600"/>
+            </a:lvl1pPr>
+            <a:lvl2pPr marL="457200" indent="0">
+              <a:buNone/>
+              <a:defRPr sz="1400"/>
+            </a:lvl2pPr>
+            <a:lvl3pPr marL="914400" indent="0">
+              <a:buNone/>
+              <a:defRPr sz="1200"/>
+            </a:lvl3pPr>
+            <a:lvl4pPr marL="1371600" indent="0">
+              <a:buNone/>
+              <a:defRPr sz="1000"/>
+            </a:lvl4pPr>
+            <a:lvl5pPr marL="1828800" indent="0">
+              <a:buNone/>
+              <a:defRPr sz="1000"/>
+            </a:lvl5pPr>
+            <a:lvl6pPr marL="2286000" indent="0">
+              <a:buNone/>
+              <a:defRPr sz="1000"/>
+            </a:lvl6pPr>
+            <a:lvl7pPr marL="2743200" indent="0">
+              <a:buNone/>
+              <a:defRPr sz="1000"/>
+            </a:lvl7pPr>
+            <a:lvl8pPr marL="3200400" indent="0">
+              <a:buNone/>
+              <a:defRPr sz="1000"/>
+            </a:lvl8pPr>
+            <a:lvl9pPr marL="3657600" indent="0">
+              <a:buNone/>
+              <a:defRPr sz="1000"/>
+            </a:lvl9pPr>
+          </a:lstStyle>
+          <a:p>
+            <a:pPr lvl="0"/>
+            <a:r>
+              <a:rPr lang="en-US"/>
+              <a:t>Click to edit Master text styles</a:t>
+            </a:r>
+          </a:p>
+        </p:txBody>
+      </p:sp>
+      <p:sp>
+        <p:nvSpPr>
+          <p:cNvPr id="5" name="Date Placeholder 4"/>
+          <p:cNvSpPr>
+            <a:spLocks noGrp="1"/>
+          </p:cNvSpPr>
+          <p:nvPr>
+            <p:ph type="dt" sz="half" idx="10"/>
+          </p:nvPr>
+        </p:nvSpPr>
+        <p:spPr/>
+        <p:txBody>
+          <a:bodyPr/>
+          <a:lstStyle/>
+          <a:p>
+            <a:fld id="{EED1C14C-A143-42F5-B247-D0E800131009}" type="datetimeFigureOut">
+              <a:rPr lang="en-US" smtClean="0"/>
+              <a:t>7/5/2022</a:t>
+            </a:fld>
+            <a:endParaRPr lang="en-US"/>
+          </a:p>
+        </p:txBody>
+      </p:sp>
+      <p:sp>
+        <p:nvSpPr>
+          <p:cNvPr id="6" name="Footer Placeholder 5"/>
+          <p:cNvSpPr>
+            <a:spLocks noGrp="1"/>
+          </p:cNvSpPr>
+          <p:nvPr>
+            <p:ph type="ftr" sz="quarter" idx="11"/>
+          </p:nvPr>
+        </p:nvSpPr>
+        <p:spPr/>
+        <p:txBody>
+          <a:bodyPr/>
+          <a:lstStyle/>
+          <a:p>
+            <a:endParaRPr lang="en-US"/>
+          </a:p>
+        </p:txBody>
+      </p:sp>
+      <p:sp>
+        <p:nvSpPr>
+          <p:cNvPr id="7" name="Slide Number Placeholder 6"/>
+          <p:cNvSpPr>
+            <a:spLocks noGrp="1"/>
+          </p:cNvSpPr>
+          <p:nvPr>
+            <p:ph type="sldNum" sz="quarter" idx="12"/>
+          </p:nvPr>
+        </p:nvSpPr>
+        <p:spPr/>
+        <p:txBody>
+          <a:bodyPr/>
+          <a:lstStyle/>
+          <a:p>
+            <a:fld id="{5B03D32D-F1BC-4E9C-97E1-36CFF5B22341}" type="slidenum">
+              <a:rPr lang="en-US" smtClean="0"/>
+              <a:t>‹#›</a:t>
+            </a:fld>
+            <a:endParaRPr lang="en-US"/>
+          </a:p>
+        </p:txBody>
+      </p:sp>
+      <p:sp>
+        <p:nvSpPr>
+          <p:cNvPr id="11" name="TextBox 10"/>
+          <p:cNvSpPr txBox="1"/>
+          <p:nvPr/>
+        </p:nvSpPr>
+        <p:spPr>
+          <a:xfrm>
+            <a:off x="836612" y="735241"/>
+            <a:ext cx="609600" cy="584776"/>
+          </a:xfrm>
+          <a:prstGeom prst="rect">
+            <a:avLst/>
+          </a:prstGeom>
+        </p:spPr>
+        <p:txBody>
+          <a:bodyPr vert="horz" lIns="91440" tIns="45720" rIns="91440" bIns="45720" rtlCol="0" anchor="ctr">
+            <a:noAutofit/>
+          </a:bodyPr>
+          <a:lstStyle>
+            <a:lvl1pPr>
+              <a:spcBef>
+                <a:spcPct val="0"/>
+              </a:spcBef>
+              <a:buNone/>
+              <a:defRPr sz="3200" b="0" cap="all">
+                <a:ln w="3175" cmpd="sng">
+                  <a:noFill/>
+                </a:ln>
+                <a:effectLst>
+                  <a:glow rad="38100">
+                    <a:schemeClr val="bg1">
+                      <a:lumMod val="65000"/>
+                      <a:lumOff val="35000"/>
+                      <a:alpha val="40000"/>
+                    </a:schemeClr>
+                  </a:glow>
+                  <a:outerShdw blurRad="28575" dist="38100" dir="14040000" algn="tl" rotWithShape="0">
+                    <a:srgbClr val="000000">
+                      <a:alpha val="25000"/>
+                    </a:srgbClr>
+                  </a:outerShdw>
+                </a:effectLst>
+              </a:defRPr>
+            </a:lvl1pPr>
+            <a:lvl2pPr>
+              <a:defRPr>
+                <a:solidFill>
+                  <a:schemeClr val="tx2"/>
+                </a:solidFill>
+              </a:defRPr>
+            </a:lvl2pPr>
+            <a:lvl3pPr>
+              <a:defRPr>
+                <a:solidFill>
+                  <a:schemeClr val="tx2"/>
+                </a:solidFill>
+              </a:defRPr>
+            </a:lvl3pPr>
+            <a:lvl4pPr>
+              <a:defRPr>
+                <a:solidFill>
+                  <a:schemeClr val="tx2"/>
+                </a:solidFill>
+              </a:defRPr>
+            </a:lvl4pPr>
+            <a:lvl5pPr>
+              <a:defRPr>
+                <a:solidFill>
+                  <a:schemeClr val="tx2"/>
+                </a:solidFill>
+              </a:defRPr>
+            </a:lvl5pPr>
+            <a:lvl6pPr>
+              <a:defRPr>
+                <a:solidFill>
+                  <a:schemeClr val="tx2"/>
+                </a:solidFill>
+              </a:defRPr>
+            </a:lvl6pPr>
+            <a:lvl7pPr>
+              <a:defRPr>
+                <a:solidFill>
+                  <a:schemeClr val="tx2"/>
+                </a:solidFill>
+              </a:defRPr>
+            </a:lvl7pPr>
+            <a:lvl8pPr>
+              <a:defRPr>
+                <a:solidFill>
+                  <a:schemeClr val="tx2"/>
+                </a:solidFill>
+              </a:defRPr>
+            </a:lvl8pPr>
+            <a:lvl9pPr>
+              <a:defRPr>
+                <a:solidFill>
+                  <a:schemeClr val="tx2"/>
+                </a:solidFill>
+              </a:defRPr>
+            </a:lvl9pPr>
+          </a:lstStyle>
+          <a:p>
+            <a:pPr lvl="0"/>
+            <a:r>
+              <a:rPr lang="en-US" sz="8000" dirty="0">
+                <a:solidFill>
+                  <a:schemeClr val="tx1"/>
+                </a:solidFill>
+                <a:effectLst/>
+              </a:rPr>
+              <a:t>“</a:t>
+            </a:r>
+          </a:p>
+        </p:txBody>
+      </p:sp>
+      <p:sp>
+        <p:nvSpPr>
+          <p:cNvPr id="13" name="TextBox 12"/>
+          <p:cNvSpPr txBox="1"/>
+          <p:nvPr/>
+        </p:nvSpPr>
+        <p:spPr>
+          <a:xfrm>
+            <a:off x="10657956" y="2972093"/>
+            <a:ext cx="609600" cy="584776"/>
+          </a:xfrm>
+          <a:prstGeom prst="rect">
+            <a:avLst/>
+          </a:prstGeom>
+        </p:spPr>
+        <p:txBody>
+          <a:bodyPr vert="horz" lIns="91440" tIns="45720" rIns="91440" bIns="45720" rtlCol="0" anchor="ctr">
+            <a:noAutofit/>
+          </a:bodyPr>
+          <a:lstStyle>
+            <a:lvl1pPr>
+              <a:spcBef>
+                <a:spcPct val="0"/>
+              </a:spcBef>
+              <a:buNone/>
+              <a:defRPr sz="3200" b="0" cap="all">
+                <a:ln w="3175" cmpd="sng">
+                  <a:noFill/>
+                </a:ln>
+                <a:effectLst>
+                  <a:glow rad="38100">
+                    <a:schemeClr val="bg1">
+                      <a:lumMod val="65000"/>
+                      <a:lumOff val="35000"/>
+                      <a:alpha val="40000"/>
+                    </a:schemeClr>
+                  </a:glow>
+                  <a:outerShdw blurRad="28575" dist="38100" dir="14040000" algn="tl" rotWithShape="0">
+                    <a:srgbClr val="000000">
+                      <a:alpha val="25000"/>
+                    </a:srgbClr>
+                  </a:outerShdw>
+                </a:effectLst>
+              </a:defRPr>
+            </a:lvl1pPr>
+            <a:lvl2pPr>
+              <a:defRPr>
+                <a:solidFill>
+                  <a:schemeClr val="tx2"/>
+                </a:solidFill>
+              </a:defRPr>
+            </a:lvl2pPr>
+            <a:lvl3pPr>
+              <a:defRPr>
+                <a:solidFill>
+                  <a:schemeClr val="tx2"/>
+                </a:solidFill>
+              </a:defRPr>
+            </a:lvl3pPr>
+            <a:lvl4pPr>
+              <a:defRPr>
+                <a:solidFill>
+                  <a:schemeClr val="tx2"/>
+                </a:solidFill>
+              </a:defRPr>
+            </a:lvl4pPr>
+            <a:lvl5pPr>
+              <a:defRPr>
+                <a:solidFill>
+                  <a:schemeClr val="tx2"/>
+                </a:solidFill>
+              </a:defRPr>
+            </a:lvl5pPr>
+            <a:lvl6pPr>
+              <a:defRPr>
+                <a:solidFill>
+                  <a:schemeClr val="tx2"/>
+                </a:solidFill>
+              </a:defRPr>
+            </a:lvl6pPr>
+            <a:lvl7pPr>
+              <a:defRPr>
+                <a:solidFill>
+                  <a:schemeClr val="tx2"/>
+                </a:solidFill>
+              </a:defRPr>
+            </a:lvl7pPr>
+            <a:lvl8pPr>
+              <a:defRPr>
+                <a:solidFill>
+                  <a:schemeClr val="tx2"/>
+                </a:solidFill>
+              </a:defRPr>
+            </a:lvl8pPr>
+            <a:lvl9pPr>
+              <a:defRPr>
+                <a:solidFill>
+                  <a:schemeClr val="tx2"/>
+                </a:solidFill>
+              </a:defRPr>
+            </a:lvl9pPr>
+          </a:lstStyle>
+          <a:p>
+            <a:pPr lvl="0" algn="r"/>
+            <a:r>
+              <a:rPr lang="en-US" sz="8000" dirty="0">
+                <a:solidFill>
+                  <a:schemeClr val="tx1"/>
+                </a:solidFill>
+                <a:effectLst/>
+              </a:rPr>
+              <a:t>”</a:t>
+            </a:r>
+          </a:p>
+        </p:txBody>
+      </p:sp>
+    </p:spTree>
+    <p:extLst>
+      <p:ext uri="{BB962C8B-B14F-4D97-AF65-F5344CB8AC3E}">
+        <p14:creationId xmlns:p14="http://schemas.microsoft.com/office/powerpoint/2010/main" val="1556295239"/>
+      </p:ext>
+    </p:extLst>
+  </p:cSld>
+  <p:clrMapOvr>
+    <a:masterClrMapping/>
+  </p:clrMapOvr>
+</p:sldLayout>
+</file>
+
+<file path=ppt/slideLayouts/slideLayout13.xml><?xml version="1.0" encoding="utf-8"?>
+<p:sldLayout xmlns:a="http://schemas.openxmlformats.org/drawingml/2006/main" xmlns:r="http://schemas.openxmlformats.org/officeDocument/2006/relationships" xmlns:p="http://schemas.openxmlformats.org/presentationml/2006/main" preserve="1">
+  <p:cSld name="Name Card">
+    <p:spTree>
+      <p:nvGrpSpPr>
+        <p:cNvPr id="1" name=""/>
+        <p:cNvGrpSpPr/>
+        <p:nvPr/>
+      </p:nvGrpSpPr>
+      <p:grpSpPr>
+        <a:xfrm>
+          <a:off x="0" y="0"/>
+          <a:ext cx="0" cy="0"/>
+          <a:chOff x="0" y="0"/>
+          <a:chExt cx="0" cy="0"/>
+        </a:xfrm>
+      </p:grpSpPr>
+      <p:sp>
+        <p:nvSpPr>
+          <p:cNvPr id="2" name="Title 1"/>
+          <p:cNvSpPr>
+            <a:spLocks noGrp="1"/>
+          </p:cNvSpPr>
+          <p:nvPr>
+            <p:ph type="title"/>
+          </p:nvPr>
+        </p:nvSpPr>
+        <p:spPr>
+          <a:xfrm>
+            <a:off x="913806" y="2126942"/>
+            <a:ext cx="10355327" cy="2511835"/>
+          </a:xfrm>
+        </p:spPr>
+        <p:txBody>
+          <a:bodyPr anchor="b"/>
+          <a:lstStyle>
+            <a:lvl1pPr>
+              <a:defRPr sz="3200"/>
+            </a:lvl1pPr>
+          </a:lstStyle>
+          <a:p>
+            <a:r>
+              <a:rPr lang="en-US"/>
+              <a:t>Click to edit Master title style</a:t>
+            </a:r>
+            <a:endParaRPr lang="en-US" dirty="0"/>
+          </a:p>
+        </p:txBody>
+      </p:sp>
+      <p:sp>
+        <p:nvSpPr>
+          <p:cNvPr id="4" name="Text Placeholder 3"/>
+          <p:cNvSpPr>
+            <a:spLocks noGrp="1"/>
+          </p:cNvSpPr>
+          <p:nvPr>
+            <p:ph type="body" sz="half" idx="2"/>
+          </p:nvPr>
+        </p:nvSpPr>
+        <p:spPr>
+          <a:xfrm>
+            <a:off x="913794" y="4650556"/>
+            <a:ext cx="10353763" cy="1140644"/>
+          </a:xfrm>
+        </p:spPr>
+        <p:txBody>
+          <a:bodyPr anchor="t"/>
+          <a:lstStyle>
+            <a:lvl1pPr marL="0" indent="0" algn="ctr">
+              <a:buNone/>
+              <a:defRPr sz="1600"/>
+            </a:lvl1pPr>
+            <a:lvl2pPr marL="457200" indent="0">
+              <a:buNone/>
+              <a:defRPr sz="1400"/>
+            </a:lvl2pPr>
+            <a:lvl3pPr marL="914400" indent="0">
+              <a:buNone/>
+              <a:defRPr sz="1200"/>
+            </a:lvl3pPr>
+            <a:lvl4pPr marL="1371600" indent="0">
+              <a:buNone/>
+              <a:defRPr sz="1000"/>
+            </a:lvl4pPr>
+            <a:lvl5pPr marL="1828800" indent="0">
+              <a:buNone/>
+              <a:defRPr sz="1000"/>
+            </a:lvl5pPr>
+            <a:lvl6pPr marL="2286000" indent="0">
+              <a:buNone/>
+              <a:defRPr sz="1000"/>
+            </a:lvl6pPr>
+            <a:lvl7pPr marL="2743200" indent="0">
+              <a:buNone/>
+              <a:defRPr sz="1000"/>
+            </a:lvl7pPr>
+            <a:lvl8pPr marL="3200400" indent="0">
+              <a:buNone/>
+              <a:defRPr sz="1000"/>
+            </a:lvl8pPr>
+            <a:lvl9pPr marL="3657600" indent="0">
+              <a:buNone/>
+              <a:defRPr sz="1000"/>
+            </a:lvl9pPr>
+          </a:lstStyle>
+          <a:p>
+            <a:pPr lvl="0"/>
+            <a:r>
+              <a:rPr lang="en-US"/>
+              <a:t>Click to edit Master text styles</a:t>
+            </a:r>
+          </a:p>
+        </p:txBody>
+      </p:sp>
+      <p:sp>
+        <p:nvSpPr>
+          <p:cNvPr id="5" name="Date Placeholder 4"/>
+          <p:cNvSpPr>
+            <a:spLocks noGrp="1"/>
+          </p:cNvSpPr>
+          <p:nvPr>
+            <p:ph type="dt" sz="half" idx="10"/>
+          </p:nvPr>
+        </p:nvSpPr>
+        <p:spPr/>
+        <p:txBody>
+          <a:bodyPr/>
+          <a:lstStyle/>
+          <a:p>
+            <a:fld id="{EED1C14C-A143-42F5-B247-D0E800131009}" type="datetimeFigureOut">
+              <a:rPr lang="en-US" smtClean="0"/>
+              <a:t>7/5/2022</a:t>
+            </a:fld>
+            <a:endParaRPr lang="en-US"/>
+          </a:p>
+        </p:txBody>
+      </p:sp>
+      <p:sp>
+        <p:nvSpPr>
+          <p:cNvPr id="6" name="Footer Placeholder 5"/>
+          <p:cNvSpPr>
+            <a:spLocks noGrp="1"/>
+          </p:cNvSpPr>
+          <p:nvPr>
+            <p:ph type="ftr" sz="quarter" idx="11"/>
+          </p:nvPr>
+        </p:nvSpPr>
+        <p:spPr/>
+        <p:txBody>
+          <a:bodyPr/>
+          <a:lstStyle/>
+          <a:p>
+            <a:endParaRPr lang="en-US"/>
+          </a:p>
+        </p:txBody>
+      </p:sp>
+      <p:sp>
+        <p:nvSpPr>
+          <p:cNvPr id="7" name="Slide Number Placeholder 6"/>
+          <p:cNvSpPr>
+            <a:spLocks noGrp="1"/>
+          </p:cNvSpPr>
+          <p:nvPr>
+            <p:ph type="sldNum" sz="quarter" idx="12"/>
+          </p:nvPr>
+        </p:nvSpPr>
+        <p:spPr/>
+        <p:txBody>
+          <a:bodyPr/>
+          <a:lstStyle/>
+          <a:p>
+            <a:fld id="{5B03D32D-F1BC-4E9C-97E1-36CFF5B22341}" type="slidenum">
+              <a:rPr lang="en-US" smtClean="0"/>
+              <a:t>‹#›</a:t>
+            </a:fld>
+            <a:endParaRPr lang="en-US"/>
+          </a:p>
+        </p:txBody>
+      </p:sp>
+    </p:spTree>
+    <p:extLst>
+      <p:ext uri="{BB962C8B-B14F-4D97-AF65-F5344CB8AC3E}">
+        <p14:creationId xmlns:p14="http://schemas.microsoft.com/office/powerpoint/2010/main" val="3149872178"/>
+      </p:ext>
+    </p:extLst>
+  </p:cSld>
+  <p:clrMapOvr>
+    <a:masterClrMapping/>
+  </p:clrMapOvr>
+</p:sldLayout>
+</file>
+
+<file path=ppt/slideLayouts/slideLayout14.xml><?xml version="1.0" encoding="utf-8"?>
+<p:sldLayout xmlns:a="http://schemas.openxmlformats.org/drawingml/2006/main" xmlns:r="http://schemas.openxmlformats.org/officeDocument/2006/relationships" xmlns:p="http://schemas.openxmlformats.org/presentationml/2006/main" preserve="1">
+  <p:cSld name="3 Column">
+    <p:spTree>
+      <p:nvGrpSpPr>
+        <p:cNvPr id="1" name=""/>
+        <p:cNvGrpSpPr/>
+        <p:nvPr/>
+      </p:nvGrpSpPr>
+      <p:grpSpPr>
+        <a:xfrm>
+          <a:off x="0" y="0"/>
+          <a:ext cx="0" cy="0"/>
+          <a:chOff x="0" y="0"/>
+          <a:chExt cx="0" cy="0"/>
+        </a:xfrm>
+      </p:grpSpPr>
+      <p:sp>
+        <p:nvSpPr>
+          <p:cNvPr id="15" name="Title 1"/>
+          <p:cNvSpPr>
+            <a:spLocks noGrp="1"/>
+          </p:cNvSpPr>
+          <p:nvPr>
+            <p:ph type="title"/>
+          </p:nvPr>
+        </p:nvSpPr>
+        <p:spPr>
+          <a:xfrm>
+            <a:off x="913794" y="609600"/>
+            <a:ext cx="10353762" cy="1325563"/>
+          </a:xfrm>
+        </p:spPr>
+        <p:txBody>
+          <a:bodyPr/>
+          <a:lstStyle/>
+          <a:p>
+            <a:r>
+              <a:rPr lang="en-US"/>
+              <a:t>Click to edit Master title style</a:t>
+            </a:r>
+            <a:endParaRPr lang="en-US" dirty="0"/>
+          </a:p>
+        </p:txBody>
+      </p:sp>
+      <p:sp>
+        <p:nvSpPr>
+          <p:cNvPr id="7" name="Text Placeholder 2"/>
+          <p:cNvSpPr>
+            <a:spLocks noGrp="1"/>
+          </p:cNvSpPr>
+          <p:nvPr>
+            <p:ph type="body" idx="1"/>
+          </p:nvPr>
+        </p:nvSpPr>
+        <p:spPr>
+          <a:xfrm>
+            <a:off x="913794" y="2088319"/>
+            <a:ext cx="3298956" cy="823305"/>
+          </a:xfrm>
+        </p:spPr>
+        <p:txBody>
+          <a:bodyPr anchor="b">
+            <a:noAutofit/>
+          </a:bodyPr>
+          <a:lstStyle>
+            <a:lvl1pPr marL="0" indent="0" algn="ctr">
+              <a:lnSpc>
+                <a:spcPct val="100000"/>
+              </a:lnSpc>
+              <a:buNone/>
+              <a:defRPr sz="2400" b="0">
+                <a:solidFill>
+                  <a:schemeClr val="tx1"/>
+                </a:solidFill>
+              </a:defRPr>
+            </a:lvl1pPr>
+            <a:lvl2pPr marL="457200" indent="0">
+              <a:buNone/>
+              <a:defRPr sz="2000" b="1"/>
+            </a:lvl2pPr>
+            <a:lvl3pPr marL="914400" indent="0">
+              <a:buNone/>
+              <a:defRPr sz="1800" b="1"/>
+            </a:lvl3pPr>
+            <a:lvl4pPr marL="1371600" indent="0">
+              <a:buNone/>
+              <a:defRPr sz="1600" b="1"/>
+            </a:lvl4pPr>
+            <a:lvl5pPr marL="1828800" indent="0">
+              <a:buNone/>
+              <a:defRPr sz="1600" b="1"/>
+            </a:lvl5pPr>
+            <a:lvl6pPr marL="2286000" indent="0">
+              <a:buNone/>
+              <a:defRPr sz="1600" b="1"/>
+            </a:lvl6pPr>
+            <a:lvl7pPr marL="2743200" indent="0">
+              <a:buNone/>
+              <a:defRPr sz="1600" b="1"/>
+            </a:lvl7pPr>
+            <a:lvl8pPr marL="3200400" indent="0">
+              <a:buNone/>
+              <a:defRPr sz="1600" b="1"/>
+            </a:lvl8pPr>
+            <a:lvl9pPr marL="3657600" indent="0">
+              <a:buNone/>
+              <a:defRPr sz="1600" b="1"/>
+            </a:lvl9pPr>
+          </a:lstStyle>
+          <a:p>
+            <a:pPr lvl="0"/>
+            <a:r>
+              <a:rPr lang="en-US"/>
+              <a:t>Click to edit Master text styles</a:t>
+            </a:r>
+          </a:p>
+        </p:txBody>
+      </p:sp>
+      <p:sp>
+        <p:nvSpPr>
+          <p:cNvPr id="8" name="Text Placeholder 3"/>
+          <p:cNvSpPr>
+            <a:spLocks noGrp="1"/>
+          </p:cNvSpPr>
+          <p:nvPr>
+            <p:ph type="body" sz="half" idx="15"/>
+          </p:nvPr>
+        </p:nvSpPr>
+        <p:spPr>
+          <a:xfrm>
+            <a:off x="913794" y="2911624"/>
+            <a:ext cx="3298956" cy="2879576"/>
+          </a:xfrm>
+        </p:spPr>
+        <p:txBody>
+          <a:bodyPr anchor="t">
+            <a:normAutofit/>
+          </a:bodyPr>
+          <a:lstStyle>
+            <a:lvl1pPr marL="0" indent="0" algn="ctr">
+              <a:buNone/>
+              <a:defRPr sz="1400"/>
+            </a:lvl1pPr>
+            <a:lvl2pPr marL="457200" indent="0">
+              <a:buNone/>
+              <a:defRPr sz="1200"/>
+            </a:lvl2pPr>
+            <a:lvl3pPr marL="914400" indent="0">
+              <a:buNone/>
+              <a:defRPr sz="1000"/>
+            </a:lvl3pPr>
+            <a:lvl4pPr marL="1371600" indent="0">
+              <a:buNone/>
+              <a:defRPr sz="900"/>
+            </a:lvl4pPr>
+            <a:lvl5pPr marL="1828800" indent="0">
+              <a:buNone/>
+              <a:defRPr sz="900"/>
+            </a:lvl5pPr>
+            <a:lvl6pPr marL="2286000" indent="0">
+              <a:buNone/>
+              <a:defRPr sz="900"/>
+            </a:lvl6pPr>
+            <a:lvl7pPr marL="2743200" indent="0">
+              <a:buNone/>
+              <a:defRPr sz="900"/>
+            </a:lvl7pPr>
+            <a:lvl8pPr marL="3200400" indent="0">
+              <a:buNone/>
+              <a:defRPr sz="900"/>
+            </a:lvl8pPr>
+            <a:lvl9pPr marL="3657600" indent="0">
+              <a:buNone/>
+              <a:defRPr sz="900"/>
+            </a:lvl9pPr>
+          </a:lstStyle>
+          <a:p>
+            <a:pPr lvl="0"/>
+            <a:r>
+              <a:rPr lang="en-US"/>
+              <a:t>Click to edit Master text styles</a:t>
+            </a:r>
+          </a:p>
+        </p:txBody>
+      </p:sp>
+      <p:sp>
+        <p:nvSpPr>
+          <p:cNvPr id="9" name="Text Placeholder 4"/>
+          <p:cNvSpPr>
+            <a:spLocks noGrp="1"/>
+          </p:cNvSpPr>
+          <p:nvPr>
+            <p:ph type="body" sz="quarter" idx="3"/>
+          </p:nvPr>
+        </p:nvSpPr>
+        <p:spPr>
+          <a:xfrm>
+            <a:off x="4444878" y="2088320"/>
+            <a:ext cx="3298558" cy="823304"/>
+          </a:xfrm>
+        </p:spPr>
+        <p:txBody>
+          <a:bodyPr anchor="b">
+            <a:noAutofit/>
+          </a:bodyPr>
+          <a:lstStyle>
+            <a:lvl1pPr marL="0" indent="0" algn="ctr">
+              <a:lnSpc>
+                <a:spcPct val="100000"/>
+              </a:lnSpc>
+              <a:buNone/>
+              <a:defRPr sz="2400" b="0">
+                <a:solidFill>
+                  <a:schemeClr val="tx1"/>
+                </a:solidFill>
+              </a:defRPr>
+            </a:lvl1pPr>
+            <a:lvl2pPr marL="457200" indent="0">
+              <a:buNone/>
+              <a:defRPr sz="2000" b="1"/>
+            </a:lvl2pPr>
+            <a:lvl3pPr marL="914400" indent="0">
+              <a:buNone/>
+              <a:defRPr sz="1800" b="1"/>
+            </a:lvl3pPr>
+            <a:lvl4pPr marL="1371600" indent="0">
+              <a:buNone/>
+              <a:defRPr sz="1600" b="1"/>
+            </a:lvl4pPr>
+            <a:lvl5pPr marL="1828800" indent="0">
+              <a:buNone/>
+              <a:defRPr sz="1600" b="1"/>
+            </a:lvl5pPr>
+            <a:lvl6pPr marL="2286000" indent="0">
+              <a:buNone/>
+              <a:defRPr sz="1600" b="1"/>
+            </a:lvl6pPr>
+            <a:lvl7pPr marL="2743200" indent="0">
+              <a:buNone/>
+              <a:defRPr sz="1600" b="1"/>
+            </a:lvl7pPr>
+            <a:lvl8pPr marL="3200400" indent="0">
+              <a:buNone/>
+              <a:defRPr sz="1600" b="1"/>
+            </a:lvl8pPr>
+            <a:lvl9pPr marL="3657600" indent="0">
+              <a:buNone/>
+              <a:defRPr sz="1600" b="1"/>
+            </a:lvl9pPr>
+          </a:lstStyle>
+          <a:p>
+            <a:pPr lvl="0"/>
+            <a:r>
+              <a:rPr lang="en-US"/>
+              <a:t>Click to edit Master text styles</a:t>
+            </a:r>
+          </a:p>
+        </p:txBody>
+      </p:sp>
+      <p:sp>
+        <p:nvSpPr>
+          <p:cNvPr id="10" name="Text Placeholder 3"/>
+          <p:cNvSpPr>
+            <a:spLocks noGrp="1"/>
+          </p:cNvSpPr>
+          <p:nvPr>
+            <p:ph type="body" sz="half" idx="16"/>
+          </p:nvPr>
+        </p:nvSpPr>
+        <p:spPr>
+          <a:xfrm>
+            <a:off x="4444878" y="2911624"/>
+            <a:ext cx="3299821" cy="2879576"/>
+          </a:xfrm>
+        </p:spPr>
+        <p:txBody>
+          <a:bodyPr anchor="t">
+            <a:normAutofit/>
+          </a:bodyPr>
+          <a:lstStyle>
+            <a:lvl1pPr marL="0" indent="0" algn="ctr">
+              <a:buNone/>
+              <a:defRPr sz="1400"/>
+            </a:lvl1pPr>
+            <a:lvl2pPr marL="457200" indent="0">
+              <a:buNone/>
+              <a:defRPr sz="1200"/>
+            </a:lvl2pPr>
+            <a:lvl3pPr marL="914400" indent="0">
+              <a:buNone/>
+              <a:defRPr sz="1000"/>
+            </a:lvl3pPr>
+            <a:lvl4pPr marL="1371600" indent="0">
+              <a:buNone/>
+              <a:defRPr sz="900"/>
+            </a:lvl4pPr>
+            <a:lvl5pPr marL="1828800" indent="0">
+              <a:buNone/>
+              <a:defRPr sz="900"/>
+            </a:lvl5pPr>
+            <a:lvl6pPr marL="2286000" indent="0">
+              <a:buNone/>
+              <a:defRPr sz="900"/>
+            </a:lvl6pPr>
+            <a:lvl7pPr marL="2743200" indent="0">
+              <a:buNone/>
+              <a:defRPr sz="900"/>
+            </a:lvl7pPr>
+            <a:lvl8pPr marL="3200400" indent="0">
+              <a:buNone/>
+              <a:defRPr sz="900"/>
+            </a:lvl8pPr>
+            <a:lvl9pPr marL="3657600" indent="0">
+              <a:buNone/>
+              <a:defRPr sz="900"/>
+            </a:lvl9pPr>
+          </a:lstStyle>
+          <a:p>
+            <a:pPr lvl="0"/>
+            <a:r>
+              <a:rPr lang="en-US"/>
+              <a:t>Click to edit Master text styles</a:t>
+            </a:r>
+          </a:p>
+        </p:txBody>
+      </p:sp>
+      <p:sp>
+        <p:nvSpPr>
+          <p:cNvPr id="11" name="Text Placeholder 4"/>
+          <p:cNvSpPr>
+            <a:spLocks noGrp="1"/>
+          </p:cNvSpPr>
+          <p:nvPr>
+            <p:ph type="body" sz="quarter" idx="13"/>
+          </p:nvPr>
+        </p:nvSpPr>
+        <p:spPr>
+          <a:xfrm>
+            <a:off x="7973298" y="2088320"/>
+            <a:ext cx="3291211" cy="823304"/>
+          </a:xfrm>
+        </p:spPr>
+        <p:txBody>
+          <a:bodyPr anchor="b">
+            <a:noAutofit/>
+          </a:bodyPr>
+          <a:lstStyle>
+            <a:lvl1pPr marL="0" indent="0" algn="ctr">
+              <a:lnSpc>
+                <a:spcPct val="100000"/>
+              </a:lnSpc>
+              <a:buNone/>
+              <a:defRPr sz="2400" b="0">
+                <a:solidFill>
+                  <a:schemeClr val="tx1"/>
+                </a:solidFill>
+              </a:defRPr>
+            </a:lvl1pPr>
+            <a:lvl2pPr marL="457200" indent="0">
+              <a:buNone/>
+              <a:defRPr sz="2000" b="1"/>
+            </a:lvl2pPr>
+            <a:lvl3pPr marL="914400" indent="0">
+              <a:buNone/>
+              <a:defRPr sz="1800" b="1"/>
+            </a:lvl3pPr>
+            <a:lvl4pPr marL="1371600" indent="0">
+              <a:buNone/>
+              <a:defRPr sz="1600" b="1"/>
+            </a:lvl4pPr>
+            <a:lvl5pPr marL="1828800" indent="0">
+              <a:buNone/>
+              <a:defRPr sz="1600" b="1"/>
+            </a:lvl5pPr>
+            <a:lvl6pPr marL="2286000" indent="0">
+              <a:buNone/>
+              <a:defRPr sz="1600" b="1"/>
+            </a:lvl6pPr>
+            <a:lvl7pPr marL="2743200" indent="0">
+              <a:buNone/>
+              <a:defRPr sz="1600" b="1"/>
+            </a:lvl7pPr>
+            <a:lvl8pPr marL="3200400" indent="0">
+              <a:buNone/>
+              <a:defRPr sz="1600" b="1"/>
+            </a:lvl8pPr>
+            <a:lvl9pPr marL="3657600" indent="0">
+              <a:buNone/>
+              <a:defRPr sz="1600" b="1"/>
+            </a:lvl9pPr>
+          </a:lstStyle>
+          <a:p>
+            <a:pPr lvl="0"/>
+            <a:r>
+              <a:rPr lang="en-US"/>
+              <a:t>Click to edit Master text styles</a:t>
+            </a:r>
+          </a:p>
+        </p:txBody>
+      </p:sp>
+      <p:sp>
+        <p:nvSpPr>
+          <p:cNvPr id="12" name="Text Placeholder 3"/>
+          <p:cNvSpPr>
+            <a:spLocks noGrp="1"/>
+          </p:cNvSpPr>
+          <p:nvPr>
+            <p:ph type="body" sz="half" idx="17"/>
+          </p:nvPr>
+        </p:nvSpPr>
+        <p:spPr>
+          <a:xfrm>
+            <a:off x="7976346" y="2911624"/>
+            <a:ext cx="3291211" cy="2879576"/>
+          </a:xfrm>
+        </p:spPr>
+        <p:txBody>
+          <a:bodyPr anchor="t">
+            <a:normAutofit/>
+          </a:bodyPr>
+          <a:lstStyle>
+            <a:lvl1pPr marL="0" indent="0" algn="ctr">
+              <a:buNone/>
+              <a:defRPr sz="1400"/>
+            </a:lvl1pPr>
+            <a:lvl2pPr marL="457200" indent="0">
+              <a:buNone/>
+              <a:defRPr sz="1200"/>
+            </a:lvl2pPr>
+            <a:lvl3pPr marL="914400" indent="0">
+              <a:buNone/>
+              <a:defRPr sz="1000"/>
+            </a:lvl3pPr>
+            <a:lvl4pPr marL="1371600" indent="0">
+              <a:buNone/>
+              <a:defRPr sz="900"/>
+            </a:lvl4pPr>
+            <a:lvl5pPr marL="1828800" indent="0">
+              <a:buNone/>
+              <a:defRPr sz="900"/>
+            </a:lvl5pPr>
+            <a:lvl6pPr marL="2286000" indent="0">
+              <a:buNone/>
+              <a:defRPr sz="900"/>
+            </a:lvl6pPr>
+            <a:lvl7pPr marL="2743200" indent="0">
+              <a:buNone/>
+              <a:defRPr sz="900"/>
+            </a:lvl7pPr>
+            <a:lvl8pPr marL="3200400" indent="0">
+              <a:buNone/>
+              <a:defRPr sz="900"/>
+            </a:lvl8pPr>
+            <a:lvl9pPr marL="3657600" indent="0">
+              <a:buNone/>
+              <a:defRPr sz="900"/>
+            </a:lvl9pPr>
+          </a:lstStyle>
+          <a:p>
+            <a:pPr lvl="0"/>
+            <a:r>
+              <a:rPr lang="en-US"/>
+              <a:t>Click to edit Master text styles</a:t>
+            </a:r>
+          </a:p>
+        </p:txBody>
+      </p:sp>
+      <p:sp>
+        <p:nvSpPr>
+          <p:cNvPr id="3" name="Date Placeholder 2"/>
+          <p:cNvSpPr>
+            <a:spLocks noGrp="1"/>
+          </p:cNvSpPr>
+          <p:nvPr>
+            <p:ph type="dt" sz="half" idx="10"/>
+          </p:nvPr>
+        </p:nvSpPr>
+        <p:spPr/>
+        <p:txBody>
+          <a:bodyPr/>
+          <a:lstStyle/>
+          <a:p>
+            <a:fld id="{EED1C14C-A143-42F5-B247-D0E800131009}" type="datetimeFigureOut">
+              <a:rPr lang="en-US" smtClean="0"/>
+              <a:t>7/5/2022</a:t>
+            </a:fld>
+            <a:endParaRPr lang="en-US"/>
+          </a:p>
+        </p:txBody>
+      </p:sp>
+      <p:sp>
+        <p:nvSpPr>
+          <p:cNvPr id="4" name="Footer Placeholder 3"/>
+          <p:cNvSpPr>
+            <a:spLocks noGrp="1"/>
+          </p:cNvSpPr>
+          <p:nvPr>
+            <p:ph type="ftr" sz="quarter" idx="11"/>
+          </p:nvPr>
+        </p:nvSpPr>
+        <p:spPr/>
+        <p:txBody>
+          <a:bodyPr/>
+          <a:lstStyle/>
+          <a:p>
+            <a:endParaRPr lang="en-US"/>
+          </a:p>
+        </p:txBody>
+      </p:sp>
+      <p:sp>
+        <p:nvSpPr>
+          <p:cNvPr id="5" name="Slide Number Placeholder 4"/>
+          <p:cNvSpPr>
+            <a:spLocks noGrp="1"/>
+          </p:cNvSpPr>
+          <p:nvPr>
+            <p:ph type="sldNum" sz="quarter" idx="12"/>
+          </p:nvPr>
+        </p:nvSpPr>
+        <p:spPr/>
+        <p:txBody>
+          <a:bodyPr/>
+          <a:lstStyle/>
+          <a:p>
+            <a:fld id="{5B03D32D-F1BC-4E9C-97E1-36CFF5B22341}" type="slidenum">
+              <a:rPr lang="en-US" smtClean="0"/>
+              <a:t>‹#›</a:t>
+            </a:fld>
+            <a:endParaRPr lang="en-US"/>
+          </a:p>
+        </p:txBody>
+      </p:sp>
+    </p:spTree>
+    <p:extLst>
+      <p:ext uri="{BB962C8B-B14F-4D97-AF65-F5344CB8AC3E}">
+        <p14:creationId xmlns:p14="http://schemas.microsoft.com/office/powerpoint/2010/main" val="2037361353"/>
+      </p:ext>
+    </p:extLst>
+  </p:cSld>
+  <p:clrMapOvr>
+    <a:masterClrMapping/>
+  </p:clrMapOvr>
+</p:sldLayout>
+</file>
+
+<file path=ppt/slideLayouts/slideLayout15.xml><?xml version="1.0" encoding="utf-8"?>
+<p:sldLayout xmlns:a="http://schemas.openxmlformats.org/drawingml/2006/main" xmlns:r="http://schemas.openxmlformats.org/officeDocument/2006/relationships" xmlns:p="http://schemas.openxmlformats.org/presentationml/2006/main" preserve="1">
+  <p:cSld name="3 Picture Column">
+    <p:spTree>
+      <p:nvGrpSpPr>
+        <p:cNvPr id="1" name=""/>
+        <p:cNvGrpSpPr/>
+        <p:nvPr/>
+      </p:nvGrpSpPr>
+      <p:grpSpPr>
+        <a:xfrm>
+          <a:off x="0" y="0"/>
+          <a:ext cx="0" cy="0"/>
+          <a:chOff x="0" y="0"/>
+          <a:chExt cx="0" cy="0"/>
+        </a:xfrm>
+      </p:grpSpPr>
+      <p:sp>
+        <p:nvSpPr>
+          <p:cNvPr id="30" name="Title 1"/>
+          <p:cNvSpPr>
+            <a:spLocks noGrp="1"/>
+          </p:cNvSpPr>
+          <p:nvPr>
+            <p:ph type="title"/>
+          </p:nvPr>
+        </p:nvSpPr>
+        <p:spPr>
+          <a:xfrm>
+            <a:off x="913795" y="609600"/>
+            <a:ext cx="10353762" cy="1325563"/>
+          </a:xfrm>
+        </p:spPr>
+        <p:txBody>
+          <a:bodyPr/>
+          <a:lstStyle/>
+          <a:p>
+            <a:r>
+              <a:rPr lang="en-US"/>
+              <a:t>Click to edit Master title style</a:t>
+            </a:r>
+            <a:endParaRPr lang="en-US" dirty="0"/>
+          </a:p>
+        </p:txBody>
+      </p:sp>
+      <p:sp>
+        <p:nvSpPr>
+          <p:cNvPr id="19" name="Text Placeholder 2"/>
+          <p:cNvSpPr>
+            <a:spLocks noGrp="1"/>
+          </p:cNvSpPr>
+          <p:nvPr>
+            <p:ph type="body" idx="1"/>
+          </p:nvPr>
+        </p:nvSpPr>
+        <p:spPr>
+          <a:xfrm>
+            <a:off x="913795" y="4195899"/>
+            <a:ext cx="3298955" cy="576262"/>
+          </a:xfrm>
+        </p:spPr>
+        <p:txBody>
+          <a:bodyPr anchor="b">
+            <a:noAutofit/>
+          </a:bodyPr>
+          <a:lstStyle>
+            <a:lvl1pPr marL="0" indent="0" algn="ctr">
+              <a:lnSpc>
+                <a:spcPct val="100000"/>
+              </a:lnSpc>
+              <a:buNone/>
+              <a:defRPr sz="2000" b="0">
+                <a:solidFill>
+                  <a:schemeClr val="tx1"/>
+                </a:solidFill>
+              </a:defRPr>
+            </a:lvl1pPr>
+            <a:lvl2pPr marL="457200" indent="0">
+              <a:buNone/>
+              <a:defRPr sz="2000" b="1"/>
+            </a:lvl2pPr>
+            <a:lvl3pPr marL="914400" indent="0">
+              <a:buNone/>
+              <a:defRPr sz="1800" b="1"/>
+            </a:lvl3pPr>
+            <a:lvl4pPr marL="1371600" indent="0">
+              <a:buNone/>
+              <a:defRPr sz="1600" b="1"/>
+            </a:lvl4pPr>
+            <a:lvl5pPr marL="1828800" indent="0">
+              <a:buNone/>
+              <a:defRPr sz="1600" b="1"/>
+            </a:lvl5pPr>
+            <a:lvl6pPr marL="2286000" indent="0">
+              <a:buNone/>
+              <a:defRPr sz="1600" b="1"/>
+            </a:lvl6pPr>
+            <a:lvl7pPr marL="2743200" indent="0">
+              <a:buNone/>
+              <a:defRPr sz="1600" b="1"/>
+            </a:lvl7pPr>
+            <a:lvl8pPr marL="3200400" indent="0">
+              <a:buNone/>
+              <a:defRPr sz="1600" b="1"/>
+            </a:lvl8pPr>
+            <a:lvl9pPr marL="3657600" indent="0">
+              <a:buNone/>
+              <a:defRPr sz="1600" b="1"/>
+            </a:lvl9pPr>
+          </a:lstStyle>
+          <a:p>
+            <a:pPr lvl="0"/>
+            <a:r>
+              <a:rPr lang="en-US"/>
+              <a:t>Click to edit Master text styles</a:t>
+            </a:r>
+          </a:p>
+        </p:txBody>
+      </p:sp>
+      <p:sp>
+        <p:nvSpPr>
+          <p:cNvPr id="20" name="Picture Placeholder 2"/>
+          <p:cNvSpPr>
+            <a:spLocks noGrp="1" noChangeAspect="1"/>
+          </p:cNvSpPr>
+          <p:nvPr>
+            <p:ph type="pic" idx="15"/>
+          </p:nvPr>
+        </p:nvSpPr>
+        <p:spPr>
+          <a:xfrm>
+            <a:off x="1092020" y="2298987"/>
+            <a:ext cx="2940050" cy="1524000"/>
+          </a:xfrm>
+          <a:prstGeom prst="roundRect">
+            <a:avLst>
+              <a:gd name="adj" fmla="val 0"/>
+            </a:avLst>
+          </a:prstGeom>
+          <a:noFill/>
+          <a:ln w="146050" cap="sq">
+            <a:solidFill>
+              <a:srgbClr val="FFFFFF"/>
+            </a:solidFill>
+            <a:miter lim="800000"/>
+          </a:ln>
+          <a:effectLst>
+            <a:outerShdw blurRad="55000" dist="18000" dir="5400000" algn="tl" rotWithShape="0">
+              <a:srgbClr val="000000">
+                <a:alpha val="40000"/>
+              </a:srgbClr>
+            </a:outerShdw>
+          </a:effectLst>
+          <a:scene3d>
+            <a:camera prst="orthographicFront"/>
+            <a:lightRig rig="twoPt" dir="t">
+              <a:rot lat="0" lon="0" rev="7200000"/>
+            </a:lightRig>
+          </a:scene3d>
+          <a:sp3d>
+            <a:bevelT w="25400" h="19050"/>
+            <a:contourClr>
+              <a:srgbClr val="FFFFFF"/>
+            </a:contourClr>
+          </a:sp3d>
+        </p:spPr>
+        <p:txBody>
+          <a:bodyPr anchor="t">
+            <a:normAutofit/>
+          </a:bodyPr>
+          <a:lstStyle>
+            <a:lvl1pPr marL="0" indent="0" algn="ctr">
+              <a:buNone/>
+              <a:defRPr sz="1600"/>
+            </a:lvl1pPr>
+            <a:lvl2pPr marL="457200" indent="0">
+              <a:buNone/>
+              <a:defRPr sz="1600"/>
+            </a:lvl2pPr>
+            <a:lvl3pPr marL="914400" indent="0">
+              <a:buNone/>
+              <a:defRPr sz="1600"/>
+            </a:lvl3pPr>
+            <a:lvl4pPr marL="1371600" indent="0">
+              <a:buNone/>
+              <a:defRPr sz="1600"/>
+            </a:lvl4pPr>
+            <a:lvl5pPr marL="1828800" indent="0">
+              <a:buNone/>
+              <a:defRPr sz="1600"/>
+            </a:lvl5pPr>
+            <a:lvl6pPr marL="2286000" indent="0">
+              <a:buNone/>
+              <a:defRPr sz="1600"/>
+            </a:lvl6pPr>
+            <a:lvl7pPr marL="2743200" indent="0">
+              <a:buNone/>
+              <a:defRPr sz="1600"/>
+            </a:lvl7pPr>
+            <a:lvl8pPr marL="3200400" indent="0">
+              <a:buNone/>
+              <a:defRPr sz="1600"/>
+            </a:lvl8pPr>
+            <a:lvl9pPr marL="3657600" indent="0">
+              <a:buNone/>
+              <a:defRPr sz="1600"/>
+            </a:lvl9pPr>
+          </a:lstStyle>
+          <a:p>
+            <a:r>
+              <a:rPr lang="en-US"/>
+              <a:t>Click icon to add picture</a:t>
+            </a:r>
+            <a:endParaRPr lang="en-US" dirty="0"/>
+          </a:p>
+        </p:txBody>
+      </p:sp>
+      <p:sp>
+        <p:nvSpPr>
+          <p:cNvPr id="21" name="Text Placeholder 3"/>
+          <p:cNvSpPr>
+            <a:spLocks noGrp="1"/>
+          </p:cNvSpPr>
+          <p:nvPr>
+            <p:ph type="body" sz="half" idx="18"/>
+          </p:nvPr>
+        </p:nvSpPr>
+        <p:spPr>
+          <a:xfrm>
+            <a:off x="913795" y="4772161"/>
+            <a:ext cx="3298955" cy="1019038"/>
+          </a:xfrm>
+        </p:spPr>
+        <p:txBody>
+          <a:bodyPr anchor="t">
+            <a:normAutofit/>
+          </a:bodyPr>
+          <a:lstStyle>
+            <a:lvl1pPr marL="0" indent="0" algn="ctr">
+              <a:buNone/>
+              <a:defRPr sz="1400"/>
+            </a:lvl1pPr>
+            <a:lvl2pPr marL="457200" indent="0">
+              <a:buNone/>
+              <a:defRPr sz="1200"/>
+            </a:lvl2pPr>
+            <a:lvl3pPr marL="914400" indent="0">
+              <a:buNone/>
+              <a:defRPr sz="1000"/>
+            </a:lvl3pPr>
+            <a:lvl4pPr marL="1371600" indent="0">
+              <a:buNone/>
+              <a:defRPr sz="900"/>
+            </a:lvl4pPr>
+            <a:lvl5pPr marL="1828800" indent="0">
+              <a:buNone/>
+              <a:defRPr sz="900"/>
+            </a:lvl5pPr>
+            <a:lvl6pPr marL="2286000" indent="0">
+              <a:buNone/>
+              <a:defRPr sz="900"/>
+            </a:lvl6pPr>
+            <a:lvl7pPr marL="2743200" indent="0">
+              <a:buNone/>
+              <a:defRPr sz="900"/>
+            </a:lvl7pPr>
+            <a:lvl8pPr marL="3200400" indent="0">
+              <a:buNone/>
+              <a:defRPr sz="900"/>
+            </a:lvl8pPr>
+            <a:lvl9pPr marL="3657600" indent="0">
+              <a:buNone/>
+              <a:defRPr sz="900"/>
+            </a:lvl9pPr>
+          </a:lstStyle>
+          <a:p>
+            <a:pPr lvl="0"/>
+            <a:r>
+              <a:rPr lang="en-US"/>
+              <a:t>Click to edit Master text styles</a:t>
+            </a:r>
+          </a:p>
+        </p:txBody>
+      </p:sp>
+      <p:sp>
+        <p:nvSpPr>
+          <p:cNvPr id="22" name="Text Placeholder 4"/>
+          <p:cNvSpPr>
+            <a:spLocks noGrp="1"/>
+          </p:cNvSpPr>
+          <p:nvPr>
+            <p:ph type="body" sz="quarter" idx="3"/>
+          </p:nvPr>
+        </p:nvSpPr>
+        <p:spPr>
+          <a:xfrm>
+            <a:off x="4442701" y="4195899"/>
+            <a:ext cx="3298983" cy="576262"/>
+          </a:xfrm>
+        </p:spPr>
+        <p:txBody>
+          <a:bodyPr anchor="b">
+            <a:noAutofit/>
+          </a:bodyPr>
+          <a:lstStyle>
+            <a:lvl1pPr marL="0" indent="0" algn="ctr">
+              <a:lnSpc>
+                <a:spcPct val="100000"/>
+              </a:lnSpc>
+              <a:buNone/>
+              <a:defRPr sz="2000" b="0">
+                <a:solidFill>
+                  <a:schemeClr val="tx1"/>
+                </a:solidFill>
+              </a:defRPr>
+            </a:lvl1pPr>
+            <a:lvl2pPr marL="457200" indent="0">
+              <a:buNone/>
+              <a:defRPr sz="2000" b="1"/>
+            </a:lvl2pPr>
+            <a:lvl3pPr marL="914400" indent="0">
+              <a:buNone/>
+              <a:defRPr sz="1800" b="1"/>
+            </a:lvl3pPr>
+            <a:lvl4pPr marL="1371600" indent="0">
+              <a:buNone/>
+              <a:defRPr sz="1600" b="1"/>
+            </a:lvl4pPr>
+            <a:lvl5pPr marL="1828800" indent="0">
+              <a:buNone/>
+              <a:defRPr sz="1600" b="1"/>
+            </a:lvl5pPr>
+            <a:lvl6pPr marL="2286000" indent="0">
+              <a:buNone/>
+              <a:defRPr sz="1600" b="1"/>
+            </a:lvl6pPr>
+            <a:lvl7pPr marL="2743200" indent="0">
+              <a:buNone/>
+              <a:defRPr sz="1600" b="1"/>
+            </a:lvl7pPr>
+            <a:lvl8pPr marL="3200400" indent="0">
+              <a:buNone/>
+              <a:defRPr sz="1600" b="1"/>
+            </a:lvl8pPr>
+            <a:lvl9pPr marL="3657600" indent="0">
+              <a:buNone/>
+              <a:defRPr sz="1600" b="1"/>
+            </a:lvl9pPr>
+          </a:lstStyle>
+          <a:p>
+            <a:pPr lvl="0"/>
+            <a:r>
+              <a:rPr lang="en-US"/>
+              <a:t>Click to edit Master text styles</a:t>
+            </a:r>
+          </a:p>
+        </p:txBody>
+      </p:sp>
+      <p:sp>
+        <p:nvSpPr>
+          <p:cNvPr id="23" name="Picture Placeholder 2"/>
+          <p:cNvSpPr>
+            <a:spLocks noGrp="1" noChangeAspect="1"/>
+          </p:cNvSpPr>
+          <p:nvPr>
+            <p:ph type="pic" idx="21"/>
+          </p:nvPr>
+        </p:nvSpPr>
+        <p:spPr>
+          <a:xfrm>
+            <a:off x="4568996" y="2298987"/>
+            <a:ext cx="2930525" cy="1524000"/>
+          </a:xfrm>
+          <a:prstGeom prst="roundRect">
+            <a:avLst>
+              <a:gd name="adj" fmla="val 0"/>
+            </a:avLst>
+          </a:prstGeom>
+          <a:noFill/>
+          <a:ln w="146050" cap="sq">
+            <a:solidFill>
+              <a:srgbClr val="FFFFFF"/>
+            </a:solidFill>
+            <a:miter lim="800000"/>
+          </a:ln>
+          <a:effectLst>
+            <a:outerShdw blurRad="55000" dist="18000" dir="5400000" algn="tl" rotWithShape="0">
+              <a:srgbClr val="000000">
+                <a:alpha val="40000"/>
+              </a:srgbClr>
+            </a:outerShdw>
+          </a:effectLst>
+          <a:scene3d>
+            <a:camera prst="orthographicFront"/>
+            <a:lightRig rig="twoPt" dir="t">
+              <a:rot lat="0" lon="0" rev="7200000"/>
+            </a:lightRig>
+          </a:scene3d>
+          <a:sp3d>
+            <a:bevelT w="25400" h="19050"/>
+            <a:contourClr>
+              <a:srgbClr val="FFFFFF"/>
+            </a:contourClr>
+          </a:sp3d>
+        </p:spPr>
+        <p:txBody>
+          <a:bodyPr anchor="t">
+            <a:normAutofit/>
+          </a:bodyPr>
+          <a:lstStyle>
+            <a:lvl1pPr marL="0" indent="0" algn="ctr">
+              <a:buNone/>
+              <a:defRPr sz="1600"/>
+            </a:lvl1pPr>
+            <a:lvl2pPr marL="457200" indent="0">
+              <a:buNone/>
+              <a:defRPr sz="1600"/>
+            </a:lvl2pPr>
+            <a:lvl3pPr marL="914400" indent="0">
+              <a:buNone/>
+              <a:defRPr sz="1600"/>
+            </a:lvl3pPr>
+            <a:lvl4pPr marL="1371600" indent="0">
+              <a:buNone/>
+              <a:defRPr sz="1600"/>
+            </a:lvl4pPr>
+            <a:lvl5pPr marL="1828800" indent="0">
+              <a:buNone/>
+              <a:defRPr sz="1600"/>
+            </a:lvl5pPr>
+            <a:lvl6pPr marL="2286000" indent="0">
+              <a:buNone/>
+              <a:defRPr sz="1600"/>
+            </a:lvl6pPr>
+            <a:lvl7pPr marL="2743200" indent="0">
+              <a:buNone/>
+              <a:defRPr sz="1600"/>
+            </a:lvl7pPr>
+            <a:lvl8pPr marL="3200400" indent="0">
+              <a:buNone/>
+              <a:defRPr sz="1600"/>
+            </a:lvl8pPr>
+            <a:lvl9pPr marL="3657600" indent="0">
+              <a:buNone/>
+              <a:defRPr sz="1600"/>
+            </a:lvl9pPr>
+          </a:lstStyle>
+          <a:p>
+            <a:r>
+              <a:rPr lang="en-US"/>
+              <a:t>Click icon to add picture</a:t>
+            </a:r>
+            <a:endParaRPr lang="en-US" dirty="0"/>
+          </a:p>
+        </p:txBody>
+      </p:sp>
+      <p:sp>
+        <p:nvSpPr>
+          <p:cNvPr id="24" name="Text Placeholder 3"/>
+          <p:cNvSpPr>
+            <a:spLocks noGrp="1"/>
+          </p:cNvSpPr>
+          <p:nvPr>
+            <p:ph type="body" sz="half" idx="19"/>
+          </p:nvPr>
+        </p:nvSpPr>
+        <p:spPr>
+          <a:xfrm>
+            <a:off x="4441348" y="4772160"/>
+            <a:ext cx="3300336" cy="1019038"/>
+          </a:xfrm>
+        </p:spPr>
+        <p:txBody>
+          <a:bodyPr anchor="t">
+            <a:normAutofit/>
+          </a:bodyPr>
+          <a:lstStyle>
+            <a:lvl1pPr marL="0" indent="0" algn="ctr">
+              <a:buNone/>
+              <a:defRPr sz="1400"/>
+            </a:lvl1pPr>
+            <a:lvl2pPr marL="457200" indent="0">
+              <a:buNone/>
+              <a:defRPr sz="1200"/>
+            </a:lvl2pPr>
+            <a:lvl3pPr marL="914400" indent="0">
+              <a:buNone/>
+              <a:defRPr sz="1000"/>
+            </a:lvl3pPr>
+            <a:lvl4pPr marL="1371600" indent="0">
+              <a:buNone/>
+              <a:defRPr sz="900"/>
+            </a:lvl4pPr>
+            <a:lvl5pPr marL="1828800" indent="0">
+              <a:buNone/>
+              <a:defRPr sz="900"/>
+            </a:lvl5pPr>
+            <a:lvl6pPr marL="2286000" indent="0">
+              <a:buNone/>
+              <a:defRPr sz="900"/>
+            </a:lvl6pPr>
+            <a:lvl7pPr marL="2743200" indent="0">
+              <a:buNone/>
+              <a:defRPr sz="900"/>
+            </a:lvl7pPr>
+            <a:lvl8pPr marL="3200400" indent="0">
+              <a:buNone/>
+              <a:defRPr sz="900"/>
+            </a:lvl8pPr>
+            <a:lvl9pPr marL="3657600" indent="0">
+              <a:buNone/>
+              <a:defRPr sz="900"/>
+            </a:lvl9pPr>
+          </a:lstStyle>
+          <a:p>
+            <a:pPr lvl="0"/>
+            <a:r>
+              <a:rPr lang="en-US"/>
+              <a:t>Click to edit Master text styles</a:t>
+            </a:r>
+          </a:p>
+        </p:txBody>
+      </p:sp>
+      <p:sp>
+        <p:nvSpPr>
+          <p:cNvPr id="25" name="Text Placeholder 4"/>
+          <p:cNvSpPr>
+            <a:spLocks noGrp="1"/>
+          </p:cNvSpPr>
+          <p:nvPr>
+            <p:ph type="body" sz="quarter" idx="13"/>
+          </p:nvPr>
+        </p:nvSpPr>
+        <p:spPr>
+          <a:xfrm>
+            <a:off x="7973423" y="4195899"/>
+            <a:ext cx="3289900" cy="576262"/>
+          </a:xfrm>
+        </p:spPr>
+        <p:txBody>
+          <a:bodyPr anchor="b">
+            <a:noAutofit/>
+          </a:bodyPr>
+          <a:lstStyle>
+            <a:lvl1pPr marL="0" indent="0" algn="ctr">
+              <a:lnSpc>
+                <a:spcPct val="100000"/>
+              </a:lnSpc>
+              <a:buNone/>
+              <a:defRPr sz="2000" b="0">
+                <a:solidFill>
+                  <a:schemeClr val="tx1"/>
+                </a:solidFill>
+              </a:defRPr>
+            </a:lvl1pPr>
+            <a:lvl2pPr marL="457200" indent="0">
+              <a:buNone/>
+              <a:defRPr sz="2000" b="1"/>
+            </a:lvl2pPr>
+            <a:lvl3pPr marL="914400" indent="0">
+              <a:buNone/>
+              <a:defRPr sz="1800" b="1"/>
+            </a:lvl3pPr>
+            <a:lvl4pPr marL="1371600" indent="0">
+              <a:buNone/>
+              <a:defRPr sz="1600" b="1"/>
+            </a:lvl4pPr>
+            <a:lvl5pPr marL="1828800" indent="0">
+              <a:buNone/>
+              <a:defRPr sz="1600" b="1"/>
+            </a:lvl5pPr>
+            <a:lvl6pPr marL="2286000" indent="0">
+              <a:buNone/>
+              <a:defRPr sz="1600" b="1"/>
+            </a:lvl6pPr>
+            <a:lvl7pPr marL="2743200" indent="0">
+              <a:buNone/>
+              <a:defRPr sz="1600" b="1"/>
+            </a:lvl7pPr>
+            <a:lvl8pPr marL="3200400" indent="0">
+              <a:buNone/>
+              <a:defRPr sz="1600" b="1"/>
+            </a:lvl8pPr>
+            <a:lvl9pPr marL="3657600" indent="0">
+              <a:buNone/>
+              <a:defRPr sz="1600" b="1"/>
+            </a:lvl9pPr>
+          </a:lstStyle>
+          <a:p>
+            <a:pPr lvl="0"/>
+            <a:r>
+              <a:rPr lang="en-US"/>
+              <a:t>Click to edit Master text styles</a:t>
+            </a:r>
+          </a:p>
+        </p:txBody>
+      </p:sp>
+      <p:sp>
+        <p:nvSpPr>
+          <p:cNvPr id="26" name="Picture Placeholder 2"/>
+          <p:cNvSpPr>
+            <a:spLocks noGrp="1" noChangeAspect="1"/>
+          </p:cNvSpPr>
+          <p:nvPr>
+            <p:ph type="pic" idx="22"/>
+          </p:nvPr>
+        </p:nvSpPr>
+        <p:spPr>
+          <a:xfrm>
+            <a:off x="8152803" y="2298987"/>
+            <a:ext cx="2932113" cy="1524000"/>
+          </a:xfrm>
+          <a:prstGeom prst="roundRect">
+            <a:avLst>
+              <a:gd name="adj" fmla="val 0"/>
+            </a:avLst>
+          </a:prstGeom>
+          <a:noFill/>
+          <a:ln w="146050" cap="sq">
+            <a:solidFill>
+              <a:srgbClr val="FFFFFF"/>
+            </a:solidFill>
+            <a:miter lim="800000"/>
+          </a:ln>
+          <a:effectLst>
+            <a:outerShdw blurRad="55000" dist="18000" dir="5400000" algn="tl" rotWithShape="0">
+              <a:srgbClr val="000000">
+                <a:alpha val="40000"/>
+              </a:srgbClr>
+            </a:outerShdw>
+          </a:effectLst>
+          <a:scene3d>
+            <a:camera prst="orthographicFront"/>
+            <a:lightRig rig="twoPt" dir="t">
+              <a:rot lat="0" lon="0" rev="7200000"/>
+            </a:lightRig>
+          </a:scene3d>
+          <a:sp3d>
+            <a:bevelT w="25400" h="19050"/>
+            <a:contourClr>
+              <a:srgbClr val="FFFFFF"/>
+            </a:contourClr>
+          </a:sp3d>
+        </p:spPr>
+        <p:txBody>
+          <a:bodyPr anchor="t">
+            <a:normAutofit/>
+          </a:bodyPr>
+          <a:lstStyle>
+            <a:lvl1pPr marL="0" indent="0" algn="ctr">
+              <a:buNone/>
+              <a:defRPr sz="1600"/>
+            </a:lvl1pPr>
+            <a:lvl2pPr marL="457200" indent="0">
+              <a:buNone/>
+              <a:defRPr sz="1600"/>
+            </a:lvl2pPr>
+            <a:lvl3pPr marL="914400" indent="0">
+              <a:buNone/>
+              <a:defRPr sz="1600"/>
+            </a:lvl3pPr>
+            <a:lvl4pPr marL="1371600" indent="0">
+              <a:buNone/>
+              <a:defRPr sz="1600"/>
+            </a:lvl4pPr>
+            <a:lvl5pPr marL="1828800" indent="0">
+              <a:buNone/>
+              <a:defRPr sz="1600"/>
+            </a:lvl5pPr>
+            <a:lvl6pPr marL="2286000" indent="0">
+              <a:buNone/>
+              <a:defRPr sz="1600"/>
+            </a:lvl6pPr>
+            <a:lvl7pPr marL="2743200" indent="0">
+              <a:buNone/>
+              <a:defRPr sz="1600"/>
+            </a:lvl7pPr>
+            <a:lvl8pPr marL="3200400" indent="0">
+              <a:buNone/>
+              <a:defRPr sz="1600"/>
+            </a:lvl8pPr>
+            <a:lvl9pPr marL="3657600" indent="0">
+              <a:buNone/>
+              <a:defRPr sz="1600"/>
+            </a:lvl9pPr>
+          </a:lstStyle>
+          <a:p>
+            <a:r>
+              <a:rPr lang="en-US"/>
+              <a:t>Click icon to add picture</a:t>
+            </a:r>
+            <a:endParaRPr lang="en-US" dirty="0"/>
+          </a:p>
+        </p:txBody>
+      </p:sp>
+      <p:sp>
+        <p:nvSpPr>
+          <p:cNvPr id="27" name="Text Placeholder 3"/>
+          <p:cNvSpPr>
+            <a:spLocks noGrp="1"/>
+          </p:cNvSpPr>
+          <p:nvPr>
+            <p:ph type="body" sz="half" idx="20"/>
+          </p:nvPr>
+        </p:nvSpPr>
+        <p:spPr>
+          <a:xfrm>
+            <a:off x="7973298" y="4772161"/>
+            <a:ext cx="3294258" cy="1019037"/>
+          </a:xfrm>
+        </p:spPr>
+        <p:txBody>
+          <a:bodyPr anchor="t">
+            <a:normAutofit/>
+          </a:bodyPr>
+          <a:lstStyle>
+            <a:lvl1pPr marL="0" indent="0" algn="ctr">
+              <a:buNone/>
+              <a:defRPr sz="1400"/>
+            </a:lvl1pPr>
+            <a:lvl2pPr marL="457200" indent="0">
+              <a:buNone/>
+              <a:defRPr sz="1200"/>
+            </a:lvl2pPr>
+            <a:lvl3pPr marL="914400" indent="0">
+              <a:buNone/>
+              <a:defRPr sz="1000"/>
+            </a:lvl3pPr>
+            <a:lvl4pPr marL="1371600" indent="0">
+              <a:buNone/>
+              <a:defRPr sz="900"/>
+            </a:lvl4pPr>
+            <a:lvl5pPr marL="1828800" indent="0">
+              <a:buNone/>
+              <a:defRPr sz="900"/>
+            </a:lvl5pPr>
+            <a:lvl6pPr marL="2286000" indent="0">
+              <a:buNone/>
+              <a:defRPr sz="900"/>
+            </a:lvl6pPr>
+            <a:lvl7pPr marL="2743200" indent="0">
+              <a:buNone/>
+              <a:defRPr sz="900"/>
+            </a:lvl7pPr>
+            <a:lvl8pPr marL="3200400" indent="0">
+              <a:buNone/>
+              <a:defRPr sz="900"/>
+            </a:lvl8pPr>
+            <a:lvl9pPr marL="3657600" indent="0">
+              <a:buNone/>
+              <a:defRPr sz="900"/>
+            </a:lvl9pPr>
+          </a:lstStyle>
+          <a:p>
+            <a:pPr lvl="0"/>
+            <a:r>
+              <a:rPr lang="en-US"/>
+              <a:t>Click to edit Master text styles</a:t>
+            </a:r>
+          </a:p>
+        </p:txBody>
+      </p:sp>
+      <p:sp>
+        <p:nvSpPr>
+          <p:cNvPr id="3" name="Date Placeholder 2"/>
+          <p:cNvSpPr>
+            <a:spLocks noGrp="1"/>
+          </p:cNvSpPr>
+          <p:nvPr>
+            <p:ph type="dt" sz="half" idx="10"/>
+          </p:nvPr>
+        </p:nvSpPr>
+        <p:spPr/>
+        <p:txBody>
+          <a:bodyPr/>
+          <a:lstStyle/>
+          <a:p>
+            <a:fld id="{EED1C14C-A143-42F5-B247-D0E800131009}" type="datetimeFigureOut">
+              <a:rPr lang="en-US" smtClean="0"/>
+              <a:t>7/5/2022</a:t>
+            </a:fld>
+            <a:endParaRPr lang="en-US"/>
+          </a:p>
+        </p:txBody>
+      </p:sp>
+      <p:sp>
+        <p:nvSpPr>
+          <p:cNvPr id="4" name="Footer Placeholder 3"/>
+          <p:cNvSpPr>
+            <a:spLocks noGrp="1"/>
+          </p:cNvSpPr>
+          <p:nvPr>
+            <p:ph type="ftr" sz="quarter" idx="11"/>
+          </p:nvPr>
+        </p:nvSpPr>
+        <p:spPr/>
+        <p:txBody>
+          <a:bodyPr/>
+          <a:lstStyle/>
+          <a:p>
+            <a:endParaRPr lang="en-US"/>
+          </a:p>
+        </p:txBody>
+      </p:sp>
+      <p:sp>
+        <p:nvSpPr>
+          <p:cNvPr id="5" name="Slide Number Placeholder 4"/>
+          <p:cNvSpPr>
+            <a:spLocks noGrp="1"/>
+          </p:cNvSpPr>
+          <p:nvPr>
+            <p:ph type="sldNum" sz="quarter" idx="12"/>
+          </p:nvPr>
+        </p:nvSpPr>
+        <p:spPr/>
+        <p:txBody>
+          <a:bodyPr/>
+          <a:lstStyle/>
+          <a:p>
+            <a:fld id="{5B03D32D-F1BC-4E9C-97E1-36CFF5B22341}" type="slidenum">
+              <a:rPr lang="en-US" smtClean="0"/>
+              <a:t>‹#›</a:t>
+            </a:fld>
+            <a:endParaRPr lang="en-US"/>
+          </a:p>
+        </p:txBody>
+      </p:sp>
+    </p:spTree>
+    <p:extLst>
+      <p:ext uri="{BB962C8B-B14F-4D97-AF65-F5344CB8AC3E}">
+        <p14:creationId xmlns:p14="http://schemas.microsoft.com/office/powerpoint/2010/main" val="2008488307"/>
+      </p:ext>
+    </p:extLst>
+  </p:cSld>
+  <p:clrMapOvr>
+    <a:masterClrMapping/>
+  </p:clrMapOvr>
+</p:sldLayout>
+</file>
+
+<file path=ppt/slideLayouts/slideLayout16.xml><?xml version="1.0" encoding="utf-8"?>
 <p:sldLayout xmlns:a="http://schemas.openxmlformats.org/drawingml/2006/main" xmlns:r="http://schemas.openxmlformats.org/officeDocument/2006/relationships" xmlns:p="http://schemas.openxmlformats.org/presentationml/2006/main" type="vertTx" preserve="1">
   <p:cSld name="Title and Vertical Text">
     <p:spTree>
@@ -354,13 +2884,7 @@
       </p:grpSpPr>
       <p:sp>
         <p:nvSpPr>
-          <p:cNvPr id="2" name="Title 1">
-            <a:extLst>
-              <a:ext uri="{FF2B5EF4-FFF2-40B4-BE49-F238E27FC236}">
-                <a16:creationId xmlns:a16="http://schemas.microsoft.com/office/drawing/2014/main" id="{AA6536FE-B6CA-4D45-A719-6B51F3FF6D96}"/>
-              </a:ext>
-            </a:extLst>
-          </p:cNvPr>
+          <p:cNvPr id="2" name="Title 1"/>
           <p:cNvSpPr>
             <a:spLocks noGrp="1"/>
           </p:cNvSpPr>
@@ -377,18 +2901,13 @@
               <a:rPr lang="en-US"/>
               <a:t>Click to edit Master title style</a:t>
             </a:r>
-          </a:p>
-        </p:txBody>
-      </p:sp>
-      <p:sp>
-        <p:nvSpPr>
-          <p:cNvPr id="3" name="Vertical Text Placeholder 2">
-            <a:extLst>
-              <a:ext uri="{FF2B5EF4-FFF2-40B4-BE49-F238E27FC236}">
-                <a16:creationId xmlns:a16="http://schemas.microsoft.com/office/drawing/2014/main" id="{DFB9388C-63B0-4DA8-97D0-BEEDCF401CA2}"/>
-              </a:ext>
-            </a:extLst>
-          </p:cNvPr>
+            <a:endParaRPr lang="en-US" dirty="0"/>
+          </a:p>
+        </p:txBody>
+      </p:sp>
+      <p:sp>
+        <p:nvSpPr>
+          <p:cNvPr id="3" name="Vertical Text Placeholder 2"/>
           <p:cNvSpPr>
             <a:spLocks noGrp="1"/>
           </p:cNvSpPr>
@@ -404,7 +2923,7 @@
             <a:pPr lvl="0"/>
             <a:r>
               <a:rPr lang="en-US"/>
-              <a:t>Edit Master text styles</a:t>
+              <a:t>Click to edit Master text styles</a:t>
             </a:r>
           </a:p>
           <a:p>
@@ -434,18 +2953,13 @@
               <a:rPr lang="en-US"/>
               <a:t>Fifth level</a:t>
             </a:r>
-          </a:p>
-        </p:txBody>
-      </p:sp>
-      <p:sp>
-        <p:nvSpPr>
-          <p:cNvPr id="4" name="Date Placeholder 3">
-            <a:extLst>
-              <a:ext uri="{FF2B5EF4-FFF2-40B4-BE49-F238E27FC236}">
-                <a16:creationId xmlns:a16="http://schemas.microsoft.com/office/drawing/2014/main" id="{3ED9BDB0-2A2B-43AC-965A-A9E7E7F741CD}"/>
-              </a:ext>
-            </a:extLst>
-          </p:cNvPr>
+            <a:endParaRPr lang="en-US" dirty="0"/>
+          </a:p>
+        </p:txBody>
+      </p:sp>
+      <p:sp>
+        <p:nvSpPr>
+          <p:cNvPr id="4" name="Date Placeholder 3"/>
           <p:cNvSpPr>
             <a:spLocks noGrp="1"/>
           </p:cNvSpPr>
@@ -460,7 +2974,7 @@
           <a:p>
             <a:fld id="{EED1C14C-A143-42F5-B247-D0E800131009}" type="datetimeFigureOut">
               <a:rPr lang="en-US" smtClean="0"/>
-              <a:t>8/15/2018</a:t>
+              <a:t>7/5/2022</a:t>
             </a:fld>
             <a:endParaRPr lang="en-US"/>
           </a:p>
@@ -468,13 +2982,7 @@
       </p:sp>
       <p:sp>
         <p:nvSpPr>
-          <p:cNvPr id="5" name="Footer Placeholder 4">
-            <a:extLst>
-              <a:ext uri="{FF2B5EF4-FFF2-40B4-BE49-F238E27FC236}">
-                <a16:creationId xmlns:a16="http://schemas.microsoft.com/office/drawing/2014/main" id="{B67DA7C3-2A5B-4BED-A540-9136486CC5B6}"/>
-              </a:ext>
-            </a:extLst>
-          </p:cNvPr>
+          <p:cNvPr id="5" name="Footer Placeholder 4"/>
           <p:cNvSpPr>
             <a:spLocks noGrp="1"/>
           </p:cNvSpPr>
@@ -493,13 +3001,7 @@
       </p:sp>
       <p:sp>
         <p:nvSpPr>
-          <p:cNvPr id="6" name="Slide Number Placeholder 5">
-            <a:extLst>
-              <a:ext uri="{FF2B5EF4-FFF2-40B4-BE49-F238E27FC236}">
-                <a16:creationId xmlns:a16="http://schemas.microsoft.com/office/drawing/2014/main" id="{835888E8-31D6-4E51-9228-0D6066FED555}"/>
-              </a:ext>
-            </a:extLst>
-          </p:cNvPr>
+          <p:cNvPr id="6" name="Slide Number Placeholder 5"/>
           <p:cNvSpPr>
             <a:spLocks noGrp="1"/>
           </p:cNvSpPr>
@@ -523,7 +3025,7 @@
     </p:spTree>
     <p:extLst>
       <p:ext uri="{BB962C8B-B14F-4D97-AF65-F5344CB8AC3E}">
-        <p14:creationId xmlns:p14="http://schemas.microsoft.com/office/powerpoint/2010/main" val="3471160673"/>
+        <p14:creationId xmlns:p14="http://schemas.microsoft.com/office/powerpoint/2010/main" val="2846163582"/>
       </p:ext>
     </p:extLst>
   </p:cSld>
@@ -533,7 +3035,7 @@
 </p:sldLayout>
 </file>
 
-<file path=ppt/slideLayouts/slideLayout11.xml><?xml version="1.0" encoding="utf-8"?>
+<file path=ppt/slideLayouts/slideLayout17.xml><?xml version="1.0" encoding="utf-8"?>
 <p:sldLayout xmlns:a="http://schemas.openxmlformats.org/drawingml/2006/main" xmlns:r="http://schemas.openxmlformats.org/officeDocument/2006/relationships" xmlns:p="http://schemas.openxmlformats.org/presentationml/2006/main" type="vertTitleAndTx" preserve="1">
   <p:cSld name="Vertical Title and Text">
     <p:spTree>
@@ -552,13 +3054,7 @@
       </p:grpSpPr>
       <p:sp>
         <p:nvSpPr>
-          <p:cNvPr id="2" name="Vertical Title 1">
-            <a:extLst>
-              <a:ext uri="{FF2B5EF4-FFF2-40B4-BE49-F238E27FC236}">
-                <a16:creationId xmlns:a16="http://schemas.microsoft.com/office/drawing/2014/main" id="{E3D010CA-6776-433E-8E25-97899E08288F}"/>
-              </a:ext>
-            </a:extLst>
-          </p:cNvPr>
+          <p:cNvPr id="2" name="Vertical Title 1"/>
           <p:cNvSpPr>
             <a:spLocks noGrp="1"/>
           </p:cNvSpPr>
@@ -568,30 +3064,29 @@
         </p:nvSpPr>
         <p:spPr>
           <a:xfrm>
-            <a:off x="8724900" y="365125"/>
-            <a:ext cx="2628900" cy="5811838"/>
+            <a:off x="8724900" y="609599"/>
+            <a:ext cx="2542657" cy="5181601"/>
           </a:xfrm>
         </p:spPr>
         <p:txBody>
           <a:bodyPr vert="eaVert"/>
-          <a:lstStyle/>
+          <a:lstStyle>
+            <a:lvl1pPr algn="l">
+              <a:defRPr/>
+            </a:lvl1pPr>
+          </a:lstStyle>
           <a:p>
             <a:r>
               <a:rPr lang="en-US"/>
               <a:t>Click to edit Master title style</a:t>
             </a:r>
-          </a:p>
-        </p:txBody>
-      </p:sp>
-      <p:sp>
-        <p:nvSpPr>
-          <p:cNvPr id="3" name="Vertical Text Placeholder 2">
-            <a:extLst>
-              <a:ext uri="{FF2B5EF4-FFF2-40B4-BE49-F238E27FC236}">
-                <a16:creationId xmlns:a16="http://schemas.microsoft.com/office/drawing/2014/main" id="{06391E6E-3CF5-4535-B37E-E30058EA2848}"/>
-              </a:ext>
-            </a:extLst>
-          </p:cNvPr>
+            <a:endParaRPr lang="en-US" dirty="0"/>
+          </a:p>
+        </p:txBody>
+      </p:sp>
+      <p:sp>
+        <p:nvSpPr>
+          <p:cNvPr id="3" name="Vertical Text Placeholder 2"/>
           <p:cNvSpPr>
             <a:spLocks noGrp="1"/>
           </p:cNvSpPr>
@@ -601,8 +3096,8 @@
         </p:nvSpPr>
         <p:spPr>
           <a:xfrm>
-            <a:off x="838200" y="365125"/>
-            <a:ext cx="7734300" cy="5811838"/>
+            <a:off x="913794" y="609599"/>
+            <a:ext cx="7658705" cy="5181601"/>
           </a:xfrm>
         </p:spPr>
         <p:txBody>
@@ -612,7 +3107,7 @@
             <a:pPr lvl="0"/>
             <a:r>
               <a:rPr lang="en-US"/>
-              <a:t>Edit Master text styles</a:t>
+              <a:t>Click to edit Master text styles</a:t>
             </a:r>
           </a:p>
           <a:p>
@@ -642,18 +3137,13 @@
               <a:rPr lang="en-US"/>
               <a:t>Fifth level</a:t>
             </a:r>
-          </a:p>
-        </p:txBody>
-      </p:sp>
-      <p:sp>
-        <p:nvSpPr>
-          <p:cNvPr id="4" name="Date Placeholder 3">
-            <a:extLst>
-              <a:ext uri="{FF2B5EF4-FFF2-40B4-BE49-F238E27FC236}">
-                <a16:creationId xmlns:a16="http://schemas.microsoft.com/office/drawing/2014/main" id="{9A6ADEE3-AAA7-4846-8EC6-84B1537C1D74}"/>
-              </a:ext>
-            </a:extLst>
-          </p:cNvPr>
+            <a:endParaRPr lang="en-US" dirty="0"/>
+          </a:p>
+        </p:txBody>
+      </p:sp>
+      <p:sp>
+        <p:nvSpPr>
+          <p:cNvPr id="4" name="Date Placeholder 3"/>
           <p:cNvSpPr>
             <a:spLocks noGrp="1"/>
           </p:cNvSpPr>
@@ -668,7 +3158,7 @@
           <a:p>
             <a:fld id="{EED1C14C-A143-42F5-B247-D0E800131009}" type="datetimeFigureOut">
               <a:rPr lang="en-US" smtClean="0"/>
-              <a:t>8/15/2018</a:t>
+              <a:t>7/5/2022</a:t>
             </a:fld>
             <a:endParaRPr lang="en-US"/>
           </a:p>
@@ -676,13 +3166,7 @@
       </p:sp>
       <p:sp>
         <p:nvSpPr>
-          <p:cNvPr id="5" name="Footer Placeholder 4">
-            <a:extLst>
-              <a:ext uri="{FF2B5EF4-FFF2-40B4-BE49-F238E27FC236}">
-                <a16:creationId xmlns:a16="http://schemas.microsoft.com/office/drawing/2014/main" id="{001DABD6-6E60-4895-89B1-3604A484D2DD}"/>
-              </a:ext>
-            </a:extLst>
-          </p:cNvPr>
+          <p:cNvPr id="5" name="Footer Placeholder 4"/>
           <p:cNvSpPr>
             <a:spLocks noGrp="1"/>
           </p:cNvSpPr>
@@ -701,13 +3185,7 @@
       </p:sp>
       <p:sp>
         <p:nvSpPr>
-          <p:cNvPr id="6" name="Slide Number Placeholder 5">
-            <a:extLst>
-              <a:ext uri="{FF2B5EF4-FFF2-40B4-BE49-F238E27FC236}">
-                <a16:creationId xmlns:a16="http://schemas.microsoft.com/office/drawing/2014/main" id="{59A4D314-6D1C-4A42-A445-B77646B2B295}"/>
-              </a:ext>
-            </a:extLst>
-          </p:cNvPr>
+          <p:cNvPr id="6" name="Slide Number Placeholder 5"/>
           <p:cNvSpPr>
             <a:spLocks noGrp="1"/>
           </p:cNvSpPr>
@@ -731,7 +3209,7 @@
     </p:spTree>
     <p:extLst>
       <p:ext uri="{BB962C8B-B14F-4D97-AF65-F5344CB8AC3E}">
-        <p14:creationId xmlns:p14="http://schemas.microsoft.com/office/powerpoint/2010/main" val="4195526759"/>
+        <p14:creationId xmlns:p14="http://schemas.microsoft.com/office/powerpoint/2010/main" val="3511009107"/>
       </p:ext>
     </p:extLst>
   </p:cSld>
@@ -760,13 +3238,7 @@
       </p:grpSpPr>
       <p:sp>
         <p:nvSpPr>
-          <p:cNvPr id="2" name="Title 1">
-            <a:extLst>
-              <a:ext uri="{FF2B5EF4-FFF2-40B4-BE49-F238E27FC236}">
-                <a16:creationId xmlns:a16="http://schemas.microsoft.com/office/drawing/2014/main" id="{6B34D5D7-9AEB-44F2-8A04-0694BE1520D8}"/>
-              </a:ext>
-            </a:extLst>
-          </p:cNvPr>
+          <p:cNvPr id="2" name="Title 1"/>
           <p:cNvSpPr>
             <a:spLocks noGrp="1"/>
           </p:cNvSpPr>
@@ -783,18 +3255,13 @@
               <a:rPr lang="en-US"/>
               <a:t>Click to edit Master title style</a:t>
             </a:r>
-          </a:p>
-        </p:txBody>
-      </p:sp>
-      <p:sp>
-        <p:nvSpPr>
-          <p:cNvPr id="3" name="Content Placeholder 2">
-            <a:extLst>
-              <a:ext uri="{FF2B5EF4-FFF2-40B4-BE49-F238E27FC236}">
-                <a16:creationId xmlns:a16="http://schemas.microsoft.com/office/drawing/2014/main" id="{F3CE933F-693D-4770-8DC4-A5A086AC8ACE}"/>
-              </a:ext>
-            </a:extLst>
-          </p:cNvPr>
+            <a:endParaRPr lang="en-US" dirty="0"/>
+          </a:p>
+        </p:txBody>
+      </p:sp>
+      <p:sp>
+        <p:nvSpPr>
+          <p:cNvPr id="3" name="Content Placeholder 2"/>
           <p:cNvSpPr>
             <a:spLocks noGrp="1"/>
           </p:cNvSpPr>
@@ -810,7 +3277,7 @@
             <a:pPr lvl="0"/>
             <a:r>
               <a:rPr lang="en-US"/>
-              <a:t>Edit Master text styles</a:t>
+              <a:t>Click to edit Master text styles</a:t>
             </a:r>
           </a:p>
           <a:p>
@@ -840,18 +3307,13 @@
               <a:rPr lang="en-US"/>
               <a:t>Fifth level</a:t>
             </a:r>
-          </a:p>
-        </p:txBody>
-      </p:sp>
-      <p:sp>
-        <p:nvSpPr>
-          <p:cNvPr id="4" name="Date Placeholder 3">
-            <a:extLst>
-              <a:ext uri="{FF2B5EF4-FFF2-40B4-BE49-F238E27FC236}">
-                <a16:creationId xmlns:a16="http://schemas.microsoft.com/office/drawing/2014/main" id="{02A7849A-1CE6-4F5C-95D7-EA8DA5EE5551}"/>
-              </a:ext>
-            </a:extLst>
-          </p:cNvPr>
+            <a:endParaRPr lang="en-US" dirty="0"/>
+          </a:p>
+        </p:txBody>
+      </p:sp>
+      <p:sp>
+        <p:nvSpPr>
+          <p:cNvPr id="4" name="Date Placeholder 3"/>
           <p:cNvSpPr>
             <a:spLocks noGrp="1"/>
           </p:cNvSpPr>
@@ -866,7 +3328,7 @@
           <a:p>
             <a:fld id="{EED1C14C-A143-42F5-B247-D0E800131009}" type="datetimeFigureOut">
               <a:rPr lang="en-US" smtClean="0"/>
-              <a:t>8/15/2018</a:t>
+              <a:t>7/5/2022</a:t>
             </a:fld>
             <a:endParaRPr lang="en-US"/>
           </a:p>
@@ -874,13 +3336,7 @@
       </p:sp>
       <p:sp>
         <p:nvSpPr>
-          <p:cNvPr id="5" name="Footer Placeholder 4">
-            <a:extLst>
-              <a:ext uri="{FF2B5EF4-FFF2-40B4-BE49-F238E27FC236}">
-                <a16:creationId xmlns:a16="http://schemas.microsoft.com/office/drawing/2014/main" id="{39FE1FD0-B95E-4CF6-9A27-0F91F96DAE00}"/>
-              </a:ext>
-            </a:extLst>
-          </p:cNvPr>
+          <p:cNvPr id="5" name="Footer Placeholder 4"/>
           <p:cNvSpPr>
             <a:spLocks noGrp="1"/>
           </p:cNvSpPr>
@@ -899,13 +3355,7 @@
       </p:sp>
       <p:sp>
         <p:nvSpPr>
-          <p:cNvPr id="6" name="Slide Number Placeholder 5">
-            <a:extLst>
-              <a:ext uri="{FF2B5EF4-FFF2-40B4-BE49-F238E27FC236}">
-                <a16:creationId xmlns:a16="http://schemas.microsoft.com/office/drawing/2014/main" id="{596123BE-5891-49D6-A758-867A98F38D77}"/>
-              </a:ext>
-            </a:extLst>
-          </p:cNvPr>
+          <p:cNvPr id="6" name="Slide Number Placeholder 5"/>
           <p:cNvSpPr>
             <a:spLocks noGrp="1"/>
           </p:cNvSpPr>
@@ -929,7 +3379,7 @@
     </p:spTree>
     <p:extLst>
       <p:ext uri="{BB962C8B-B14F-4D97-AF65-F5344CB8AC3E}">
-        <p14:creationId xmlns:p14="http://schemas.microsoft.com/office/powerpoint/2010/main" val="2359722614"/>
+        <p14:creationId xmlns:p14="http://schemas.microsoft.com/office/powerpoint/2010/main" val="2914699229"/>
       </p:ext>
     </p:extLst>
   </p:cSld>
@@ -958,13 +3408,7 @@
       </p:grpSpPr>
       <p:sp>
         <p:nvSpPr>
-          <p:cNvPr id="2" name="Title 1">
-            <a:extLst>
-              <a:ext uri="{FF2B5EF4-FFF2-40B4-BE49-F238E27FC236}">
-                <a16:creationId xmlns:a16="http://schemas.microsoft.com/office/drawing/2014/main" id="{4BA85FC7-1BEA-438E-A0A7-88FF55112279}"/>
-              </a:ext>
-            </a:extLst>
-          </p:cNvPr>
+          <p:cNvPr id="2" name="Title 1"/>
           <p:cNvSpPr>
             <a:spLocks noGrp="1"/>
           </p:cNvSpPr>
@@ -974,15 +3418,17 @@
         </p:nvSpPr>
         <p:spPr>
           <a:xfrm>
-            <a:off x="831850" y="1709738"/>
-            <a:ext cx="10515600" cy="2852737"/>
-          </a:xfrm>
-        </p:spPr>
-        <p:txBody>
-          <a:bodyPr anchor="b"/>
+            <a:off x="1229244" y="657226"/>
+            <a:ext cx="9733512" cy="2852737"/>
+          </a:xfrm>
+        </p:spPr>
+        <p:txBody>
+          <a:bodyPr anchor="b">
+            <a:normAutofit/>
+          </a:bodyPr>
           <a:lstStyle>
             <a:lvl1pPr>
-              <a:defRPr sz="6000"/>
+              <a:defRPr sz="3400"/>
             </a:lvl1pPr>
           </a:lstStyle>
           <a:p>
@@ -990,18 +3436,13 @@
               <a:rPr lang="en-US"/>
               <a:t>Click to edit Master title style</a:t>
             </a:r>
-          </a:p>
-        </p:txBody>
-      </p:sp>
-      <p:sp>
-        <p:nvSpPr>
-          <p:cNvPr id="3" name="Text Placeholder 2">
-            <a:extLst>
-              <a:ext uri="{FF2B5EF4-FFF2-40B4-BE49-F238E27FC236}">
-                <a16:creationId xmlns:a16="http://schemas.microsoft.com/office/drawing/2014/main" id="{0BD5F5C0-417B-4A28-8AE9-A79AC74A6250}"/>
-              </a:ext>
-            </a:extLst>
-          </p:cNvPr>
+            <a:endParaRPr lang="en-US" dirty="0"/>
+          </a:p>
+        </p:txBody>
+      </p:sp>
+      <p:sp>
+        <p:nvSpPr>
+          <p:cNvPr id="3" name="Text Placeholder 2"/>
           <p:cNvSpPr>
             <a:spLocks noGrp="1"/>
           </p:cNvSpPr>
@@ -1011,14 +3452,14 @@
         </p:nvSpPr>
         <p:spPr>
           <a:xfrm>
-            <a:off x="831850" y="4589463"/>
-            <a:ext cx="10515600" cy="1500187"/>
+            <a:off x="1229244" y="3602038"/>
+            <a:ext cx="9733512" cy="1500187"/>
           </a:xfrm>
         </p:spPr>
         <p:txBody>
           <a:bodyPr/>
           <a:lstStyle>
-            <a:lvl1pPr marL="0" indent="0">
+            <a:lvl1pPr marL="0" indent="0" algn="ctr">
               <a:buNone/>
               <a:defRPr sz="2400">
                 <a:solidFill>
@@ -1113,20 +3554,14 @@
             <a:pPr lvl="0"/>
             <a:r>
               <a:rPr lang="en-US"/>
-              <a:t>Edit Master text styles</a:t>
-            </a:r>
-          </a:p>
-        </p:txBody>
-      </p:sp>
-      <p:sp>
-        <p:nvSpPr>
-          <p:cNvPr id="4" name="Date Placeholder 3">
-            <a:extLst>
-              <a:ext uri="{FF2B5EF4-FFF2-40B4-BE49-F238E27FC236}">
-                <a16:creationId xmlns:a16="http://schemas.microsoft.com/office/drawing/2014/main" id="{34BC6257-C490-4059-9E97-16E46673C65A}"/>
-              </a:ext>
-            </a:extLst>
-          </p:cNvPr>
+              <a:t>Click to edit Master text styles</a:t>
+            </a:r>
+          </a:p>
+        </p:txBody>
+      </p:sp>
+      <p:sp>
+        <p:nvSpPr>
+          <p:cNvPr id="4" name="Date Placeholder 3"/>
           <p:cNvSpPr>
             <a:spLocks noGrp="1"/>
           </p:cNvSpPr>
@@ -1141,7 +3576,7 @@
           <a:p>
             <a:fld id="{EED1C14C-A143-42F5-B247-D0E800131009}" type="datetimeFigureOut">
               <a:rPr lang="en-US" smtClean="0"/>
-              <a:t>8/15/2018</a:t>
+              <a:t>7/5/2022</a:t>
             </a:fld>
             <a:endParaRPr lang="en-US"/>
           </a:p>
@@ -1149,13 +3584,7 @@
       </p:sp>
       <p:sp>
         <p:nvSpPr>
-          <p:cNvPr id="5" name="Footer Placeholder 4">
-            <a:extLst>
-              <a:ext uri="{FF2B5EF4-FFF2-40B4-BE49-F238E27FC236}">
-                <a16:creationId xmlns:a16="http://schemas.microsoft.com/office/drawing/2014/main" id="{7A4051CD-74EC-43C1-9F21-D33BD297FC2D}"/>
-              </a:ext>
-            </a:extLst>
-          </p:cNvPr>
+          <p:cNvPr id="5" name="Footer Placeholder 4"/>
           <p:cNvSpPr>
             <a:spLocks noGrp="1"/>
           </p:cNvSpPr>
@@ -1174,13 +3603,7 @@
       </p:sp>
       <p:sp>
         <p:nvSpPr>
-          <p:cNvPr id="6" name="Slide Number Placeholder 5">
-            <a:extLst>
-              <a:ext uri="{FF2B5EF4-FFF2-40B4-BE49-F238E27FC236}">
-                <a16:creationId xmlns:a16="http://schemas.microsoft.com/office/drawing/2014/main" id="{8BC95141-29DC-41BA-BE25-E899055F3178}"/>
-              </a:ext>
-            </a:extLst>
-          </p:cNvPr>
+          <p:cNvPr id="6" name="Slide Number Placeholder 5"/>
           <p:cNvSpPr>
             <a:spLocks noGrp="1"/>
           </p:cNvSpPr>
@@ -1204,7 +3627,7 @@
     </p:spTree>
     <p:extLst>
       <p:ext uri="{BB962C8B-B14F-4D97-AF65-F5344CB8AC3E}">
-        <p14:creationId xmlns:p14="http://schemas.microsoft.com/office/powerpoint/2010/main" val="694532379"/>
+        <p14:creationId xmlns:p14="http://schemas.microsoft.com/office/powerpoint/2010/main" val="1493263464"/>
       </p:ext>
     </p:extLst>
   </p:cSld>
@@ -1233,13 +3656,7 @@
       </p:grpSpPr>
       <p:sp>
         <p:nvSpPr>
-          <p:cNvPr id="2" name="Title 1">
-            <a:extLst>
-              <a:ext uri="{FF2B5EF4-FFF2-40B4-BE49-F238E27FC236}">
-                <a16:creationId xmlns:a16="http://schemas.microsoft.com/office/drawing/2014/main" id="{2134FC21-AE04-4050-80E6-D9DCA4B50C9B}"/>
-              </a:ext>
-            </a:extLst>
-          </p:cNvPr>
+          <p:cNvPr id="2" name="Title 1"/>
           <p:cNvSpPr>
             <a:spLocks noGrp="1"/>
           </p:cNvSpPr>
@@ -1247,7 +3664,12 @@
             <p:ph type="title"/>
           </p:nvPr>
         </p:nvSpPr>
-        <p:spPr/>
+        <p:spPr>
+          <a:xfrm>
+            <a:off x="913795" y="609600"/>
+            <a:ext cx="10353761" cy="1326321"/>
+          </a:xfrm>
+        </p:spPr>
         <p:txBody>
           <a:bodyPr/>
           <a:lstStyle/>
@@ -1256,18 +3678,13 @@
               <a:rPr lang="en-US"/>
               <a:t>Click to edit Master title style</a:t>
             </a:r>
-          </a:p>
-        </p:txBody>
-      </p:sp>
-      <p:sp>
-        <p:nvSpPr>
-          <p:cNvPr id="3" name="Content Placeholder 2">
-            <a:extLst>
-              <a:ext uri="{FF2B5EF4-FFF2-40B4-BE49-F238E27FC236}">
-                <a16:creationId xmlns:a16="http://schemas.microsoft.com/office/drawing/2014/main" id="{51885F7E-EF45-48F7-9E54-C6806D0E9638}"/>
-              </a:ext>
-            </a:extLst>
-          </p:cNvPr>
+            <a:endParaRPr lang="en-US" dirty="0"/>
+          </a:p>
+        </p:txBody>
+      </p:sp>
+      <p:sp>
+        <p:nvSpPr>
+          <p:cNvPr id="3" name="Content Placeholder 2"/>
           <p:cNvSpPr>
             <a:spLocks noGrp="1"/>
           </p:cNvSpPr>
@@ -1277,8 +3694,8 @@
         </p:nvSpPr>
         <p:spPr>
           <a:xfrm>
-            <a:off x="838200" y="1825625"/>
-            <a:ext cx="5181600" cy="4351338"/>
+            <a:off x="913795" y="2088319"/>
+            <a:ext cx="5106004" cy="3702881"/>
           </a:xfrm>
         </p:spPr>
         <p:txBody>
@@ -1288,7 +3705,7 @@
             <a:pPr lvl="0"/>
             <a:r>
               <a:rPr lang="en-US"/>
-              <a:t>Edit Master text styles</a:t>
+              <a:t>Click to edit Master text styles</a:t>
             </a:r>
           </a:p>
           <a:p>
@@ -1318,18 +3735,13 @@
               <a:rPr lang="en-US"/>
               <a:t>Fifth level</a:t>
             </a:r>
-          </a:p>
-        </p:txBody>
-      </p:sp>
-      <p:sp>
-        <p:nvSpPr>
-          <p:cNvPr id="4" name="Content Placeholder 3">
-            <a:extLst>
-              <a:ext uri="{FF2B5EF4-FFF2-40B4-BE49-F238E27FC236}">
-                <a16:creationId xmlns:a16="http://schemas.microsoft.com/office/drawing/2014/main" id="{7724501F-6ED5-4112-B037-D3E9F8CF2C81}"/>
-              </a:ext>
-            </a:extLst>
-          </p:cNvPr>
+            <a:endParaRPr lang="en-US" dirty="0"/>
+          </a:p>
+        </p:txBody>
+      </p:sp>
+      <p:sp>
+        <p:nvSpPr>
+          <p:cNvPr id="4" name="Content Placeholder 3"/>
           <p:cNvSpPr>
             <a:spLocks noGrp="1"/>
           </p:cNvSpPr>
@@ -1339,8 +3751,8 @@
         </p:nvSpPr>
         <p:spPr>
           <a:xfrm>
-            <a:off x="6172200" y="1825625"/>
-            <a:ext cx="5181600" cy="4351338"/>
+            <a:off x="6173403" y="2088319"/>
+            <a:ext cx="5094154" cy="3702881"/>
           </a:xfrm>
         </p:spPr>
         <p:txBody>
@@ -1350,7 +3762,7 @@
             <a:pPr lvl="0"/>
             <a:r>
               <a:rPr lang="en-US"/>
-              <a:t>Edit Master text styles</a:t>
+              <a:t>Click to edit Master text styles</a:t>
             </a:r>
           </a:p>
           <a:p>
@@ -1380,18 +3792,13 @@
               <a:rPr lang="en-US"/>
               <a:t>Fifth level</a:t>
             </a:r>
-          </a:p>
-        </p:txBody>
-      </p:sp>
-      <p:sp>
-        <p:nvSpPr>
-          <p:cNvPr id="5" name="Date Placeholder 4">
-            <a:extLst>
-              <a:ext uri="{FF2B5EF4-FFF2-40B4-BE49-F238E27FC236}">
-                <a16:creationId xmlns:a16="http://schemas.microsoft.com/office/drawing/2014/main" id="{E861E48C-176E-4E60-8CB3-5425169963CD}"/>
-              </a:ext>
-            </a:extLst>
-          </p:cNvPr>
+            <a:endParaRPr lang="en-US" dirty="0"/>
+          </a:p>
+        </p:txBody>
+      </p:sp>
+      <p:sp>
+        <p:nvSpPr>
+          <p:cNvPr id="5" name="Date Placeholder 4"/>
           <p:cNvSpPr>
             <a:spLocks noGrp="1"/>
           </p:cNvSpPr>
@@ -1406,7 +3813,7 @@
           <a:p>
             <a:fld id="{EED1C14C-A143-42F5-B247-D0E800131009}" type="datetimeFigureOut">
               <a:rPr lang="en-US" smtClean="0"/>
-              <a:t>8/15/2018</a:t>
+              <a:t>7/5/2022</a:t>
             </a:fld>
             <a:endParaRPr lang="en-US"/>
           </a:p>
@@ -1414,13 +3821,7 @@
       </p:sp>
       <p:sp>
         <p:nvSpPr>
-          <p:cNvPr id="6" name="Footer Placeholder 5">
-            <a:extLst>
-              <a:ext uri="{FF2B5EF4-FFF2-40B4-BE49-F238E27FC236}">
-                <a16:creationId xmlns:a16="http://schemas.microsoft.com/office/drawing/2014/main" id="{5852202B-C929-4B39-AF47-D17C38F868E8}"/>
-              </a:ext>
-            </a:extLst>
-          </p:cNvPr>
+          <p:cNvPr id="6" name="Footer Placeholder 5"/>
           <p:cNvSpPr>
             <a:spLocks noGrp="1"/>
           </p:cNvSpPr>
@@ -1439,13 +3840,7 @@
       </p:sp>
       <p:sp>
         <p:nvSpPr>
-          <p:cNvPr id="7" name="Slide Number Placeholder 6">
-            <a:extLst>
-              <a:ext uri="{FF2B5EF4-FFF2-40B4-BE49-F238E27FC236}">
-                <a16:creationId xmlns:a16="http://schemas.microsoft.com/office/drawing/2014/main" id="{7DEEEBF3-930A-4A23-810D-C1880E7A6D29}"/>
-              </a:ext>
-            </a:extLst>
-          </p:cNvPr>
+          <p:cNvPr id="7" name="Slide Number Placeholder 6"/>
           <p:cNvSpPr>
             <a:spLocks noGrp="1"/>
           </p:cNvSpPr>
@@ -1469,7 +3864,7 @@
     </p:spTree>
     <p:extLst>
       <p:ext uri="{BB962C8B-B14F-4D97-AF65-F5344CB8AC3E}">
-        <p14:creationId xmlns:p14="http://schemas.microsoft.com/office/powerpoint/2010/main" val="1723384594"/>
+        <p14:creationId xmlns:p14="http://schemas.microsoft.com/office/powerpoint/2010/main" val="46410"/>
       </p:ext>
     </p:extLst>
   </p:cSld>
@@ -1498,13 +3893,7 @@
       </p:grpSpPr>
       <p:sp>
         <p:nvSpPr>
-          <p:cNvPr id="2" name="Title 1">
-            <a:extLst>
-              <a:ext uri="{FF2B5EF4-FFF2-40B4-BE49-F238E27FC236}">
-                <a16:creationId xmlns:a16="http://schemas.microsoft.com/office/drawing/2014/main" id="{40448E08-A828-430D-B8A6-7302E570AD2B}"/>
-              </a:ext>
-            </a:extLst>
-          </p:cNvPr>
+          <p:cNvPr id="2" name="Title 1"/>
           <p:cNvSpPr>
             <a:spLocks noGrp="1"/>
           </p:cNvSpPr>
@@ -1514,8 +3903,8 @@
         </p:nvSpPr>
         <p:spPr>
           <a:xfrm>
-            <a:off x="839788" y="365125"/>
-            <a:ext cx="10515600" cy="1325563"/>
+            <a:off x="913795" y="609600"/>
+            <a:ext cx="10353761" cy="1325563"/>
           </a:xfrm>
         </p:spPr>
         <p:txBody>
@@ -1526,18 +3915,13 @@
               <a:rPr lang="en-US"/>
               <a:t>Click to edit Master title style</a:t>
             </a:r>
-          </a:p>
-        </p:txBody>
-      </p:sp>
-      <p:sp>
-        <p:nvSpPr>
-          <p:cNvPr id="3" name="Text Placeholder 2">
-            <a:extLst>
-              <a:ext uri="{FF2B5EF4-FFF2-40B4-BE49-F238E27FC236}">
-                <a16:creationId xmlns:a16="http://schemas.microsoft.com/office/drawing/2014/main" id="{71FF5402-465C-4E68-BF7E-BFE1177B55A2}"/>
-              </a:ext>
-            </a:extLst>
-          </p:cNvPr>
+            <a:endParaRPr lang="en-US" dirty="0"/>
+          </a:p>
+        </p:txBody>
+      </p:sp>
+      <p:sp>
+        <p:nvSpPr>
+          <p:cNvPr id="3" name="Text Placeholder 2"/>
           <p:cNvSpPr>
             <a:spLocks noGrp="1"/>
           </p:cNvSpPr>
@@ -1547,14 +3931,17 @@
         </p:nvSpPr>
         <p:spPr>
           <a:xfrm>
-            <a:off x="839788" y="1681163"/>
-            <a:ext cx="5157787" cy="823912"/>
+            <a:off x="1141804" y="2088320"/>
+            <a:ext cx="4879199" cy="823912"/>
           </a:xfrm>
         </p:spPr>
         <p:txBody>
           <a:bodyPr anchor="b"/>
           <a:lstStyle>
             <a:lvl1pPr marL="0" indent="0">
+              <a:lnSpc>
+                <a:spcPct val="100000"/>
+              </a:lnSpc>
               <a:buNone/>
               <a:defRPr sz="2400" b="1"/>
             </a:lvl1pPr>
@@ -1595,20 +3982,14 @@
             <a:pPr lvl="0"/>
             <a:r>
               <a:rPr lang="en-US"/>
-              <a:t>Edit Master text styles</a:t>
-            </a:r>
-          </a:p>
-        </p:txBody>
-      </p:sp>
-      <p:sp>
-        <p:nvSpPr>
-          <p:cNvPr id="4" name="Content Placeholder 3">
-            <a:extLst>
-              <a:ext uri="{FF2B5EF4-FFF2-40B4-BE49-F238E27FC236}">
-                <a16:creationId xmlns:a16="http://schemas.microsoft.com/office/drawing/2014/main" id="{469B917D-5EC9-44FC-B8A7-9ADF4ADC4FAB}"/>
-              </a:ext>
-            </a:extLst>
-          </p:cNvPr>
+              <a:t>Click to edit Master text styles</a:t>
+            </a:r>
+          </a:p>
+        </p:txBody>
+      </p:sp>
+      <p:sp>
+        <p:nvSpPr>
+          <p:cNvPr id="4" name="Content Placeholder 3"/>
           <p:cNvSpPr>
             <a:spLocks noGrp="1"/>
           </p:cNvSpPr>
@@ -1618,8 +3999,8 @@
         </p:nvSpPr>
         <p:spPr>
           <a:xfrm>
-            <a:off x="839788" y="2505075"/>
-            <a:ext cx="5157787" cy="3684588"/>
+            <a:off x="913795" y="2912232"/>
+            <a:ext cx="5107208" cy="2878968"/>
           </a:xfrm>
         </p:spPr>
         <p:txBody>
@@ -1629,7 +4010,7 @@
             <a:pPr lvl="0"/>
             <a:r>
               <a:rPr lang="en-US"/>
-              <a:t>Edit Master text styles</a:t>
+              <a:t>Click to edit Master text styles</a:t>
             </a:r>
           </a:p>
           <a:p>
@@ -1659,18 +4040,13 @@
               <a:rPr lang="en-US"/>
               <a:t>Fifth level</a:t>
             </a:r>
-          </a:p>
-        </p:txBody>
-      </p:sp>
-      <p:sp>
-        <p:nvSpPr>
-          <p:cNvPr id="5" name="Text Placeholder 4">
-            <a:extLst>
-              <a:ext uri="{FF2B5EF4-FFF2-40B4-BE49-F238E27FC236}">
-                <a16:creationId xmlns:a16="http://schemas.microsoft.com/office/drawing/2014/main" id="{43DCF5D4-E55C-42FF-A7E5-2466DE35B8C0}"/>
-              </a:ext>
-            </a:extLst>
-          </p:cNvPr>
+            <a:endParaRPr lang="en-US" dirty="0"/>
+          </a:p>
+        </p:txBody>
+      </p:sp>
+      <p:sp>
+        <p:nvSpPr>
+          <p:cNvPr id="5" name="Text Placeholder 4"/>
           <p:cNvSpPr>
             <a:spLocks noGrp="1"/>
           </p:cNvSpPr>
@@ -1680,14 +4056,17 @@
         </p:nvSpPr>
         <p:spPr>
           <a:xfrm>
-            <a:off x="6172200" y="1681163"/>
-            <a:ext cx="5183188" cy="823912"/>
+            <a:off x="6402003" y="2088320"/>
+            <a:ext cx="4865554" cy="823912"/>
           </a:xfrm>
         </p:spPr>
         <p:txBody>
           <a:bodyPr anchor="b"/>
           <a:lstStyle>
             <a:lvl1pPr marL="0" indent="0">
+              <a:lnSpc>
+                <a:spcPct val="100000"/>
+              </a:lnSpc>
               <a:buNone/>
               <a:defRPr sz="2400" b="1"/>
             </a:lvl1pPr>
@@ -1728,20 +4107,14 @@
             <a:pPr lvl="0"/>
             <a:r>
               <a:rPr lang="en-US"/>
-              <a:t>Edit Master text styles</a:t>
-            </a:r>
-          </a:p>
-        </p:txBody>
-      </p:sp>
-      <p:sp>
-        <p:nvSpPr>
-          <p:cNvPr id="6" name="Content Placeholder 5">
-            <a:extLst>
-              <a:ext uri="{FF2B5EF4-FFF2-40B4-BE49-F238E27FC236}">
-                <a16:creationId xmlns:a16="http://schemas.microsoft.com/office/drawing/2014/main" id="{B7579A7F-77F4-4169-8D51-212344199842}"/>
-              </a:ext>
-            </a:extLst>
-          </p:cNvPr>
+              <a:t>Click to edit Master text styles</a:t>
+            </a:r>
+          </a:p>
+        </p:txBody>
+      </p:sp>
+      <p:sp>
+        <p:nvSpPr>
+          <p:cNvPr id="6" name="Content Placeholder 5"/>
           <p:cNvSpPr>
             <a:spLocks noGrp="1"/>
           </p:cNvSpPr>
@@ -1751,8 +4124,8 @@
         </p:nvSpPr>
         <p:spPr>
           <a:xfrm>
-            <a:off x="6172200" y="2505075"/>
-            <a:ext cx="5183188" cy="3684588"/>
+            <a:off x="6172200" y="2912232"/>
+            <a:ext cx="5095357" cy="2878968"/>
           </a:xfrm>
         </p:spPr>
         <p:txBody>
@@ -1762,7 +4135,7 @@
             <a:pPr lvl="0"/>
             <a:r>
               <a:rPr lang="en-US"/>
-              <a:t>Edit Master text styles</a:t>
+              <a:t>Click to edit Master text styles</a:t>
             </a:r>
           </a:p>
           <a:p>
@@ -1792,18 +4165,13 @@
               <a:rPr lang="en-US"/>
               <a:t>Fifth level</a:t>
             </a:r>
-          </a:p>
-        </p:txBody>
-      </p:sp>
-      <p:sp>
-        <p:nvSpPr>
-          <p:cNvPr id="7" name="Date Placeholder 6">
-            <a:extLst>
-              <a:ext uri="{FF2B5EF4-FFF2-40B4-BE49-F238E27FC236}">
-                <a16:creationId xmlns:a16="http://schemas.microsoft.com/office/drawing/2014/main" id="{2A735923-3BB5-4F33-8E76-56665E95B55A}"/>
-              </a:ext>
-            </a:extLst>
-          </p:cNvPr>
+            <a:endParaRPr lang="en-US" dirty="0"/>
+          </a:p>
+        </p:txBody>
+      </p:sp>
+      <p:sp>
+        <p:nvSpPr>
+          <p:cNvPr id="7" name="Date Placeholder 6"/>
           <p:cNvSpPr>
             <a:spLocks noGrp="1"/>
           </p:cNvSpPr>
@@ -1818,7 +4186,7 @@
           <a:p>
             <a:fld id="{EED1C14C-A143-42F5-B247-D0E800131009}" type="datetimeFigureOut">
               <a:rPr lang="en-US" smtClean="0"/>
-              <a:t>8/15/2018</a:t>
+              <a:t>7/5/2022</a:t>
             </a:fld>
             <a:endParaRPr lang="en-US"/>
           </a:p>
@@ -1826,13 +4194,7 @@
       </p:sp>
       <p:sp>
         <p:nvSpPr>
-          <p:cNvPr id="8" name="Footer Placeholder 7">
-            <a:extLst>
-              <a:ext uri="{FF2B5EF4-FFF2-40B4-BE49-F238E27FC236}">
-                <a16:creationId xmlns:a16="http://schemas.microsoft.com/office/drawing/2014/main" id="{FA43FC79-7089-4373-88DC-12501E78201F}"/>
-              </a:ext>
-            </a:extLst>
-          </p:cNvPr>
+          <p:cNvPr id="8" name="Footer Placeholder 7"/>
           <p:cNvSpPr>
             <a:spLocks noGrp="1"/>
           </p:cNvSpPr>
@@ -1851,13 +4213,7 @@
       </p:sp>
       <p:sp>
         <p:nvSpPr>
-          <p:cNvPr id="9" name="Slide Number Placeholder 8">
-            <a:extLst>
-              <a:ext uri="{FF2B5EF4-FFF2-40B4-BE49-F238E27FC236}">
-                <a16:creationId xmlns:a16="http://schemas.microsoft.com/office/drawing/2014/main" id="{B4E0BEB1-B009-47B7-B159-DE05E615E710}"/>
-              </a:ext>
-            </a:extLst>
-          </p:cNvPr>
+          <p:cNvPr id="9" name="Slide Number Placeholder 8"/>
           <p:cNvSpPr>
             <a:spLocks noGrp="1"/>
           </p:cNvSpPr>
@@ -1881,7 +4237,7 @@
     </p:spTree>
     <p:extLst>
       <p:ext uri="{BB962C8B-B14F-4D97-AF65-F5344CB8AC3E}">
-        <p14:creationId xmlns:p14="http://schemas.microsoft.com/office/powerpoint/2010/main" val="2419726589"/>
+        <p14:creationId xmlns:p14="http://schemas.microsoft.com/office/powerpoint/2010/main" val="775052716"/>
       </p:ext>
     </p:extLst>
   </p:cSld>
@@ -1910,13 +4266,7 @@
       </p:grpSpPr>
       <p:sp>
         <p:nvSpPr>
-          <p:cNvPr id="2" name="Title 1">
-            <a:extLst>
-              <a:ext uri="{FF2B5EF4-FFF2-40B4-BE49-F238E27FC236}">
-                <a16:creationId xmlns:a16="http://schemas.microsoft.com/office/drawing/2014/main" id="{1165FFCC-78CC-4E9D-A277-8230F27334A9}"/>
-              </a:ext>
-            </a:extLst>
-          </p:cNvPr>
+          <p:cNvPr id="2" name="Title 1"/>
           <p:cNvSpPr>
             <a:spLocks noGrp="1"/>
           </p:cNvSpPr>
@@ -1933,18 +4283,13 @@
               <a:rPr lang="en-US"/>
               <a:t>Click to edit Master title style</a:t>
             </a:r>
-          </a:p>
-        </p:txBody>
-      </p:sp>
-      <p:sp>
-        <p:nvSpPr>
-          <p:cNvPr id="3" name="Date Placeholder 2">
-            <a:extLst>
-              <a:ext uri="{FF2B5EF4-FFF2-40B4-BE49-F238E27FC236}">
-                <a16:creationId xmlns:a16="http://schemas.microsoft.com/office/drawing/2014/main" id="{744CEFE7-D923-48C1-B2FE-8110829C69E3}"/>
-              </a:ext>
-            </a:extLst>
-          </p:cNvPr>
+            <a:endParaRPr lang="en-US" dirty="0"/>
+          </a:p>
+        </p:txBody>
+      </p:sp>
+      <p:sp>
+        <p:nvSpPr>
+          <p:cNvPr id="3" name="Date Placeholder 2"/>
           <p:cNvSpPr>
             <a:spLocks noGrp="1"/>
           </p:cNvSpPr>
@@ -1959,7 +4304,7 @@
           <a:p>
             <a:fld id="{EED1C14C-A143-42F5-B247-D0E800131009}" type="datetimeFigureOut">
               <a:rPr lang="en-US" smtClean="0"/>
-              <a:t>8/15/2018</a:t>
+              <a:t>7/5/2022</a:t>
             </a:fld>
             <a:endParaRPr lang="en-US"/>
           </a:p>
@@ -1967,13 +4312,7 @@
       </p:sp>
       <p:sp>
         <p:nvSpPr>
-          <p:cNvPr id="4" name="Footer Placeholder 3">
-            <a:extLst>
-              <a:ext uri="{FF2B5EF4-FFF2-40B4-BE49-F238E27FC236}">
-                <a16:creationId xmlns:a16="http://schemas.microsoft.com/office/drawing/2014/main" id="{A68F91C9-7841-4F7B-8F24-B5FF45B5B391}"/>
-              </a:ext>
-            </a:extLst>
-          </p:cNvPr>
+          <p:cNvPr id="4" name="Footer Placeholder 3"/>
           <p:cNvSpPr>
             <a:spLocks noGrp="1"/>
           </p:cNvSpPr>
@@ -1992,13 +4331,7 @@
       </p:sp>
       <p:sp>
         <p:nvSpPr>
-          <p:cNvPr id="5" name="Slide Number Placeholder 4">
-            <a:extLst>
-              <a:ext uri="{FF2B5EF4-FFF2-40B4-BE49-F238E27FC236}">
-                <a16:creationId xmlns:a16="http://schemas.microsoft.com/office/drawing/2014/main" id="{B8896739-CF17-4867-A5ED-317AD19F5A3B}"/>
-              </a:ext>
-            </a:extLst>
-          </p:cNvPr>
+          <p:cNvPr id="5" name="Slide Number Placeholder 4"/>
           <p:cNvSpPr>
             <a:spLocks noGrp="1"/>
           </p:cNvSpPr>
@@ -2022,7 +4355,7 @@
     </p:spTree>
     <p:extLst>
       <p:ext uri="{BB962C8B-B14F-4D97-AF65-F5344CB8AC3E}">
-        <p14:creationId xmlns:p14="http://schemas.microsoft.com/office/powerpoint/2010/main" val="953114326"/>
+        <p14:creationId xmlns:p14="http://schemas.microsoft.com/office/powerpoint/2010/main" val="759606937"/>
       </p:ext>
     </p:extLst>
   </p:cSld>
@@ -2051,13 +4384,7 @@
       </p:grpSpPr>
       <p:sp>
         <p:nvSpPr>
-          <p:cNvPr id="2" name="Date Placeholder 1">
-            <a:extLst>
-              <a:ext uri="{FF2B5EF4-FFF2-40B4-BE49-F238E27FC236}">
-                <a16:creationId xmlns:a16="http://schemas.microsoft.com/office/drawing/2014/main" id="{94E8942B-5ECF-4556-91C2-496E4C52EF8A}"/>
-              </a:ext>
-            </a:extLst>
-          </p:cNvPr>
+          <p:cNvPr id="2" name="Date Placeholder 1"/>
           <p:cNvSpPr>
             <a:spLocks noGrp="1"/>
           </p:cNvSpPr>
@@ -2072,7 +4399,7 @@
           <a:p>
             <a:fld id="{EED1C14C-A143-42F5-B247-D0E800131009}" type="datetimeFigureOut">
               <a:rPr lang="en-US" smtClean="0"/>
-              <a:t>8/15/2018</a:t>
+              <a:t>7/5/2022</a:t>
             </a:fld>
             <a:endParaRPr lang="en-US"/>
           </a:p>
@@ -2080,13 +4407,7 @@
       </p:sp>
       <p:sp>
         <p:nvSpPr>
-          <p:cNvPr id="3" name="Footer Placeholder 2">
-            <a:extLst>
-              <a:ext uri="{FF2B5EF4-FFF2-40B4-BE49-F238E27FC236}">
-                <a16:creationId xmlns:a16="http://schemas.microsoft.com/office/drawing/2014/main" id="{3E1589EF-E9AD-45F7-BFBE-6F8AD3570337}"/>
-              </a:ext>
-            </a:extLst>
-          </p:cNvPr>
+          <p:cNvPr id="3" name="Footer Placeholder 2"/>
           <p:cNvSpPr>
             <a:spLocks noGrp="1"/>
           </p:cNvSpPr>
@@ -2105,13 +4426,7 @@
       </p:sp>
       <p:sp>
         <p:nvSpPr>
-          <p:cNvPr id="4" name="Slide Number Placeholder 3">
-            <a:extLst>
-              <a:ext uri="{FF2B5EF4-FFF2-40B4-BE49-F238E27FC236}">
-                <a16:creationId xmlns:a16="http://schemas.microsoft.com/office/drawing/2014/main" id="{6E18E0FA-5424-403C-8462-1B7C301C65D8}"/>
-              </a:ext>
-            </a:extLst>
-          </p:cNvPr>
+          <p:cNvPr id="4" name="Slide Number Placeholder 3"/>
           <p:cNvSpPr>
             <a:spLocks noGrp="1"/>
           </p:cNvSpPr>
@@ -2135,7 +4450,7 @@
     </p:spTree>
     <p:extLst>
       <p:ext uri="{BB962C8B-B14F-4D97-AF65-F5344CB8AC3E}">
-        <p14:creationId xmlns:p14="http://schemas.microsoft.com/office/powerpoint/2010/main" val="4246240454"/>
+        <p14:creationId xmlns:p14="http://schemas.microsoft.com/office/powerpoint/2010/main" val="2214275313"/>
       </p:ext>
     </p:extLst>
   </p:cSld>
@@ -2164,13 +4479,7 @@
       </p:grpSpPr>
       <p:sp>
         <p:nvSpPr>
-          <p:cNvPr id="2" name="Title 1">
-            <a:extLst>
-              <a:ext uri="{FF2B5EF4-FFF2-40B4-BE49-F238E27FC236}">
-                <a16:creationId xmlns:a16="http://schemas.microsoft.com/office/drawing/2014/main" id="{5AB27A56-C315-441C-9002-DFD599AED26C}"/>
-              </a:ext>
-            </a:extLst>
-          </p:cNvPr>
+          <p:cNvPr id="2" name="Title 1"/>
           <p:cNvSpPr>
             <a:spLocks noGrp="1"/>
           </p:cNvSpPr>
@@ -2180,15 +4489,17 @@
         </p:nvSpPr>
         <p:spPr>
           <a:xfrm>
-            <a:off x="839788" y="457200"/>
-            <a:ext cx="3932237" cy="1600200"/>
-          </a:xfrm>
-        </p:spPr>
-        <p:txBody>
-          <a:bodyPr anchor="b"/>
+            <a:off x="917228" y="609600"/>
+            <a:ext cx="3932237" cy="2362200"/>
+          </a:xfrm>
+        </p:spPr>
+        <p:txBody>
+          <a:bodyPr anchor="b">
+            <a:normAutofit/>
+          </a:bodyPr>
           <a:lstStyle>
             <a:lvl1pPr>
-              <a:defRPr sz="3200"/>
+              <a:defRPr sz="2800"/>
             </a:lvl1pPr>
           </a:lstStyle>
           <a:p>
@@ -2196,18 +4507,13 @@
               <a:rPr lang="en-US"/>
               <a:t>Click to edit Master title style</a:t>
             </a:r>
-          </a:p>
-        </p:txBody>
-      </p:sp>
-      <p:sp>
-        <p:nvSpPr>
-          <p:cNvPr id="3" name="Content Placeholder 2">
-            <a:extLst>
-              <a:ext uri="{FF2B5EF4-FFF2-40B4-BE49-F238E27FC236}">
-                <a16:creationId xmlns:a16="http://schemas.microsoft.com/office/drawing/2014/main" id="{C9F57D9A-8037-4B31-951B-4675ADA69390}"/>
-              </a:ext>
-            </a:extLst>
-          </p:cNvPr>
+            <a:endParaRPr lang="en-US" dirty="0"/>
+          </a:p>
+        </p:txBody>
+      </p:sp>
+      <p:sp>
+        <p:nvSpPr>
+          <p:cNvPr id="3" name="Content Placeholder 2"/>
           <p:cNvSpPr>
             <a:spLocks noGrp="1"/>
           </p:cNvSpPr>
@@ -2217,104 +4523,71 @@
         </p:nvSpPr>
         <p:spPr>
           <a:xfrm>
-            <a:off x="5183188" y="987425"/>
-            <a:ext cx="6172200" cy="4873625"/>
+            <a:off x="5078064" y="609600"/>
+            <a:ext cx="6189492" cy="5181600"/>
+          </a:xfrm>
+        </p:spPr>
+        <p:txBody>
+          <a:bodyPr anchor="ctr"/>
+          <a:lstStyle/>
+          <a:p>
+            <a:pPr lvl="0"/>
+            <a:r>
+              <a:rPr lang="en-US"/>
+              <a:t>Click to edit Master text styles</a:t>
+            </a:r>
+          </a:p>
+          <a:p>
+            <a:pPr lvl="1"/>
+            <a:r>
+              <a:rPr lang="en-US"/>
+              <a:t>Second level</a:t>
+            </a:r>
+          </a:p>
+          <a:p>
+            <a:pPr lvl="2"/>
+            <a:r>
+              <a:rPr lang="en-US"/>
+              <a:t>Third level</a:t>
+            </a:r>
+          </a:p>
+          <a:p>
+            <a:pPr lvl="3"/>
+            <a:r>
+              <a:rPr lang="en-US"/>
+              <a:t>Fourth level</a:t>
+            </a:r>
+          </a:p>
+          <a:p>
+            <a:pPr lvl="4"/>
+            <a:r>
+              <a:rPr lang="en-US"/>
+              <a:t>Fifth level</a:t>
+            </a:r>
+            <a:endParaRPr lang="en-US" dirty="0"/>
+          </a:p>
+        </p:txBody>
+      </p:sp>
+      <p:sp>
+        <p:nvSpPr>
+          <p:cNvPr id="4" name="Text Placeholder 3"/>
+          <p:cNvSpPr>
+            <a:spLocks noGrp="1"/>
+          </p:cNvSpPr>
+          <p:nvPr>
+            <p:ph type="body" sz="half" idx="2"/>
+          </p:nvPr>
+        </p:nvSpPr>
+        <p:spPr>
+          <a:xfrm>
+            <a:off x="917228" y="2971800"/>
+            <a:ext cx="3932237" cy="2819399"/>
           </a:xfrm>
         </p:spPr>
         <p:txBody>
           <a:bodyPr/>
           <a:lstStyle>
-            <a:lvl1pPr>
-              <a:defRPr sz="3200"/>
-            </a:lvl1pPr>
-            <a:lvl2pPr>
-              <a:defRPr sz="2800"/>
-            </a:lvl2pPr>
-            <a:lvl3pPr>
-              <a:defRPr sz="2400"/>
-            </a:lvl3pPr>
-            <a:lvl4pPr>
-              <a:defRPr sz="2000"/>
-            </a:lvl4pPr>
-            <a:lvl5pPr>
-              <a:defRPr sz="2000"/>
-            </a:lvl5pPr>
-            <a:lvl6pPr>
-              <a:defRPr sz="2000"/>
-            </a:lvl6pPr>
-            <a:lvl7pPr>
-              <a:defRPr sz="2000"/>
-            </a:lvl7pPr>
-            <a:lvl8pPr>
-              <a:defRPr sz="2000"/>
-            </a:lvl8pPr>
-            <a:lvl9pPr>
-              <a:defRPr sz="2000"/>
-            </a:lvl9pPr>
-          </a:lstStyle>
-          <a:p>
-            <a:pPr lvl="0"/>
-            <a:r>
-              <a:rPr lang="en-US"/>
-              <a:t>Edit Master text styles</a:t>
-            </a:r>
-          </a:p>
-          <a:p>
-            <a:pPr lvl="1"/>
-            <a:r>
-              <a:rPr lang="en-US"/>
-              <a:t>Second level</a:t>
-            </a:r>
-          </a:p>
-          <a:p>
-            <a:pPr lvl="2"/>
-            <a:r>
-              <a:rPr lang="en-US"/>
-              <a:t>Third level</a:t>
-            </a:r>
-          </a:p>
-          <a:p>
-            <a:pPr lvl="3"/>
-            <a:r>
-              <a:rPr lang="en-US"/>
-              <a:t>Fourth level</a:t>
-            </a:r>
-          </a:p>
-          <a:p>
-            <a:pPr lvl="4"/>
-            <a:r>
-              <a:rPr lang="en-US"/>
-              <a:t>Fifth level</a:t>
-            </a:r>
-          </a:p>
-        </p:txBody>
-      </p:sp>
-      <p:sp>
-        <p:nvSpPr>
-          <p:cNvPr id="4" name="Text Placeholder 3">
-            <a:extLst>
-              <a:ext uri="{FF2B5EF4-FFF2-40B4-BE49-F238E27FC236}">
-                <a16:creationId xmlns:a16="http://schemas.microsoft.com/office/drawing/2014/main" id="{2763141B-5121-4179-B3F6-529569122247}"/>
-              </a:ext>
-            </a:extLst>
-          </p:cNvPr>
-          <p:cNvSpPr>
-            <a:spLocks noGrp="1"/>
-          </p:cNvSpPr>
-          <p:nvPr>
-            <p:ph type="body" sz="half" idx="2"/>
-          </p:nvPr>
-        </p:nvSpPr>
-        <p:spPr>
-          <a:xfrm>
-            <a:off x="839788" y="2057400"/>
-            <a:ext cx="3932237" cy="3811588"/>
-          </a:xfrm>
-        </p:spPr>
-        <p:txBody>
-          <a:bodyPr/>
-          <a:lstStyle>
-            <a:lvl1pPr marL="0" indent="0">
+            <a:lvl1pPr marL="0" indent="0" algn="ctr">
               <a:buNone/>
               <a:defRPr sz="1600"/>
             </a:lvl1pPr>
@@ -2355,20 +4628,14 @@
             <a:pPr lvl="0"/>
             <a:r>
               <a:rPr lang="en-US"/>
-              <a:t>Edit Master text styles</a:t>
-            </a:r>
-          </a:p>
-        </p:txBody>
-      </p:sp>
-      <p:sp>
-        <p:nvSpPr>
-          <p:cNvPr id="5" name="Date Placeholder 4">
-            <a:extLst>
-              <a:ext uri="{FF2B5EF4-FFF2-40B4-BE49-F238E27FC236}">
-                <a16:creationId xmlns:a16="http://schemas.microsoft.com/office/drawing/2014/main" id="{AA60C32E-3427-4696-A55A-56886EA24AEB}"/>
-              </a:ext>
-            </a:extLst>
-          </p:cNvPr>
+              <a:t>Click to edit Master text styles</a:t>
+            </a:r>
+          </a:p>
+        </p:txBody>
+      </p:sp>
+      <p:sp>
+        <p:nvSpPr>
+          <p:cNvPr id="5" name="Date Placeholder 4"/>
           <p:cNvSpPr>
             <a:spLocks noGrp="1"/>
           </p:cNvSpPr>
@@ -2383,7 +4650,7 @@
           <a:p>
             <a:fld id="{EED1C14C-A143-42F5-B247-D0E800131009}" type="datetimeFigureOut">
               <a:rPr lang="en-US" smtClean="0"/>
-              <a:t>8/15/2018</a:t>
+              <a:t>7/5/2022</a:t>
             </a:fld>
             <a:endParaRPr lang="en-US"/>
           </a:p>
@@ -2391,13 +4658,7 @@
       </p:sp>
       <p:sp>
         <p:nvSpPr>
-          <p:cNvPr id="6" name="Footer Placeholder 5">
-            <a:extLst>
-              <a:ext uri="{FF2B5EF4-FFF2-40B4-BE49-F238E27FC236}">
-                <a16:creationId xmlns:a16="http://schemas.microsoft.com/office/drawing/2014/main" id="{7DDFE526-7D20-4EC0-9624-E779812957B3}"/>
-              </a:ext>
-            </a:extLst>
-          </p:cNvPr>
+          <p:cNvPr id="6" name="Footer Placeholder 5"/>
           <p:cNvSpPr>
             <a:spLocks noGrp="1"/>
           </p:cNvSpPr>
@@ -2416,13 +4677,7 @@
       </p:sp>
       <p:sp>
         <p:nvSpPr>
-          <p:cNvPr id="7" name="Slide Number Placeholder 6">
-            <a:extLst>
-              <a:ext uri="{FF2B5EF4-FFF2-40B4-BE49-F238E27FC236}">
-                <a16:creationId xmlns:a16="http://schemas.microsoft.com/office/drawing/2014/main" id="{C7AA82D7-E462-4060-85D6-85CF55540155}"/>
-              </a:ext>
-            </a:extLst>
-          </p:cNvPr>
+          <p:cNvPr id="7" name="Slide Number Placeholder 6"/>
           <p:cNvSpPr>
             <a:spLocks noGrp="1"/>
           </p:cNvSpPr>
@@ -2446,7 +4701,7 @@
     </p:spTree>
     <p:extLst>
       <p:ext uri="{BB962C8B-B14F-4D97-AF65-F5344CB8AC3E}">
-        <p14:creationId xmlns:p14="http://schemas.microsoft.com/office/powerpoint/2010/main" val="3830305192"/>
+        <p14:creationId xmlns:p14="http://schemas.microsoft.com/office/powerpoint/2010/main" val="188682949"/>
       </p:ext>
     </p:extLst>
   </p:cSld>
@@ -2475,13 +4730,7 @@
       </p:grpSpPr>
       <p:sp>
         <p:nvSpPr>
-          <p:cNvPr id="2" name="Title 1">
-            <a:extLst>
-              <a:ext uri="{FF2B5EF4-FFF2-40B4-BE49-F238E27FC236}">
-                <a16:creationId xmlns:a16="http://schemas.microsoft.com/office/drawing/2014/main" id="{AE5E919B-BF68-4590-8CA9-A51BAC0F750F}"/>
-              </a:ext>
-            </a:extLst>
-          </p:cNvPr>
+          <p:cNvPr id="2" name="Title 1"/>
           <p:cNvSpPr>
             <a:spLocks noGrp="1"/>
           </p:cNvSpPr>
@@ -2491,12 +4740,14 @@
         </p:nvSpPr>
         <p:spPr>
           <a:xfrm>
-            <a:off x="839788" y="457200"/>
-            <a:ext cx="3932237" cy="1600200"/>
-          </a:xfrm>
-        </p:spPr>
-        <p:txBody>
-          <a:bodyPr anchor="b"/>
+            <a:off x="917227" y="609600"/>
+            <a:ext cx="5929773" cy="2362200"/>
+          </a:xfrm>
+        </p:spPr>
+        <p:txBody>
+          <a:bodyPr anchor="b">
+            <a:normAutofit/>
+          </a:bodyPr>
           <a:lstStyle>
             <a:lvl1pPr>
               <a:defRPr sz="3200"/>
@@ -2507,20 +4758,15 @@
               <a:rPr lang="en-US"/>
               <a:t>Click to edit Master title style</a:t>
             </a:r>
-          </a:p>
-        </p:txBody>
-      </p:sp>
-      <p:sp>
-        <p:nvSpPr>
-          <p:cNvPr id="3" name="Picture Placeholder 2">
-            <a:extLst>
-              <a:ext uri="{FF2B5EF4-FFF2-40B4-BE49-F238E27FC236}">
-                <a16:creationId xmlns:a16="http://schemas.microsoft.com/office/drawing/2014/main" id="{A04BC1AA-5C68-47DC-BBF0-1E309865E5AF}"/>
-              </a:ext>
-            </a:extLst>
-          </p:cNvPr>
-          <p:cNvSpPr>
-            <a:spLocks noGrp="1"/>
+            <a:endParaRPr lang="en-US" dirty="0"/>
+          </a:p>
+        </p:txBody>
+      </p:sp>
+      <p:sp>
+        <p:nvSpPr>
+          <p:cNvPr id="3" name="Picture Placeholder 2"/>
+          <p:cNvSpPr>
+            <a:spLocks noGrp="1" noChangeAspect="1"/>
           </p:cNvSpPr>
           <p:nvPr>
             <p:ph type="pic" idx="1"/>
@@ -2528,14 +4774,40 @@
         </p:nvSpPr>
         <p:spPr>
           <a:xfrm>
-            <a:off x="5183188" y="987425"/>
-            <a:ext cx="6172200" cy="4873625"/>
-          </a:xfrm>
-        </p:spPr>
-        <p:txBody>
-          <a:bodyPr/>
+            <a:off x="7424804" y="758881"/>
+            <a:ext cx="3255356" cy="4883038"/>
+          </a:xfrm>
+          <a:noFill/>
+          <a:ln w="190500" cap="sq">
+            <a:solidFill>
+              <a:srgbClr val="FFFFFF"/>
+            </a:solidFill>
+            <a:miter lim="800000"/>
+          </a:ln>
+          <a:effectLst>
+            <a:outerShdw blurRad="55000" dist="18000" dir="5400000" algn="tl" rotWithShape="0">
+              <a:srgbClr val="000000">
+                <a:alpha val="40000"/>
+              </a:srgbClr>
+            </a:outerShdw>
+          </a:effectLst>
+          <a:scene3d>
+            <a:camera prst="orthographicFront"/>
+            <a:lightRig rig="twoPt" dir="t">
+              <a:rot lat="0" lon="0" rev="7200000"/>
+            </a:lightRig>
+          </a:scene3d>
+          <a:sp3d>
+            <a:bevelT w="25400" h="19050"/>
+            <a:contourClr>
+              <a:srgbClr val="FFFFFF"/>
+            </a:contourClr>
+          </a:sp3d>
+        </p:spPr>
+        <p:txBody>
+          <a:bodyPr anchor="t"/>
           <a:lstStyle>
-            <a:lvl1pPr marL="0" indent="0">
+            <a:lvl1pPr marL="0" indent="0" algn="ctr">
               <a:buNone/>
               <a:defRPr sz="3200"/>
             </a:lvl1pPr>
@@ -2573,19 +4845,17 @@
             </a:lvl9pPr>
           </a:lstStyle>
           <a:p>
-            <a:endParaRPr lang="en-US"/>
-          </a:p>
-        </p:txBody>
-      </p:sp>
-      <p:sp>
-        <p:nvSpPr>
-          <p:cNvPr id="4" name="Text Placeholder 3">
-            <a:extLst>
-              <a:ext uri="{FF2B5EF4-FFF2-40B4-BE49-F238E27FC236}">
-                <a16:creationId xmlns:a16="http://schemas.microsoft.com/office/drawing/2014/main" id="{0F81A636-7F9C-43EC-B2F2-6FB3323CB79E}"/>
-              </a:ext>
-            </a:extLst>
-          </p:cNvPr>
+            <a:r>
+              <a:rPr lang="en-US"/>
+              <a:t>Click icon to add picture</a:t>
+            </a:r>
+            <a:endParaRPr lang="en-US" dirty="0"/>
+          </a:p>
+        </p:txBody>
+      </p:sp>
+      <p:sp>
+        <p:nvSpPr>
+          <p:cNvPr id="4" name="Text Placeholder 3"/>
           <p:cNvSpPr>
             <a:spLocks noGrp="1"/>
           </p:cNvSpPr>
@@ -2595,16 +4865,18 @@
         </p:nvSpPr>
         <p:spPr>
           <a:xfrm>
-            <a:off x="839788" y="2057400"/>
-            <a:ext cx="3932237" cy="3811588"/>
-          </a:xfrm>
-        </p:spPr>
-        <p:txBody>
-          <a:bodyPr/>
+            <a:off x="913794" y="2971800"/>
+            <a:ext cx="5934950" cy="2819400"/>
+          </a:xfrm>
+        </p:spPr>
+        <p:txBody>
+          <a:bodyPr>
+            <a:normAutofit/>
+          </a:bodyPr>
           <a:lstStyle>
-            <a:lvl1pPr marL="0" indent="0">
-              <a:buNone/>
-              <a:defRPr sz="1600"/>
+            <a:lvl1pPr marL="0" indent="0" algn="ctr">
+              <a:buNone/>
+              <a:defRPr sz="1800"/>
             </a:lvl1pPr>
             <a:lvl2pPr marL="457200" indent="0">
               <a:buNone/>
@@ -2643,20 +4915,14 @@
             <a:pPr lvl="0"/>
             <a:r>
               <a:rPr lang="en-US"/>
-              <a:t>Edit Master text styles</a:t>
-            </a:r>
-          </a:p>
-        </p:txBody>
-      </p:sp>
-      <p:sp>
-        <p:nvSpPr>
-          <p:cNvPr id="5" name="Date Placeholder 4">
-            <a:extLst>
-              <a:ext uri="{FF2B5EF4-FFF2-40B4-BE49-F238E27FC236}">
-                <a16:creationId xmlns:a16="http://schemas.microsoft.com/office/drawing/2014/main" id="{7D19410E-A050-4AA2-BC89-EF52EB1C34F6}"/>
-              </a:ext>
-            </a:extLst>
-          </p:cNvPr>
+              <a:t>Click to edit Master text styles</a:t>
+            </a:r>
+          </a:p>
+        </p:txBody>
+      </p:sp>
+      <p:sp>
+        <p:nvSpPr>
+          <p:cNvPr id="5" name="Date Placeholder 4"/>
           <p:cNvSpPr>
             <a:spLocks noGrp="1"/>
           </p:cNvSpPr>
@@ -2671,7 +4937,7 @@
           <a:p>
             <a:fld id="{EED1C14C-A143-42F5-B247-D0E800131009}" type="datetimeFigureOut">
               <a:rPr lang="en-US" smtClean="0"/>
-              <a:t>8/15/2018</a:t>
+              <a:t>7/5/2022</a:t>
             </a:fld>
             <a:endParaRPr lang="en-US"/>
           </a:p>
@@ -2679,13 +4945,7 @@
       </p:sp>
       <p:sp>
         <p:nvSpPr>
-          <p:cNvPr id="6" name="Footer Placeholder 5">
-            <a:extLst>
-              <a:ext uri="{FF2B5EF4-FFF2-40B4-BE49-F238E27FC236}">
-                <a16:creationId xmlns:a16="http://schemas.microsoft.com/office/drawing/2014/main" id="{B0C23AB0-18A5-4589-926D-C00F68CFEA43}"/>
-              </a:ext>
-            </a:extLst>
-          </p:cNvPr>
+          <p:cNvPr id="6" name="Footer Placeholder 5"/>
           <p:cNvSpPr>
             <a:spLocks noGrp="1"/>
           </p:cNvSpPr>
@@ -2704,13 +4964,7 @@
       </p:sp>
       <p:sp>
         <p:nvSpPr>
-          <p:cNvPr id="7" name="Slide Number Placeholder 6">
-            <a:extLst>
-              <a:ext uri="{FF2B5EF4-FFF2-40B4-BE49-F238E27FC236}">
-                <a16:creationId xmlns:a16="http://schemas.microsoft.com/office/drawing/2014/main" id="{8754EE52-EECA-4C6E-83E9-6382044D356C}"/>
-              </a:ext>
-            </a:extLst>
-          </p:cNvPr>
+          <p:cNvPr id="7" name="Slide Number Placeholder 6"/>
           <p:cNvSpPr>
             <a:spLocks noGrp="1"/>
           </p:cNvSpPr>
@@ -2734,7 +4988,7 @@
     </p:spTree>
     <p:extLst>
       <p:ext uri="{BB962C8B-B14F-4D97-AF65-F5344CB8AC3E}">
-        <p14:creationId xmlns:p14="http://schemas.microsoft.com/office/powerpoint/2010/main" val="1609688846"/>
+        <p14:creationId xmlns:p14="http://schemas.microsoft.com/office/powerpoint/2010/main" val="2197154381"/>
       </p:ext>
     </p:extLst>
   </p:cSld>
@@ -2748,8 +5002,8 @@
 <p:sldMaster xmlns:a="http://schemas.openxmlformats.org/drawingml/2006/main" xmlns:r="http://schemas.openxmlformats.org/officeDocument/2006/relationships" xmlns:p="http://schemas.openxmlformats.org/presentationml/2006/main">
   <p:cSld>
     <p:bg>
-      <p:bgRef idx="1001">
-        <a:schemeClr val="bg1"/>
+      <p:bgRef idx="1003">
+        <a:schemeClr val="bg2"/>
       </p:bgRef>
     </p:bg>
     <p:spTree>
@@ -2768,13 +5022,7 @@
       </p:grpSpPr>
       <p:sp>
         <p:nvSpPr>
-          <p:cNvPr id="2" name="Title Placeholder 1">
-            <a:extLst>
-              <a:ext uri="{FF2B5EF4-FFF2-40B4-BE49-F238E27FC236}">
-                <a16:creationId xmlns:a16="http://schemas.microsoft.com/office/drawing/2014/main" id="{BC3F6010-77C4-45FE-968C-712199A58514}"/>
-              </a:ext>
-            </a:extLst>
-          </p:cNvPr>
+          <p:cNvPr id="2" name="Title Placeholder 1"/>
           <p:cNvSpPr>
             <a:spLocks noGrp="1"/>
           </p:cNvSpPr>
@@ -2784,8 +5032,8 @@
         </p:nvSpPr>
         <p:spPr>
           <a:xfrm>
-            <a:off x="838200" y="365125"/>
-            <a:ext cx="10515600" cy="1325563"/>
+            <a:off x="913795" y="609600"/>
+            <a:ext cx="10353761" cy="1326321"/>
           </a:xfrm>
           <a:prstGeom prst="rect">
             <a:avLst/>
@@ -2801,18 +5049,13 @@
               <a:rPr lang="en-US"/>
               <a:t>Click to edit Master title style</a:t>
             </a:r>
-          </a:p>
-        </p:txBody>
-      </p:sp>
-      <p:sp>
-        <p:nvSpPr>
-          <p:cNvPr id="3" name="Text Placeholder 2">
-            <a:extLst>
-              <a:ext uri="{FF2B5EF4-FFF2-40B4-BE49-F238E27FC236}">
-                <a16:creationId xmlns:a16="http://schemas.microsoft.com/office/drawing/2014/main" id="{B19B1B2C-5D5F-46D9-92F5-ECDF2816A1FB}"/>
-              </a:ext>
-            </a:extLst>
-          </p:cNvPr>
+            <a:endParaRPr lang="en-US" dirty="0"/>
+          </a:p>
+        </p:txBody>
+      </p:sp>
+      <p:sp>
+        <p:nvSpPr>
+          <p:cNvPr id="3" name="Text Placeholder 2"/>
           <p:cNvSpPr>
             <a:spLocks noGrp="1"/>
           </p:cNvSpPr>
@@ -2822,8 +5065,8 @@
         </p:nvSpPr>
         <p:spPr>
           <a:xfrm>
-            <a:off x="838200" y="1825625"/>
-            <a:ext cx="10515600" cy="4351338"/>
+            <a:off x="913795" y="2096064"/>
+            <a:ext cx="10353762" cy="3695136"/>
           </a:xfrm>
           <a:prstGeom prst="rect">
             <a:avLst/>
@@ -2838,7 +5081,7 @@
             <a:pPr lvl="0"/>
             <a:r>
               <a:rPr lang="en-US"/>
-              <a:t>Edit Master text styles</a:t>
+              <a:t>Click to edit Master text styles</a:t>
             </a:r>
           </a:p>
           <a:p>
@@ -2868,18 +5111,13 @@
               <a:rPr lang="en-US"/>
               <a:t>Fifth level</a:t>
             </a:r>
-          </a:p>
-        </p:txBody>
-      </p:sp>
-      <p:sp>
-        <p:nvSpPr>
-          <p:cNvPr id="4" name="Date Placeholder 3">
-            <a:extLst>
-              <a:ext uri="{FF2B5EF4-FFF2-40B4-BE49-F238E27FC236}">
-                <a16:creationId xmlns:a16="http://schemas.microsoft.com/office/drawing/2014/main" id="{60334894-C6F5-46F1-BAA2-AFEA88E68169}"/>
-              </a:ext>
-            </a:extLst>
-          </p:cNvPr>
+            <a:endParaRPr lang="en-US" dirty="0"/>
+          </a:p>
+        </p:txBody>
+      </p:sp>
+      <p:sp>
+        <p:nvSpPr>
+          <p:cNvPr id="4" name="Date Placeholder 3"/>
           <p:cNvSpPr>
             <a:spLocks noGrp="1"/>
           </p:cNvSpPr>
@@ -2889,7 +5127,7 @@
         </p:nvSpPr>
         <p:spPr>
           <a:xfrm>
-            <a:off x="838200" y="6356350"/>
+            <a:off x="7678736" y="5883275"/>
             <a:ext cx="2743200" cy="365125"/>
           </a:xfrm>
           <a:prstGeom prst="rect">
@@ -2899,8 +5137,8 @@
         <p:txBody>
           <a:bodyPr vert="horz" lIns="91440" tIns="45720" rIns="91440" bIns="45720" rtlCol="0" anchor="ctr"/>
           <a:lstStyle>
-            <a:lvl1pPr algn="l">
-              <a:defRPr sz="1200">
+            <a:lvl1pPr algn="r">
+              <a:defRPr sz="1000">
                 <a:solidFill>
                   <a:schemeClr val="tx1">
                     <a:tint val="75000"/>
@@ -2912,7 +5150,7 @@
           <a:p>
             <a:fld id="{EED1C14C-A143-42F5-B247-D0E800131009}" type="datetimeFigureOut">
               <a:rPr lang="en-US" smtClean="0"/>
-              <a:t>8/15/2018</a:t>
+              <a:t>7/5/2022</a:t>
             </a:fld>
             <a:endParaRPr lang="en-US"/>
           </a:p>
@@ -2920,13 +5158,7 @@
       </p:sp>
       <p:sp>
         <p:nvSpPr>
-          <p:cNvPr id="5" name="Footer Placeholder 4">
-            <a:extLst>
-              <a:ext uri="{FF2B5EF4-FFF2-40B4-BE49-F238E27FC236}">
-                <a16:creationId xmlns:a16="http://schemas.microsoft.com/office/drawing/2014/main" id="{975B1C84-4663-4022-BBEA-7667FEBCF3FB}"/>
-              </a:ext>
-            </a:extLst>
-          </p:cNvPr>
+          <p:cNvPr id="5" name="Footer Placeholder 4"/>
           <p:cNvSpPr>
             <a:spLocks noGrp="1"/>
           </p:cNvSpPr>
@@ -2936,8 +5168,8 @@
         </p:nvSpPr>
         <p:spPr>
           <a:xfrm>
-            <a:off x="4038600" y="6356350"/>
-            <a:ext cx="4114800" cy="365125"/>
+            <a:off x="913794" y="5883275"/>
+            <a:ext cx="6672865" cy="365125"/>
           </a:xfrm>
           <a:prstGeom prst="rect">
             <a:avLst/>
@@ -2946,8 +5178,8 @@
         <p:txBody>
           <a:bodyPr vert="horz" lIns="91440" tIns="45720" rIns="91440" bIns="45720" rtlCol="0" anchor="ctr"/>
           <a:lstStyle>
-            <a:lvl1pPr algn="ctr">
-              <a:defRPr sz="1200">
+            <a:lvl1pPr algn="l">
+              <a:defRPr sz="1000">
                 <a:solidFill>
                   <a:schemeClr val="tx1">
                     <a:tint val="75000"/>
@@ -2963,13 +5195,7 @@
       </p:sp>
       <p:sp>
         <p:nvSpPr>
-          <p:cNvPr id="6" name="Slide Number Placeholder 5">
-            <a:extLst>
-              <a:ext uri="{FF2B5EF4-FFF2-40B4-BE49-F238E27FC236}">
-                <a16:creationId xmlns:a16="http://schemas.microsoft.com/office/drawing/2014/main" id="{E72820DA-1F3A-421F-A770-A6347089E365}"/>
-              </a:ext>
-            </a:extLst>
-          </p:cNvPr>
+          <p:cNvPr id="6" name="Slide Number Placeholder 5"/>
           <p:cNvSpPr>
             <a:spLocks noGrp="1"/>
           </p:cNvSpPr>
@@ -2979,8 +5205,8 @@
         </p:nvSpPr>
         <p:spPr>
           <a:xfrm>
-            <a:off x="8610600" y="6356350"/>
-            <a:ext cx="2743200" cy="365125"/>
+            <a:off x="10514011" y="5883275"/>
+            <a:ext cx="753545" cy="365125"/>
           </a:xfrm>
           <a:prstGeom prst="rect">
             <a:avLst/>
@@ -2990,7 +5216,7 @@
           <a:bodyPr vert="horz" lIns="91440" tIns="45720" rIns="91440" bIns="45720" rtlCol="0" anchor="ctr"/>
           <a:lstStyle>
             <a:lvl1pPr algn="r">
-              <a:defRPr sz="1200">
+              <a:defRPr sz="1000">
                 <a:solidFill>
                   <a:schemeClr val="tx1">
                     <a:tint val="75000"/>
@@ -3011,27 +5237,33 @@
     </p:spTree>
     <p:extLst>
       <p:ext uri="{BB962C8B-B14F-4D97-AF65-F5344CB8AC3E}">
-        <p14:creationId xmlns:p14="http://schemas.microsoft.com/office/powerpoint/2010/main" val="1904852015"/>
+        <p14:creationId xmlns:p14="http://schemas.microsoft.com/office/powerpoint/2010/main" val="3944658691"/>
       </p:ext>
     </p:extLst>
   </p:cSld>
-  <p:clrMap bg1="lt1" tx1="dk1" bg2="lt2" tx2="dk2" accent1="accent1" accent2="accent2" accent3="accent3" accent4="accent4" accent5="accent5" accent6="accent6" hlink="hlink" folHlink="folHlink"/>
+  <p:clrMap bg1="dk1" tx1="lt1" bg2="dk2" tx2="lt2" accent1="accent1" accent2="accent2" accent3="accent3" accent4="accent4" accent5="accent5" accent6="accent6" hlink="hlink" folHlink="folHlink"/>
   <p:sldLayoutIdLst>
-    <p:sldLayoutId id="2147483649" r:id="rId1"/>
-    <p:sldLayoutId id="2147483650" r:id="rId2"/>
-    <p:sldLayoutId id="2147483651" r:id="rId3"/>
-    <p:sldLayoutId id="2147483652" r:id="rId4"/>
-    <p:sldLayoutId id="2147483653" r:id="rId5"/>
-    <p:sldLayoutId id="2147483654" r:id="rId6"/>
-    <p:sldLayoutId id="2147483655" r:id="rId7"/>
-    <p:sldLayoutId id="2147483656" r:id="rId8"/>
-    <p:sldLayoutId id="2147483657" r:id="rId9"/>
-    <p:sldLayoutId id="2147483658" r:id="rId10"/>
-    <p:sldLayoutId id="2147483659" r:id="rId11"/>
+    <p:sldLayoutId id="2147483673" r:id="rId1"/>
+    <p:sldLayoutId id="2147483674" r:id="rId2"/>
+    <p:sldLayoutId id="2147483675" r:id="rId3"/>
+    <p:sldLayoutId id="2147483676" r:id="rId4"/>
+    <p:sldLayoutId id="2147483677" r:id="rId5"/>
+    <p:sldLayoutId id="2147483678" r:id="rId6"/>
+    <p:sldLayoutId id="2147483679" r:id="rId7"/>
+    <p:sldLayoutId id="2147483680" r:id="rId8"/>
+    <p:sldLayoutId id="2147483681" r:id="rId9"/>
+    <p:sldLayoutId id="2147483682" r:id="rId10"/>
+    <p:sldLayoutId id="2147483683" r:id="rId11"/>
+    <p:sldLayoutId id="2147483684" r:id="rId12"/>
+    <p:sldLayoutId id="2147483685" r:id="rId13"/>
+    <p:sldLayoutId id="2147483686" r:id="rId14"/>
+    <p:sldLayoutId id="2147483687" r:id="rId15"/>
+    <p:sldLayoutId id="2147483688" r:id="rId16"/>
+    <p:sldLayoutId id="2147483689" r:id="rId17"/>
   </p:sldLayoutIdLst>
   <p:txStyles>
     <p:titleStyle>
-      <a:lvl1pPr algn="l" defTabSz="914400" rtl="0" eaLnBrk="1" latinLnBrk="0" hangingPunct="1">
+      <a:lvl1pPr algn="ctr" defTabSz="914400" rtl="0" eaLnBrk="1" latinLnBrk="0" hangingPunct="1">
         <a:lnSpc>
           <a:spcPct val="90000"/>
         </a:lnSpc>
@@ -3039,10 +5271,17 @@
           <a:spcPct val="0"/>
         </a:spcBef>
         <a:buNone/>
-        <a:defRPr sz="4400" kern="1200">
+        <a:defRPr sz="3400" b="1" i="0" kern="1200" cap="all">
           <a:solidFill>
             <a:schemeClr val="tx1"/>
           </a:solidFill>
+          <a:effectLst>
+            <a:outerShdw blurRad="50800" dist="63500" dir="2700000" algn="tl" rotWithShape="0">
+              <a:srgbClr val="000000">
+                <a:alpha val="48000"/>
+              </a:srgbClr>
+            </a:outerShdw>
+          </a:effectLst>
           <a:latin typeface="+mj-lt"/>
           <a:ea typeface="+mj-ea"/>
           <a:cs typeface="+mj-cs"/>
@@ -3052,17 +5291,24 @@
     <p:bodyStyle>
       <a:lvl1pPr marL="228600" indent="-228600" algn="l" defTabSz="914400" rtl="0" eaLnBrk="1" latinLnBrk="0" hangingPunct="1">
         <a:lnSpc>
-          <a:spcPct val="90000"/>
+          <a:spcPct val="120000"/>
         </a:lnSpc>
         <a:spcBef>
           <a:spcPts val="1000"/>
         </a:spcBef>
         <a:buFont typeface="Arial" panose="020B0604020202020204" pitchFamily="34" charset="0"/>
         <a:buChar char="•"/>
-        <a:defRPr sz="2800" kern="1200">
+        <a:defRPr sz="2000" kern="1200">
           <a:solidFill>
             <a:schemeClr val="tx1"/>
           </a:solidFill>
+          <a:effectLst>
+            <a:outerShdw blurRad="50800" dist="38100" dir="2700000" algn="tl" rotWithShape="0">
+              <a:srgbClr val="000000">
+                <a:alpha val="48000"/>
+              </a:srgbClr>
+            </a:outerShdw>
+          </a:effectLst>
           <a:latin typeface="+mn-lt"/>
           <a:ea typeface="+mn-ea"/>
           <a:cs typeface="+mn-cs"/>
@@ -3070,43 +5316,7 @@
       </a:lvl1pPr>
       <a:lvl2pPr marL="685800" indent="-228600" algn="l" defTabSz="914400" rtl="0" eaLnBrk="1" latinLnBrk="0" hangingPunct="1">
         <a:lnSpc>
-          <a:spcPct val="90000"/>
-        </a:lnSpc>
-        <a:spcBef>
-          <a:spcPts val="500"/>
-        </a:spcBef>
-        <a:buFont typeface="Arial" panose="020B0604020202020204" pitchFamily="34" charset="0"/>
-        <a:buChar char="•"/>
-        <a:defRPr sz="2400" kern="1200">
-          <a:solidFill>
-            <a:schemeClr val="tx1"/>
-          </a:solidFill>
-          <a:latin typeface="+mn-lt"/>
-          <a:ea typeface="+mn-ea"/>
-          <a:cs typeface="+mn-cs"/>
-        </a:defRPr>
-      </a:lvl2pPr>
-      <a:lvl3pPr marL="1143000" indent="-228600" algn="l" defTabSz="914400" rtl="0" eaLnBrk="1" latinLnBrk="0" hangingPunct="1">
-        <a:lnSpc>
-          <a:spcPct val="90000"/>
-        </a:lnSpc>
-        <a:spcBef>
-          <a:spcPts val="500"/>
-        </a:spcBef>
-        <a:buFont typeface="Arial" panose="020B0604020202020204" pitchFamily="34" charset="0"/>
-        <a:buChar char="•"/>
-        <a:defRPr sz="2000" kern="1200">
-          <a:solidFill>
-            <a:schemeClr val="tx1"/>
-          </a:solidFill>
-          <a:latin typeface="+mn-lt"/>
-          <a:ea typeface="+mn-ea"/>
-          <a:cs typeface="+mn-cs"/>
-        </a:defRPr>
-      </a:lvl3pPr>
-      <a:lvl4pPr marL="1600200" indent="-228600" algn="l" defTabSz="914400" rtl="0" eaLnBrk="1" latinLnBrk="0" hangingPunct="1">
-        <a:lnSpc>
-          <a:spcPct val="90000"/>
+          <a:spcPct val="120000"/>
         </a:lnSpc>
         <a:spcBef>
           <a:spcPts val="500"/>
@@ -3117,6 +5327,63 @@
           <a:solidFill>
             <a:schemeClr val="tx1"/>
           </a:solidFill>
+          <a:effectLst>
+            <a:outerShdw blurRad="50800" dist="38100" dir="2700000" algn="tl" rotWithShape="0">
+              <a:srgbClr val="000000">
+                <a:alpha val="48000"/>
+              </a:srgbClr>
+            </a:outerShdw>
+          </a:effectLst>
+          <a:latin typeface="+mn-lt"/>
+          <a:ea typeface="+mn-ea"/>
+          <a:cs typeface="+mn-cs"/>
+        </a:defRPr>
+      </a:lvl2pPr>
+      <a:lvl3pPr marL="1143000" indent="-228600" algn="l" defTabSz="914400" rtl="0" eaLnBrk="1" latinLnBrk="0" hangingPunct="1">
+        <a:lnSpc>
+          <a:spcPct val="120000"/>
+        </a:lnSpc>
+        <a:spcBef>
+          <a:spcPts val="500"/>
+        </a:spcBef>
+        <a:buFont typeface="Arial" panose="020B0604020202020204" pitchFamily="34" charset="0"/>
+        <a:buChar char="•"/>
+        <a:defRPr sz="1600" kern="1200">
+          <a:solidFill>
+            <a:schemeClr val="tx1"/>
+          </a:solidFill>
+          <a:effectLst>
+            <a:outerShdw blurRad="50800" dist="38100" dir="2700000" algn="tl" rotWithShape="0">
+              <a:srgbClr val="000000">
+                <a:alpha val="48000"/>
+              </a:srgbClr>
+            </a:outerShdw>
+          </a:effectLst>
+          <a:latin typeface="+mn-lt"/>
+          <a:ea typeface="+mn-ea"/>
+          <a:cs typeface="+mn-cs"/>
+        </a:defRPr>
+      </a:lvl3pPr>
+      <a:lvl4pPr marL="1600200" indent="-228600" algn="l" defTabSz="914400" rtl="0" eaLnBrk="1" latinLnBrk="0" hangingPunct="1">
+        <a:lnSpc>
+          <a:spcPct val="120000"/>
+        </a:lnSpc>
+        <a:spcBef>
+          <a:spcPts val="500"/>
+        </a:spcBef>
+        <a:buFont typeface="Arial" panose="020B0604020202020204" pitchFamily="34" charset="0"/>
+        <a:buChar char="•"/>
+        <a:defRPr sz="1400" kern="1200">
+          <a:solidFill>
+            <a:schemeClr val="tx1"/>
+          </a:solidFill>
+          <a:effectLst>
+            <a:outerShdw blurRad="50800" dist="38100" dir="2700000" algn="tl" rotWithShape="0">
+              <a:srgbClr val="000000">
+                <a:alpha val="48000"/>
+              </a:srgbClr>
+            </a:outerShdw>
+          </a:effectLst>
           <a:latin typeface="+mn-lt"/>
           <a:ea typeface="+mn-ea"/>
           <a:cs typeface="+mn-cs"/>
@@ -3124,17 +5391,24 @@
       </a:lvl4pPr>
       <a:lvl5pPr marL="2057400" indent="-228600" algn="l" defTabSz="914400" rtl="0" eaLnBrk="1" latinLnBrk="0" hangingPunct="1">
         <a:lnSpc>
-          <a:spcPct val="90000"/>
+          <a:spcPct val="120000"/>
         </a:lnSpc>
         <a:spcBef>
           <a:spcPts val="500"/>
         </a:spcBef>
         <a:buFont typeface="Arial" panose="020B0604020202020204" pitchFamily="34" charset="0"/>
         <a:buChar char="•"/>
-        <a:defRPr sz="1800" kern="1200">
+        <a:defRPr sz="1200" kern="1200">
           <a:solidFill>
             <a:schemeClr val="tx1"/>
           </a:solidFill>
+          <a:effectLst>
+            <a:outerShdw blurRad="50800" dist="38100" dir="2700000" algn="tl" rotWithShape="0">
+              <a:srgbClr val="000000">
+                <a:alpha val="48000"/>
+              </a:srgbClr>
+            </a:outerShdw>
+          </a:effectLst>
           <a:latin typeface="+mn-lt"/>
           <a:ea typeface="+mn-ea"/>
           <a:cs typeface="+mn-cs"/>
@@ -3142,17 +5416,24 @@
       </a:lvl5pPr>
       <a:lvl6pPr marL="2514600" indent="-228600" algn="l" defTabSz="914400" rtl="0" eaLnBrk="1" latinLnBrk="0" hangingPunct="1">
         <a:lnSpc>
-          <a:spcPct val="90000"/>
+          <a:spcPct val="120000"/>
         </a:lnSpc>
         <a:spcBef>
           <a:spcPts val="500"/>
         </a:spcBef>
         <a:buFont typeface="Arial" panose="020B0604020202020204" pitchFamily="34" charset="0"/>
         <a:buChar char="•"/>
-        <a:defRPr sz="1800" kern="1200">
+        <a:defRPr sz="1200" kern="1200">
           <a:solidFill>
             <a:schemeClr val="tx1"/>
           </a:solidFill>
+          <a:effectLst>
+            <a:outerShdw blurRad="50800" dist="38100" dir="2700000" algn="tl" rotWithShape="0">
+              <a:srgbClr val="000000">
+                <a:alpha val="48000"/>
+              </a:srgbClr>
+            </a:outerShdw>
+          </a:effectLst>
           <a:latin typeface="+mn-lt"/>
           <a:ea typeface="+mn-ea"/>
           <a:cs typeface="+mn-cs"/>
@@ -3160,17 +5441,24 @@
       </a:lvl6pPr>
       <a:lvl7pPr marL="2971800" indent="-228600" algn="l" defTabSz="914400" rtl="0" eaLnBrk="1" latinLnBrk="0" hangingPunct="1">
         <a:lnSpc>
-          <a:spcPct val="90000"/>
+          <a:spcPct val="120000"/>
         </a:lnSpc>
         <a:spcBef>
           <a:spcPts val="500"/>
         </a:spcBef>
         <a:buFont typeface="Arial" panose="020B0604020202020204" pitchFamily="34" charset="0"/>
         <a:buChar char="•"/>
-        <a:defRPr sz="1800" kern="1200">
+        <a:defRPr sz="1200" kern="1200">
           <a:solidFill>
             <a:schemeClr val="tx1"/>
           </a:solidFill>
+          <a:effectLst>
+            <a:outerShdw blurRad="50800" dist="38100" dir="2700000" algn="tl" rotWithShape="0">
+              <a:srgbClr val="000000">
+                <a:alpha val="48000"/>
+              </a:srgbClr>
+            </a:outerShdw>
+          </a:effectLst>
           <a:latin typeface="+mn-lt"/>
           <a:ea typeface="+mn-ea"/>
           <a:cs typeface="+mn-cs"/>
@@ -3178,17 +5466,24 @@
       </a:lvl7pPr>
       <a:lvl8pPr marL="3429000" indent="-228600" algn="l" defTabSz="914400" rtl="0" eaLnBrk="1" latinLnBrk="0" hangingPunct="1">
         <a:lnSpc>
-          <a:spcPct val="90000"/>
+          <a:spcPct val="120000"/>
         </a:lnSpc>
         <a:spcBef>
           <a:spcPts val="500"/>
         </a:spcBef>
         <a:buFont typeface="Arial" panose="020B0604020202020204" pitchFamily="34" charset="0"/>
         <a:buChar char="•"/>
-        <a:defRPr sz="1800" kern="1200">
+        <a:defRPr sz="1200" kern="1200">
           <a:solidFill>
             <a:schemeClr val="tx1"/>
           </a:solidFill>
+          <a:effectLst>
+            <a:outerShdw blurRad="50800" dist="38100" dir="2700000" algn="tl" rotWithShape="0">
+              <a:srgbClr val="000000">
+                <a:alpha val="48000"/>
+              </a:srgbClr>
+            </a:outerShdw>
+          </a:effectLst>
           <a:latin typeface="+mn-lt"/>
           <a:ea typeface="+mn-ea"/>
           <a:cs typeface="+mn-cs"/>
@@ -3196,17 +5491,24 @@
       </a:lvl8pPr>
       <a:lvl9pPr marL="3886200" indent="-228600" algn="l" defTabSz="914400" rtl="0" eaLnBrk="1" latinLnBrk="0" hangingPunct="1">
         <a:lnSpc>
-          <a:spcPct val="90000"/>
+          <a:spcPct val="120000"/>
         </a:lnSpc>
         <a:spcBef>
           <a:spcPts val="500"/>
         </a:spcBef>
         <a:buFont typeface="Arial" panose="020B0604020202020204" pitchFamily="34" charset="0"/>
         <a:buChar char="•"/>
-        <a:defRPr sz="1800" kern="1200">
+        <a:defRPr sz="1200" kern="1200">
           <a:solidFill>
             <a:schemeClr val="tx1"/>
           </a:solidFill>
+          <a:effectLst>
+            <a:outerShdw blurRad="50800" dist="38100" dir="2700000" algn="tl" rotWithShape="0">
+              <a:srgbClr val="000000">
+                <a:alpha val="48000"/>
+              </a:srgbClr>
+            </a:outerShdw>
+          </a:effectLst>
           <a:latin typeface="+mn-lt"/>
           <a:ea typeface="+mn-ea"/>
           <a:cs typeface="+mn-cs"/>
@@ -3313,7 +5615,7 @@
 </file>
 
 <file path=ppt/slides/slide1.xml><?xml version="1.0" encoding="utf-8"?>
-<p:sld xmlns:a="http://schemas.openxmlformats.org/drawingml/2006/main" xmlns:p="http://schemas.openxmlformats.org/presentationml/2006/main" xmlns:r="http://schemas.openxmlformats.org/officeDocument/2006/relationships">
+<p:sld xmlns:a="http://schemas.openxmlformats.org/drawingml/2006/main" xmlns:r="http://schemas.openxmlformats.org/officeDocument/2006/relationships" xmlns:p="http://schemas.openxmlformats.org/presentationml/2006/main">
   <p:cSld>
     <p:spTree>
       <p:nvGrpSpPr>
@@ -3331,7 +5633,7 @@
       </p:grpSpPr>
       <p:sp>
         <p:nvSpPr>
-          <p:cNvPr id="0" name="slide1">
+          <p:cNvPr id="2" name="slide1">
             <a:extLst>
               <a:ext uri="{FF2B5EF4-FFF2-40B4-BE49-F238E27FC236}">
                 <a16:creationId xmlns:a16="http://schemas.microsoft.com/office/drawing/2014/main" id="{BEACA6D0-4637-4AF5-84DC-111A435589D8}"/>
@@ -3342,7 +5644,7 @@
             <a:spLocks noGrp="1"/>
           </p:cNvSpPr>
           <p:nvPr>
-            <p:ph idx="0" type="ctrTitle"/>
+            <p:ph type="ctrTitle"/>
           </p:nvPr>
         </p:nvSpPr>
         <p:spPr/>
@@ -3351,17 +5653,23 @@
           <a:lstStyle/>
           <a:p>
             <a:r>
-              <a:rPr dirty="0" lang="en-us">
-                <a:hlinkClick r:id="rId6"/>
+              <a:rPr lang="en-us" dirty="0" err="1">
+                <a:hlinkClick r:id="rId2"/>
               </a:rPr>
-              <a:t>Movie Exploration</a:t>
-            </a:r>
-          </a:p>
-        </p:txBody>
-      </p:sp>
-      <p:sp>
-        <p:nvSpPr>
-          <p:cNvPr id="1" name="slide1">
+              <a:t>Enterntainment</a:t>
+            </a:r>
+            <a:r>
+              <a:rPr lang="en-us" dirty="0">
+                <a:hlinkClick r:id="rId2"/>
+              </a:rPr>
+              <a:t> Exploration</a:t>
+            </a:r>
+          </a:p>
+        </p:txBody>
+      </p:sp>
+      <p:sp>
+        <p:nvSpPr>
+          <p:cNvPr id="3" name="slide1">
             <a:extLst>
               <a:ext uri="{FF2B5EF4-FFF2-40B4-BE49-F238E27FC236}">
                 <a16:creationId xmlns:a16="http://schemas.microsoft.com/office/drawing/2014/main" id="{EEE12BC1-5CA5-47B7-BD25-7E30C8F050E8}"/>
@@ -3372,7 +5680,7 @@
             <a:spLocks noGrp="1"/>
           </p:cNvSpPr>
           <p:nvPr>
-            <p:ph idx="1" type="subTitle"/>
+            <p:ph type="subTitle" idx="1"/>
           </p:nvPr>
         </p:nvSpPr>
         <p:spPr/>
@@ -3381,8 +5689,8 @@
           <a:lstStyle/>
           <a:p>
             <a:r>
-              <a:rPr/>
-              <a:t>File created on: 7/6/2022 6:53:22 AM</a:t>
+              <a:rPr lang="en-US" dirty="0"/>
+              <a:t>Target Demographics and Goals</a:t>
             </a:r>
           </a:p>
         </p:txBody>
@@ -3400,8 +5708,232 @@
 </p:sld>
 </file>
 
+<file path=ppt/slides/slide10.xml><?xml version="1.0" encoding="utf-8"?>
+<p:sld xmlns:a="http://schemas.openxmlformats.org/drawingml/2006/main" xmlns:r="http://schemas.openxmlformats.org/officeDocument/2006/relationships" xmlns:p="http://schemas.openxmlformats.org/presentationml/2006/main">
+  <p:cSld>
+    <p:spTree>
+      <p:nvGrpSpPr>
+        <p:cNvPr id="1" name=""/>
+        <p:cNvGrpSpPr/>
+        <p:nvPr/>
+      </p:nvGrpSpPr>
+      <p:grpSpPr>
+        <a:xfrm>
+          <a:off x="0" y="0"/>
+          <a:ext cx="0" cy="0"/>
+          <a:chOff x="0" y="0"/>
+          <a:chExt cx="0" cy="0"/>
+        </a:xfrm>
+      </p:grpSpPr>
+      <p:sp>
+        <p:nvSpPr>
+          <p:cNvPr id="2" name="Title 1">
+            <a:extLst>
+              <a:ext uri="{FF2B5EF4-FFF2-40B4-BE49-F238E27FC236}">
+                <a16:creationId xmlns:a16="http://schemas.microsoft.com/office/drawing/2014/main" id="{B52BE22F-CA83-F001-DBE6-9E0678825F6E}"/>
+              </a:ext>
+            </a:extLst>
+          </p:cNvPr>
+          <p:cNvSpPr>
+            <a:spLocks noGrp="1"/>
+          </p:cNvSpPr>
+          <p:nvPr>
+            <p:ph type="title"/>
+          </p:nvPr>
+        </p:nvSpPr>
+        <p:spPr/>
+        <p:txBody>
+          <a:bodyPr/>
+          <a:lstStyle/>
+          <a:p>
+            <a:r>
+              <a:rPr lang="en-US" dirty="0"/>
+              <a:t>Takeaways</a:t>
+            </a:r>
+          </a:p>
+        </p:txBody>
+      </p:sp>
+      <p:sp>
+        <p:nvSpPr>
+          <p:cNvPr id="3" name="Content Placeholder 2">
+            <a:extLst>
+              <a:ext uri="{FF2B5EF4-FFF2-40B4-BE49-F238E27FC236}">
+                <a16:creationId xmlns:a16="http://schemas.microsoft.com/office/drawing/2014/main" id="{CB65AF01-D5EB-317E-8A76-5F08F7AC7803}"/>
+              </a:ext>
+            </a:extLst>
+          </p:cNvPr>
+          <p:cNvSpPr>
+            <a:spLocks noGrp="1"/>
+          </p:cNvSpPr>
+          <p:nvPr>
+            <p:ph idx="1"/>
+          </p:nvPr>
+        </p:nvSpPr>
+        <p:spPr/>
+        <p:txBody>
+          <a:bodyPr/>
+          <a:lstStyle/>
+          <a:p>
+            <a:r>
+              <a:rPr lang="en-US" dirty="0"/>
+              <a:t>TV shows in general are more successful than movies</a:t>
+            </a:r>
+          </a:p>
+          <a:p>
+            <a:r>
+              <a:rPr lang="en-US" dirty="0"/>
+              <a:t>TV shows with 10-12 seasons are typically your best performers </a:t>
+            </a:r>
+          </a:p>
+          <a:p>
+            <a:r>
+              <a:rPr lang="en-US" dirty="0"/>
+              <a:t>Longer movies have decent performance</a:t>
+            </a:r>
+          </a:p>
+          <a:p>
+            <a:r>
+              <a:rPr lang="en-US" dirty="0"/>
+              <a:t>Countries may support the entertainment from their region</a:t>
+            </a:r>
+          </a:p>
+          <a:p>
+            <a:endParaRPr lang="en-US" dirty="0"/>
+          </a:p>
+          <a:p>
+            <a:endParaRPr lang="en-US" dirty="0"/>
+          </a:p>
+        </p:txBody>
+      </p:sp>
+    </p:spTree>
+    <p:extLst>
+      <p:ext uri="{BB962C8B-B14F-4D97-AF65-F5344CB8AC3E}">
+        <p14:creationId xmlns:p14="http://schemas.microsoft.com/office/powerpoint/2010/main" val="1233170819"/>
+      </p:ext>
+    </p:extLst>
+  </p:cSld>
+  <p:clrMapOvr>
+    <a:masterClrMapping/>
+  </p:clrMapOvr>
+</p:sld>
+</file>
+
 <file path=ppt/slides/slide2.xml><?xml version="1.0" encoding="utf-8"?>
-<p:sld xmlns:a="http://schemas.openxmlformats.org/drawingml/2006/main" xmlns:p="http://schemas.openxmlformats.org/presentationml/2006/main" xmlns:r="http://schemas.openxmlformats.org/officeDocument/2006/relationships">
+<p:sld xmlns:a="http://schemas.openxmlformats.org/drawingml/2006/main" xmlns:r="http://schemas.openxmlformats.org/officeDocument/2006/relationships" xmlns:p="http://schemas.openxmlformats.org/presentationml/2006/main">
+  <p:cSld>
+    <p:spTree>
+      <p:nvGrpSpPr>
+        <p:cNvPr id="1" name=""/>
+        <p:cNvGrpSpPr/>
+        <p:nvPr/>
+      </p:nvGrpSpPr>
+      <p:grpSpPr>
+        <a:xfrm>
+          <a:off x="0" y="0"/>
+          <a:ext cx="0" cy="0"/>
+          <a:chOff x="0" y="0"/>
+          <a:chExt cx="0" cy="0"/>
+        </a:xfrm>
+      </p:grpSpPr>
+      <p:sp>
+        <p:nvSpPr>
+          <p:cNvPr id="2" name="Title 1">
+            <a:extLst>
+              <a:ext uri="{FF2B5EF4-FFF2-40B4-BE49-F238E27FC236}">
+                <a16:creationId xmlns:a16="http://schemas.microsoft.com/office/drawing/2014/main" id="{1518A508-0CB4-9B5B-3F08-EE38367D38CF}"/>
+              </a:ext>
+            </a:extLst>
+          </p:cNvPr>
+          <p:cNvSpPr>
+            <a:spLocks noGrp="1"/>
+          </p:cNvSpPr>
+          <p:nvPr>
+            <p:ph type="title"/>
+          </p:nvPr>
+        </p:nvSpPr>
+        <p:spPr>
+          <a:xfrm>
+            <a:off x="913795" y="968188"/>
+            <a:ext cx="10353761" cy="967733"/>
+          </a:xfrm>
+        </p:spPr>
+        <p:txBody>
+          <a:bodyPr/>
+          <a:lstStyle/>
+          <a:p>
+            <a:r>
+              <a:rPr lang="en-US" dirty="0"/>
+              <a:t>GOALS</a:t>
+            </a:r>
+          </a:p>
+        </p:txBody>
+      </p:sp>
+      <p:sp>
+        <p:nvSpPr>
+          <p:cNvPr id="3" name="Content Placeholder 2">
+            <a:extLst>
+              <a:ext uri="{FF2B5EF4-FFF2-40B4-BE49-F238E27FC236}">
+                <a16:creationId xmlns:a16="http://schemas.microsoft.com/office/drawing/2014/main" id="{35A336FB-B6D2-4FC4-1D10-ABCA6977736C}"/>
+              </a:ext>
+            </a:extLst>
+          </p:cNvPr>
+          <p:cNvSpPr>
+            <a:spLocks noGrp="1"/>
+          </p:cNvSpPr>
+          <p:nvPr>
+            <p:ph idx="1"/>
+          </p:nvPr>
+        </p:nvSpPr>
+        <p:spPr>
+          <a:xfrm>
+            <a:off x="913795" y="2096064"/>
+            <a:ext cx="9816958" cy="2059077"/>
+          </a:xfrm>
+        </p:spPr>
+        <p:txBody>
+          <a:bodyPr/>
+          <a:lstStyle/>
+          <a:p>
+            <a:r>
+              <a:rPr lang="en-US" dirty="0"/>
+              <a:t>Optimize movie and TV show decisions to generate revenue</a:t>
+            </a:r>
+          </a:p>
+          <a:p>
+            <a:r>
+              <a:rPr lang="en-US" dirty="0"/>
+              <a:t>Utilize IMDB and TMDB score as sign of “successful movie/show”</a:t>
+            </a:r>
+          </a:p>
+          <a:p>
+            <a:r>
+              <a:rPr lang="en-US" dirty="0"/>
+              <a:t>Looking at various demographics</a:t>
+            </a:r>
+          </a:p>
+          <a:p>
+            <a:r>
+              <a:rPr lang="en-US" dirty="0"/>
+              <a:t>Look at successful movies and TV shows</a:t>
+            </a:r>
+          </a:p>
+        </p:txBody>
+      </p:sp>
+    </p:spTree>
+    <p:extLst>
+      <p:ext uri="{BB962C8B-B14F-4D97-AF65-F5344CB8AC3E}">
+        <p14:creationId xmlns:p14="http://schemas.microsoft.com/office/powerpoint/2010/main" val="303279298"/>
+      </p:ext>
+    </p:extLst>
+  </p:cSld>
+  <p:clrMapOvr>
+    <a:masterClrMapping/>
+  </p:clrMapOvr>
+</p:sld>
+</file>
+
+<file path=ppt/slides/slide3.xml><?xml version="1.0" encoding="utf-8"?>
+<p:sld xmlns:a="http://schemas.openxmlformats.org/drawingml/2006/main" xmlns:r="http://schemas.openxmlformats.org/officeDocument/2006/relationships" xmlns:p="http://schemas.openxmlformats.org/presentationml/2006/main">
   <p:cSld>
     <p:spTree>
       <p:nvGrpSpPr>
@@ -3419,10 +5951,10 @@
       </p:grpSpPr>
       <p:pic>
         <p:nvPicPr>
-          <p:cNvPr descr="Sheet 1" id="2" name="slide2">
+          <p:cNvPr id="5" name="slide5" descr="Sheet 4">
             <a:extLst>
               <a:ext uri="{FF2B5EF4-FFF2-40B4-BE49-F238E27FC236}">
-                <a16:creationId xmlns:a16="http://schemas.microsoft.com/office/drawing/2014/main" id="{B17AF82E-0CA7-4945-A0C1-24CBF366E2A7}"/>
+                <a16:creationId xmlns:a16="http://schemas.microsoft.com/office/drawing/2014/main" id="{A860A8FC-0DA6-4630-B455-D969779D1B74}"/>
               </a:ext>
             </a:extLst>
           </p:cNvPr>
@@ -3431,28 +5963,60 @@
           </p:cNvPicPr>
           <p:nvPr/>
         </p:nvPicPr>
-        <p:blipFill>
-          <a:blip r:embed="rId7">
+        <p:blipFill rotWithShape="1">
+          <a:blip r:embed="rId2">
             <a:extLst>
               <a:ext uri="{28A0092B-C50C-407E-A947-70E740481C1C}">
                 <a14:useLocalDpi xmlns:a14="http://schemas.microsoft.com/office/drawing/2010/main" val="0"/>
               </a:ext>
             </a:extLst>
           </a:blip>
-          <a:stretch>
-            <a:fillRect/>
-          </a:stretch>
+          <a:srcRect t="4804"/>
+          <a:stretch/>
         </p:blipFill>
         <p:spPr>
           <a:xfrm>
-            <a:off x="0" y="941438"/>
-            <a:ext cx="12192000" cy="4975122"/>
+            <a:off x="4274793" y="1376901"/>
+            <a:ext cx="3050711" cy="4833894"/>
           </a:xfrm>
           <a:prstGeom prst="rect">
             <a:avLst/>
           </a:prstGeom>
         </p:spPr>
       </p:pic>
+      <p:sp>
+        <p:nvSpPr>
+          <p:cNvPr id="2" name="Title 1">
+            <a:extLst>
+              <a:ext uri="{FF2B5EF4-FFF2-40B4-BE49-F238E27FC236}">
+                <a16:creationId xmlns:a16="http://schemas.microsoft.com/office/drawing/2014/main" id="{52E03EF1-7764-728C-08D5-741D9D8131F1}"/>
+              </a:ext>
+            </a:extLst>
+          </p:cNvPr>
+          <p:cNvSpPr>
+            <a:spLocks noGrp="1"/>
+          </p:cNvSpPr>
+          <p:nvPr>
+            <p:ph type="title"/>
+          </p:nvPr>
+        </p:nvSpPr>
+        <p:spPr>
+          <a:xfrm>
+            <a:off x="913795" y="186017"/>
+            <a:ext cx="10353761" cy="1326321"/>
+          </a:xfrm>
+        </p:spPr>
+        <p:txBody>
+          <a:bodyPr/>
+          <a:lstStyle/>
+          <a:p>
+            <a:r>
+              <a:rPr lang="en-US" dirty="0"/>
+              <a:t>Movies vs TV </a:t>
+            </a:r>
+          </a:p>
+        </p:txBody>
+      </p:sp>
     </p:spTree>
     <p:extLst>
       <p:ext uri="{BB962C8B-B14F-4D97-AF65-F5344CB8AC3E}">
@@ -3466,8 +6030,8 @@
 </p:sld>
 </file>
 
-<file path=ppt/slides/slide3.xml><?xml version="1.0" encoding="utf-8"?>
-<p:sld xmlns:a="http://schemas.openxmlformats.org/drawingml/2006/main" xmlns:p="http://schemas.openxmlformats.org/presentationml/2006/main" xmlns:r="http://schemas.openxmlformats.org/officeDocument/2006/relationships">
+<file path=ppt/slides/slide4.xml><?xml version="1.0" encoding="utf-8"?>
+<p:sld xmlns:a="http://schemas.openxmlformats.org/drawingml/2006/main" xmlns:r="http://schemas.openxmlformats.org/officeDocument/2006/relationships" xmlns:p="http://schemas.openxmlformats.org/presentationml/2006/main">
   <p:cSld>
     <p:spTree>
       <p:nvGrpSpPr>
@@ -3485,10 +6049,10 @@
       </p:grpSpPr>
       <p:pic>
         <p:nvPicPr>
-          <p:cNvPr descr="Sheet 2" id="3" name="slide3">
+          <p:cNvPr id="2" name="slide2" descr="Sheet 1">
             <a:extLst>
               <a:ext uri="{FF2B5EF4-FFF2-40B4-BE49-F238E27FC236}">
-                <a16:creationId xmlns:a16="http://schemas.microsoft.com/office/drawing/2014/main" id="{B928CB1A-A4AC-48B6-A10D-E941D6AC5B23}"/>
+                <a16:creationId xmlns:a16="http://schemas.microsoft.com/office/drawing/2014/main" id="{B17AF82E-0CA7-4945-A0C1-24CBF366E2A7}"/>
               </a:ext>
             </a:extLst>
           </p:cNvPr>
@@ -3497,28 +6061,101 @@
           </p:cNvPicPr>
           <p:nvPr/>
         </p:nvPicPr>
-        <p:blipFill>
-          <a:blip r:embed="rId8">
+        <p:blipFill rotWithShape="1">
+          <a:blip r:embed="rId2">
             <a:extLst>
               <a:ext uri="{28A0092B-C50C-407E-A947-70E740481C1C}">
                 <a14:useLocalDpi xmlns:a14="http://schemas.microsoft.com/office/drawing/2010/main" val="0"/>
               </a:ext>
             </a:extLst>
           </a:blip>
-          <a:stretch>
-            <a:fillRect/>
-          </a:stretch>
+          <a:srcRect t="5549"/>
+          <a:stretch/>
         </p:blipFill>
         <p:spPr>
           <a:xfrm>
-            <a:off x="0" y="941438"/>
-            <a:ext cx="12192000" cy="4975122"/>
+            <a:off x="403412" y="2312894"/>
+            <a:ext cx="10986042" cy="4234243"/>
           </a:xfrm>
           <a:prstGeom prst="rect">
             <a:avLst/>
           </a:prstGeom>
         </p:spPr>
       </p:pic>
+      <p:sp>
+        <p:nvSpPr>
+          <p:cNvPr id="3" name="TextBox 2">
+            <a:extLst>
+              <a:ext uri="{FF2B5EF4-FFF2-40B4-BE49-F238E27FC236}">
+                <a16:creationId xmlns:a16="http://schemas.microsoft.com/office/drawing/2014/main" id="{AA02D1C7-AAD3-34B3-8132-4E9FD3657EFB}"/>
+              </a:ext>
+            </a:extLst>
+          </p:cNvPr>
+          <p:cNvSpPr txBox="1"/>
+          <p:nvPr/>
+        </p:nvSpPr>
+        <p:spPr>
+          <a:xfrm>
+            <a:off x="638735" y="463924"/>
+            <a:ext cx="6367183" cy="369332"/>
+          </a:xfrm>
+          <a:prstGeom prst="rect">
+            <a:avLst/>
+          </a:prstGeom>
+          <a:noFill/>
+        </p:spPr>
+        <p:txBody>
+          <a:bodyPr wrap="square" rtlCol="0">
+            <a:spAutoFit/>
+          </a:bodyPr>
+          <a:lstStyle/>
+          <a:p>
+            <a:r>
+              <a:rPr lang="en-US" dirty="0"/>
+              <a:t>Runtime vs IMDB Score</a:t>
+            </a:r>
+          </a:p>
+        </p:txBody>
+      </p:sp>
+      <p:sp>
+        <p:nvSpPr>
+          <p:cNvPr id="5" name="TextBox 4">
+            <a:extLst>
+              <a:ext uri="{FF2B5EF4-FFF2-40B4-BE49-F238E27FC236}">
+                <a16:creationId xmlns:a16="http://schemas.microsoft.com/office/drawing/2014/main" id="{86C75F22-9815-4E55-D373-00B9B475DBA9}"/>
+              </a:ext>
+            </a:extLst>
+          </p:cNvPr>
+          <p:cNvSpPr txBox="1"/>
+          <p:nvPr/>
+        </p:nvSpPr>
+        <p:spPr>
+          <a:xfrm>
+            <a:off x="638735" y="981635"/>
+            <a:ext cx="7543800" cy="369332"/>
+          </a:xfrm>
+          <a:prstGeom prst="rect">
+            <a:avLst/>
+          </a:prstGeom>
+          <a:noFill/>
+        </p:spPr>
+        <p:txBody>
+          <a:bodyPr wrap="square" rtlCol="0">
+            <a:spAutoFit/>
+          </a:bodyPr>
+          <a:lstStyle/>
+          <a:p>
+            <a:pPr marL="285750" indent="-285750">
+              <a:buFontTx/>
+              <a:buChar char="-"/>
+            </a:pPr>
+            <a:r>
+              <a:rPr lang="en-US" dirty="0"/>
+              <a:t>No significant change in score with increasing run time</a:t>
+            </a:r>
+          </a:p>
+        </p:txBody>
+      </p:sp>
     </p:spTree>
     <p:extLst>
       <p:ext uri="{BB962C8B-B14F-4D97-AF65-F5344CB8AC3E}">
@@ -3532,8 +6169,8 @@
 </p:sld>
 </file>
 
-<file path=ppt/slides/slide4.xml><?xml version="1.0" encoding="utf-8"?>
-<p:sld xmlns:a="http://schemas.openxmlformats.org/drawingml/2006/main" xmlns:p="http://schemas.openxmlformats.org/presentationml/2006/main" xmlns:r="http://schemas.openxmlformats.org/officeDocument/2006/relationships">
+<file path=ppt/slides/slide5.xml><?xml version="1.0" encoding="utf-8"?>
+<p:sld xmlns:a="http://schemas.openxmlformats.org/drawingml/2006/main" xmlns:r="http://schemas.openxmlformats.org/officeDocument/2006/relationships" xmlns:p="http://schemas.openxmlformats.org/presentationml/2006/main">
   <p:cSld>
     <p:spTree>
       <p:nvGrpSpPr>
@@ -3551,10 +6188,10 @@
       </p:grpSpPr>
       <p:pic>
         <p:nvPicPr>
-          <p:cNvPr descr="Sheet 3" id="4" name="slide4">
+          <p:cNvPr id="3" name="slide3" descr="Sheet 2">
             <a:extLst>
               <a:ext uri="{FF2B5EF4-FFF2-40B4-BE49-F238E27FC236}">
-                <a16:creationId xmlns:a16="http://schemas.microsoft.com/office/drawing/2014/main" id="{9D5BF751-3E90-4786-8476-E51475280EF7}"/>
+                <a16:creationId xmlns:a16="http://schemas.microsoft.com/office/drawing/2014/main" id="{B928CB1A-A4AC-48B6-A10D-E941D6AC5B23}"/>
               </a:ext>
             </a:extLst>
           </p:cNvPr>
@@ -3563,28 +6200,137 @@
           </p:cNvPicPr>
           <p:nvPr/>
         </p:nvPicPr>
-        <p:blipFill>
-          <a:blip r:embed="rId9">
+        <p:blipFill rotWithShape="1">
+          <a:blip r:embed="rId2">
             <a:extLst>
               <a:ext uri="{28A0092B-C50C-407E-A947-70E740481C1C}">
                 <a14:useLocalDpi xmlns:a14="http://schemas.microsoft.com/office/drawing/2010/main" val="0"/>
               </a:ext>
             </a:extLst>
           </a:blip>
-          <a:stretch>
-            <a:fillRect/>
-          </a:stretch>
+          <a:srcRect t="5380"/>
+          <a:stretch/>
         </p:blipFill>
         <p:spPr>
           <a:xfrm>
-            <a:off x="706280" y="0"/>
-            <a:ext cx="10779439" cy="6858000"/>
+            <a:off x="1046087" y="2716305"/>
+            <a:ext cx="10099826" cy="3899647"/>
           </a:xfrm>
           <a:prstGeom prst="rect">
             <a:avLst/>
           </a:prstGeom>
         </p:spPr>
       </p:pic>
+      <p:sp>
+        <p:nvSpPr>
+          <p:cNvPr id="4" name="Title 1">
+            <a:extLst>
+              <a:ext uri="{FF2B5EF4-FFF2-40B4-BE49-F238E27FC236}">
+                <a16:creationId xmlns:a16="http://schemas.microsoft.com/office/drawing/2014/main" id="{8AA9ABED-7BE4-26D8-C02B-0D8AE4A3995C}"/>
+              </a:ext>
+            </a:extLst>
+          </p:cNvPr>
+          <p:cNvSpPr txBox="1">
+            <a:spLocks/>
+          </p:cNvSpPr>
+          <p:nvPr/>
+        </p:nvSpPr>
+        <p:spPr>
+          <a:xfrm>
+            <a:off x="919119" y="242048"/>
+            <a:ext cx="10353761" cy="967733"/>
+          </a:xfrm>
+          <a:prstGeom prst="rect">
+            <a:avLst/>
+          </a:prstGeom>
+        </p:spPr>
+        <p:txBody>
+          <a:bodyPr vert="horz" lIns="91440" tIns="45720" rIns="91440" bIns="45720" rtlCol="0" anchor="b">
+            <a:normAutofit/>
+          </a:bodyPr>
+          <a:lstStyle>
+            <a:lvl1pPr algn="ctr" defTabSz="914400" rtl="0" eaLnBrk="1" latinLnBrk="0" hangingPunct="1">
+              <a:lnSpc>
+                <a:spcPct val="90000"/>
+              </a:lnSpc>
+              <a:spcBef>
+                <a:spcPct val="0"/>
+              </a:spcBef>
+              <a:buNone/>
+              <a:defRPr sz="4800" b="1" i="0" kern="1200" cap="all">
+                <a:solidFill>
+                  <a:schemeClr val="tx1"/>
+                </a:solidFill>
+                <a:effectLst>
+                  <a:outerShdw blurRad="50800" dist="63500" dir="2700000" algn="tl" rotWithShape="0">
+                    <a:srgbClr val="000000">
+                      <a:alpha val="48000"/>
+                    </a:srgbClr>
+                  </a:outerShdw>
+                </a:effectLst>
+                <a:latin typeface="+mj-lt"/>
+                <a:ea typeface="+mj-ea"/>
+                <a:cs typeface="+mj-cs"/>
+              </a:defRPr>
+            </a:lvl1pPr>
+          </a:lstStyle>
+          <a:p>
+            <a:r>
+              <a:rPr lang="en-US" dirty="0"/>
+              <a:t>TV Show Seasons</a:t>
+            </a:r>
+          </a:p>
+        </p:txBody>
+      </p:sp>
+      <p:sp>
+        <p:nvSpPr>
+          <p:cNvPr id="2" name="TextBox 1">
+            <a:extLst>
+              <a:ext uri="{FF2B5EF4-FFF2-40B4-BE49-F238E27FC236}">
+                <a16:creationId xmlns:a16="http://schemas.microsoft.com/office/drawing/2014/main" id="{A06A5EAA-9E74-75FD-3260-4B34AD488D25}"/>
+              </a:ext>
+            </a:extLst>
+          </p:cNvPr>
+          <p:cNvSpPr txBox="1"/>
+          <p:nvPr/>
+        </p:nvSpPr>
+        <p:spPr>
+          <a:xfrm>
+            <a:off x="977269" y="1311088"/>
+            <a:ext cx="10099826" cy="646331"/>
+          </a:xfrm>
+          <a:prstGeom prst="rect">
+            <a:avLst/>
+          </a:prstGeom>
+          <a:noFill/>
+        </p:spPr>
+        <p:txBody>
+          <a:bodyPr wrap="square" rtlCol="0">
+            <a:spAutoFit/>
+          </a:bodyPr>
+          <a:lstStyle/>
+          <a:p>
+            <a:pPr marL="285750" indent="-285750">
+              <a:buFontTx/>
+              <a:buChar char="-"/>
+            </a:pPr>
+            <a:r>
+              <a:rPr lang="en-US" dirty="0"/>
+              <a:t>For some reason shows with 14 seasons have a significantly lower score</a:t>
+            </a:r>
+          </a:p>
+          <a:p>
+            <a:pPr marL="285750" indent="-285750">
+              <a:buFontTx/>
+              <a:buChar char="-"/>
+            </a:pPr>
+            <a:r>
+              <a:rPr lang="en-US" dirty="0"/>
+              <a:t>Shows with 10-12 seasons have good success</a:t>
+            </a:r>
+          </a:p>
+        </p:txBody>
+      </p:sp>
     </p:spTree>
     <p:extLst>
       <p:ext uri="{BB962C8B-B14F-4D97-AF65-F5344CB8AC3E}">
@@ -3598,8 +6344,8 @@
 </p:sld>
 </file>
 
-<file path=ppt/slides/slide5.xml><?xml version="1.0" encoding="utf-8"?>
-<p:sld xmlns:a="http://schemas.openxmlformats.org/drawingml/2006/main" xmlns:p="http://schemas.openxmlformats.org/presentationml/2006/main" xmlns:r="http://schemas.openxmlformats.org/officeDocument/2006/relationships">
+<file path=ppt/slides/slide6.xml><?xml version="1.0" encoding="utf-8"?>
+<p:sld xmlns:a="http://schemas.openxmlformats.org/drawingml/2006/main" xmlns:r="http://schemas.openxmlformats.org/officeDocument/2006/relationships" xmlns:p="http://schemas.openxmlformats.org/presentationml/2006/main">
   <p:cSld>
     <p:spTree>
       <p:nvGrpSpPr>
@@ -3617,10 +6363,10 @@
       </p:grpSpPr>
       <p:pic>
         <p:nvPicPr>
-          <p:cNvPr descr="Sheet 4" id="5" name="slide5">
+          <p:cNvPr id="6" name="slide6" descr="Sheet 5">
             <a:extLst>
               <a:ext uri="{FF2B5EF4-FFF2-40B4-BE49-F238E27FC236}">
-                <a16:creationId xmlns:a16="http://schemas.microsoft.com/office/drawing/2014/main" id="{A860A8FC-0DA6-4630-B455-D969779D1B74}"/>
+                <a16:creationId xmlns:a16="http://schemas.microsoft.com/office/drawing/2014/main" id="{FE48436A-06F1-4940-98B6-B850EF2A36F6}"/>
               </a:ext>
             </a:extLst>
           </p:cNvPr>
@@ -3629,28 +6375,93 @@
           </p:cNvPicPr>
           <p:nvPr/>
         </p:nvPicPr>
-        <p:blipFill>
-          <a:blip r:embed="rId10">
+        <p:blipFill rotWithShape="1">
+          <a:blip r:embed="rId2">
             <a:extLst>
               <a:ext uri="{28A0092B-C50C-407E-A947-70E740481C1C}">
                 <a14:useLocalDpi xmlns:a14="http://schemas.microsoft.com/office/drawing/2010/main" val="0"/>
               </a:ext>
             </a:extLst>
           </a:blip>
-          <a:stretch>
-            <a:fillRect/>
-          </a:stretch>
+          <a:srcRect l="12414" t="5132" r="20759"/>
+          <a:stretch/>
         </p:blipFill>
         <p:spPr>
           <a:xfrm>
-            <a:off x="4035889" y="0"/>
-            <a:ext cx="4120221" cy="6858000"/>
+            <a:off x="2333064" y="2803118"/>
+            <a:ext cx="6515100" cy="3772347"/>
           </a:xfrm>
           <a:prstGeom prst="rect">
             <a:avLst/>
           </a:prstGeom>
         </p:spPr>
       </p:pic>
+      <p:sp>
+        <p:nvSpPr>
+          <p:cNvPr id="2" name="Title 1">
+            <a:extLst>
+              <a:ext uri="{FF2B5EF4-FFF2-40B4-BE49-F238E27FC236}">
+                <a16:creationId xmlns:a16="http://schemas.microsoft.com/office/drawing/2014/main" id="{E17B1427-166D-319C-1EA2-2F0436766A64}"/>
+              </a:ext>
+            </a:extLst>
+          </p:cNvPr>
+          <p:cNvSpPr>
+            <a:spLocks noGrp="1"/>
+          </p:cNvSpPr>
+          <p:nvPr>
+            <p:ph type="title"/>
+          </p:nvPr>
+        </p:nvSpPr>
+        <p:spPr>
+          <a:xfrm>
+            <a:off x="839836" y="199465"/>
+            <a:ext cx="10353761" cy="1326321"/>
+          </a:xfrm>
+        </p:spPr>
+        <p:txBody>
+          <a:bodyPr/>
+          <a:lstStyle/>
+          <a:p>
+            <a:r>
+              <a:rPr lang="en-US" dirty="0"/>
+              <a:t>Scores by Country</a:t>
+            </a:r>
+          </a:p>
+        </p:txBody>
+      </p:sp>
+      <p:sp>
+        <p:nvSpPr>
+          <p:cNvPr id="3" name="Content Placeholder 2">
+            <a:extLst>
+              <a:ext uri="{FF2B5EF4-FFF2-40B4-BE49-F238E27FC236}">
+                <a16:creationId xmlns:a16="http://schemas.microsoft.com/office/drawing/2014/main" id="{0EC31503-4A85-CE85-E70A-F674B66EEA09}"/>
+              </a:ext>
+            </a:extLst>
+          </p:cNvPr>
+          <p:cNvSpPr>
+            <a:spLocks noGrp="1"/>
+          </p:cNvSpPr>
+          <p:nvPr>
+            <p:ph idx="1"/>
+          </p:nvPr>
+        </p:nvSpPr>
+        <p:spPr>
+          <a:xfrm>
+            <a:off x="919119" y="1437158"/>
+            <a:ext cx="10353762" cy="3695136"/>
+          </a:xfrm>
+        </p:spPr>
+        <p:txBody>
+          <a:bodyPr/>
+          <a:lstStyle/>
+          <a:p>
+            <a:r>
+              <a:rPr lang="en-US" dirty="0"/>
+              <a:t>TV shows and movies do not suffer based on their country of origin</a:t>
+            </a:r>
+          </a:p>
+        </p:txBody>
+      </p:sp>
     </p:spTree>
     <p:extLst>
       <p:ext uri="{BB962C8B-B14F-4D97-AF65-F5344CB8AC3E}">
@@ -3664,8 +6475,8 @@
 </p:sld>
 </file>
 
-<file path=ppt/slides/slide6.xml><?xml version="1.0" encoding="utf-8"?>
-<p:sld xmlns:a="http://schemas.openxmlformats.org/drawingml/2006/main" xmlns:p="http://schemas.openxmlformats.org/presentationml/2006/main" xmlns:r="http://schemas.openxmlformats.org/officeDocument/2006/relationships">
+<file path=ppt/slides/slide7.xml><?xml version="1.0" encoding="utf-8"?>
+<p:sld xmlns:a="http://schemas.openxmlformats.org/drawingml/2006/main" xmlns:r="http://schemas.openxmlformats.org/officeDocument/2006/relationships" xmlns:p="http://schemas.openxmlformats.org/presentationml/2006/main">
   <p:cSld>
     <p:spTree>
       <p:nvGrpSpPr>
@@ -3683,10 +6494,10 @@
       </p:grpSpPr>
       <p:pic>
         <p:nvPicPr>
-          <p:cNvPr descr="Sheet 5" id="6" name="slide6">
+          <p:cNvPr id="7" name="slide7" descr="Sheet 6">
             <a:extLst>
               <a:ext uri="{FF2B5EF4-FFF2-40B4-BE49-F238E27FC236}">
-                <a16:creationId xmlns:a16="http://schemas.microsoft.com/office/drawing/2014/main" id="{FE48436A-06F1-4940-98B6-B850EF2A36F6}"/>
+                <a16:creationId xmlns:a16="http://schemas.microsoft.com/office/drawing/2014/main" id="{9A53BC7C-5F2C-47D8-871B-DE77A0C42EFF}"/>
               </a:ext>
             </a:extLst>
           </p:cNvPr>
@@ -3695,28 +6506,99 @@
           </p:cNvPicPr>
           <p:nvPr/>
         </p:nvPicPr>
-        <p:blipFill>
-          <a:blip r:embed="rId11">
+        <p:blipFill rotWithShape="1">
+          <a:blip r:embed="rId2">
             <a:extLst>
               <a:ext uri="{28A0092B-C50C-407E-A947-70E740481C1C}">
                 <a14:useLocalDpi xmlns:a14="http://schemas.microsoft.com/office/drawing/2010/main" val="0"/>
               </a:ext>
             </a:extLst>
           </a:blip>
-          <a:stretch>
-            <a:fillRect/>
-          </a:stretch>
+          <a:srcRect l="-992" t="4250" r="-1"/>
+          <a:stretch/>
         </p:blipFill>
         <p:spPr>
           <a:xfrm>
-            <a:off x="0" y="941438"/>
-            <a:ext cx="12192000" cy="4975122"/>
+            <a:off x="859796" y="2420471"/>
+            <a:ext cx="10155585" cy="3899647"/>
           </a:xfrm>
           <a:prstGeom prst="rect">
             <a:avLst/>
           </a:prstGeom>
         </p:spPr>
       </p:pic>
+      <p:sp>
+        <p:nvSpPr>
+          <p:cNvPr id="2" name="Title 1">
+            <a:extLst>
+              <a:ext uri="{FF2B5EF4-FFF2-40B4-BE49-F238E27FC236}">
+                <a16:creationId xmlns:a16="http://schemas.microsoft.com/office/drawing/2014/main" id="{2D7AA1EE-6C06-5795-3B50-9FEE45FF6E45}"/>
+              </a:ext>
+            </a:extLst>
+          </p:cNvPr>
+          <p:cNvSpPr>
+            <a:spLocks noGrp="1"/>
+          </p:cNvSpPr>
+          <p:nvPr>
+            <p:ph type="title"/>
+          </p:nvPr>
+        </p:nvSpPr>
+        <p:spPr>
+          <a:xfrm>
+            <a:off x="913795" y="207207"/>
+            <a:ext cx="10353761" cy="1326321"/>
+          </a:xfrm>
+        </p:spPr>
+        <p:txBody>
+          <a:bodyPr/>
+          <a:lstStyle/>
+          <a:p>
+            <a:r>
+              <a:rPr lang="en-US" dirty="0"/>
+              <a:t>IMDB Ratings over time</a:t>
+            </a:r>
+          </a:p>
+        </p:txBody>
+      </p:sp>
+      <p:sp>
+        <p:nvSpPr>
+          <p:cNvPr id="3" name="Content Placeholder 2">
+            <a:extLst>
+              <a:ext uri="{FF2B5EF4-FFF2-40B4-BE49-F238E27FC236}">
+                <a16:creationId xmlns:a16="http://schemas.microsoft.com/office/drawing/2014/main" id="{0152425D-6563-D20D-03D7-C17578EBC674}"/>
+              </a:ext>
+            </a:extLst>
+          </p:cNvPr>
+          <p:cNvSpPr>
+            <a:spLocks noGrp="1"/>
+          </p:cNvSpPr>
+          <p:nvPr>
+            <p:ph idx="1"/>
+          </p:nvPr>
+        </p:nvSpPr>
+        <p:spPr>
+          <a:xfrm>
+            <a:off x="913794" y="1262346"/>
+            <a:ext cx="10353762" cy="3695136"/>
+          </a:xfrm>
+        </p:spPr>
+        <p:txBody>
+          <a:bodyPr/>
+          <a:lstStyle/>
+          <a:p>
+            <a:r>
+              <a:rPr lang="en-US" dirty="0"/>
+              <a:t>Movies in the 70s are particularly popular as shown by their large amount of ratings</a:t>
+            </a:r>
+          </a:p>
+          <a:p>
+            <a:r>
+              <a:rPr lang="en-US" dirty="0"/>
+              <a:t>Probably due to the generational </a:t>
+            </a:r>
+          </a:p>
+        </p:txBody>
+      </p:sp>
     </p:spTree>
     <p:extLst>
       <p:ext uri="{BB962C8B-B14F-4D97-AF65-F5344CB8AC3E}">
@@ -3730,8 +6612,8 @@
 </p:sld>
 </file>
 
-<file path=ppt/slides/slide7.xml><?xml version="1.0" encoding="utf-8"?>
-<p:sld xmlns:a="http://schemas.openxmlformats.org/drawingml/2006/main" xmlns:p="http://schemas.openxmlformats.org/presentationml/2006/main" xmlns:r="http://schemas.openxmlformats.org/officeDocument/2006/relationships">
+<file path=ppt/slides/slide8.xml><?xml version="1.0" encoding="utf-8"?>
+<p:sld xmlns:a="http://schemas.openxmlformats.org/drawingml/2006/main" xmlns:r="http://schemas.openxmlformats.org/officeDocument/2006/relationships" xmlns:p="http://schemas.openxmlformats.org/presentationml/2006/main">
   <p:cSld>
     <p:spTree>
       <p:nvGrpSpPr>
@@ -3749,10 +6631,10 @@
       </p:grpSpPr>
       <p:pic>
         <p:nvPicPr>
-          <p:cNvPr descr="Sheet 6" id="7" name="slide7">
+          <p:cNvPr id="8" name="slide8" descr="Sheet 7">
             <a:extLst>
               <a:ext uri="{FF2B5EF4-FFF2-40B4-BE49-F238E27FC236}">
-                <a16:creationId xmlns:a16="http://schemas.microsoft.com/office/drawing/2014/main" id="{9A53BC7C-5F2C-47D8-871B-DE77A0C42EFF}"/>
+                <a16:creationId xmlns:a16="http://schemas.microsoft.com/office/drawing/2014/main" id="{3AB3B16F-A19F-4D7C-87B1-44ADAB701964}"/>
               </a:ext>
             </a:extLst>
           </p:cNvPr>
@@ -3761,28 +6643,105 @@
           </p:cNvPicPr>
           <p:nvPr/>
         </p:nvPicPr>
-        <p:blipFill>
-          <a:blip r:embed="rId12">
+        <p:blipFill rotWithShape="1">
+          <a:blip r:embed="rId2">
             <a:extLst>
               <a:ext uri="{28A0092B-C50C-407E-A947-70E740481C1C}">
                 <a14:useLocalDpi xmlns:a14="http://schemas.microsoft.com/office/drawing/2010/main" val="0"/>
               </a:ext>
             </a:extLst>
           </a:blip>
-          <a:stretch>
-            <a:fillRect/>
-          </a:stretch>
+          <a:srcRect t="4370"/>
+          <a:stretch/>
         </p:blipFill>
         <p:spPr>
           <a:xfrm>
-            <a:off x="0" y="960022"/>
-            <a:ext cx="12192000" cy="4937955"/>
+            <a:off x="1800745" y="3283723"/>
+            <a:ext cx="7612197" cy="3453253"/>
           </a:xfrm>
           <a:prstGeom prst="rect">
             <a:avLst/>
           </a:prstGeom>
         </p:spPr>
       </p:pic>
+      <p:sp>
+        <p:nvSpPr>
+          <p:cNvPr id="2" name="Title 1">
+            <a:extLst>
+              <a:ext uri="{FF2B5EF4-FFF2-40B4-BE49-F238E27FC236}">
+                <a16:creationId xmlns:a16="http://schemas.microsoft.com/office/drawing/2014/main" id="{3343AAB4-4415-9C3B-017D-8E38B5E2C6EC}"/>
+              </a:ext>
+            </a:extLst>
+          </p:cNvPr>
+          <p:cNvSpPr>
+            <a:spLocks noGrp="1"/>
+          </p:cNvSpPr>
+          <p:nvPr>
+            <p:ph type="title"/>
+          </p:nvPr>
+        </p:nvSpPr>
+        <p:spPr>
+          <a:xfrm>
+            <a:off x="919119" y="273423"/>
+            <a:ext cx="10353761" cy="1326321"/>
+          </a:xfrm>
+        </p:spPr>
+        <p:txBody>
+          <a:bodyPr/>
+          <a:lstStyle/>
+          <a:p>
+            <a:r>
+              <a:rPr lang="en-US" dirty="0"/>
+              <a:t>Top characters and their titles</a:t>
+            </a:r>
+          </a:p>
+        </p:txBody>
+      </p:sp>
+      <p:sp>
+        <p:nvSpPr>
+          <p:cNvPr id="3" name="Content Placeholder 2">
+            <a:extLst>
+              <a:ext uri="{FF2B5EF4-FFF2-40B4-BE49-F238E27FC236}">
+                <a16:creationId xmlns:a16="http://schemas.microsoft.com/office/drawing/2014/main" id="{B5FF8E86-3ABC-2F7A-1E5D-25479BFEDEC1}"/>
+              </a:ext>
+            </a:extLst>
+          </p:cNvPr>
+          <p:cNvSpPr>
+            <a:spLocks noGrp="1"/>
+          </p:cNvSpPr>
+          <p:nvPr>
+            <p:ph idx="1"/>
+          </p:nvPr>
+        </p:nvSpPr>
+        <p:spPr>
+          <a:xfrm>
+            <a:off x="919118" y="1315213"/>
+            <a:ext cx="10353762" cy="3695136"/>
+          </a:xfrm>
+        </p:spPr>
+        <p:txBody>
+          <a:bodyPr/>
+          <a:lstStyle/>
+          <a:p>
+            <a:r>
+              <a:rPr lang="en-US" dirty="0"/>
+              <a:t>These are the top characters</a:t>
+            </a:r>
+          </a:p>
+          <a:p>
+            <a:r>
+              <a:rPr lang="en-US" dirty="0"/>
+              <a:t>More importantly, their titles are on the right</a:t>
+            </a:r>
+          </a:p>
+          <a:p>
+            <a:r>
+              <a:rPr lang="en-US" dirty="0"/>
+              <a:t>These are all TV shows, might be useful to look at their success</a:t>
+            </a:r>
+          </a:p>
+        </p:txBody>
+      </p:sp>
     </p:spTree>
     <p:extLst>
       <p:ext uri="{BB962C8B-B14F-4D97-AF65-F5344CB8AC3E}">
@@ -3796,8 +6755,8 @@
 </p:sld>
 </file>
 
-<file path=ppt/slides/slide8.xml><?xml version="1.0" encoding="utf-8"?>
-<p:sld xmlns:a="http://schemas.openxmlformats.org/drawingml/2006/main" xmlns:p="http://schemas.openxmlformats.org/presentationml/2006/main" xmlns:r="http://schemas.openxmlformats.org/officeDocument/2006/relationships">
+<file path=ppt/slides/slide9.xml><?xml version="1.0" encoding="utf-8"?>
+<p:sld xmlns:a="http://schemas.openxmlformats.org/drawingml/2006/main" xmlns:r="http://schemas.openxmlformats.org/officeDocument/2006/relationships" xmlns:p="http://schemas.openxmlformats.org/presentationml/2006/main">
   <p:cSld>
     <p:spTree>
       <p:nvGrpSpPr>
@@ -3815,73 +6774,7 @@
       </p:grpSpPr>
       <p:pic>
         <p:nvPicPr>
-          <p:cNvPr descr="Sheet 7" id="8" name="slide8">
-            <a:extLst>
-              <a:ext uri="{FF2B5EF4-FFF2-40B4-BE49-F238E27FC236}">
-                <a16:creationId xmlns:a16="http://schemas.microsoft.com/office/drawing/2014/main" id="{3AB3B16F-A19F-4D7C-87B1-44ADAB701964}"/>
-              </a:ext>
-            </a:extLst>
-          </p:cNvPr>
-          <p:cNvPicPr>
-            <a:picLocks noChangeAspect="1"/>
-          </p:cNvPicPr>
-          <p:nvPr/>
-        </p:nvPicPr>
-        <p:blipFill>
-          <a:blip r:embed="rId13">
-            <a:extLst>
-              <a:ext uri="{28A0092B-C50C-407E-A947-70E740481C1C}">
-                <a14:useLocalDpi xmlns:a14="http://schemas.microsoft.com/office/drawing/2010/main" val="0"/>
-              </a:ext>
-            </a:extLst>
-          </a:blip>
-          <a:stretch>
-            <a:fillRect/>
-          </a:stretch>
-        </p:blipFill>
-        <p:spPr>
-          <a:xfrm>
-            <a:off x="0" y="537210"/>
-            <a:ext cx="12192000" cy="5783580"/>
-          </a:xfrm>
-          <a:prstGeom prst="rect">
-            <a:avLst/>
-          </a:prstGeom>
-        </p:spPr>
-      </p:pic>
-    </p:spTree>
-    <p:extLst>
-      <p:ext uri="{BB962C8B-B14F-4D97-AF65-F5344CB8AC3E}">
-        <p14:creationId xmlns:p14="http://schemas.microsoft.com/office/powerpoint/2010/main" val="95992585"/>
-      </p:ext>
-    </p:extLst>
-  </p:cSld>
-  <p:clrMapOvr>
-    <a:masterClrMapping/>
-  </p:clrMapOvr>
-</p:sld>
-</file>
-
-<file path=ppt/slides/slide9.xml><?xml version="1.0" encoding="utf-8"?>
-<p:sld xmlns:a="http://schemas.openxmlformats.org/drawingml/2006/main" xmlns:p="http://schemas.openxmlformats.org/presentationml/2006/main" xmlns:r="http://schemas.openxmlformats.org/officeDocument/2006/relationships">
-  <p:cSld>
-    <p:spTree>
-      <p:nvGrpSpPr>
-        <p:cNvPr id="1" name=""/>
-        <p:cNvGrpSpPr/>
-        <p:nvPr/>
-      </p:nvGrpSpPr>
-      <p:grpSpPr>
-        <a:xfrm>
-          <a:off x="0" y="0"/>
-          <a:ext cx="0" cy="0"/>
-          <a:chOff x="0" y="0"/>
-          <a:chExt cx="0" cy="0"/>
-        </a:xfrm>
-      </p:grpSpPr>
-      <p:pic>
-        <p:nvPicPr>
-          <p:cNvPr descr="Sheet 8" id="9" name="slide9">
+          <p:cNvPr id="9" name="slide9" descr="Sheet 8">
             <a:extLst>
               <a:ext uri="{FF2B5EF4-FFF2-40B4-BE49-F238E27FC236}">
                 <a16:creationId xmlns:a16="http://schemas.microsoft.com/office/drawing/2014/main" id="{3217D812-F993-48C5-B27A-C97F0836E5A6}"/>
@@ -3893,58 +6786,99 @@
           </p:cNvPicPr>
           <p:nvPr/>
         </p:nvPicPr>
-        <p:blipFill>
-          <a:blip r:embed="rId14">
+        <p:blipFill rotWithShape="1">
+          <a:blip r:embed="rId2">
             <a:extLst>
               <a:ext uri="{28A0092B-C50C-407E-A947-70E740481C1C}">
                 <a14:useLocalDpi xmlns:a14="http://schemas.microsoft.com/office/drawing/2010/main" val="0"/>
               </a:ext>
             </a:extLst>
           </a:blip>
-          <a:stretch>
-            <a:fillRect/>
-          </a:stretch>
+          <a:srcRect l="252" t="4756" r="-252"/>
+          <a:stretch/>
         </p:blipFill>
         <p:spPr>
           <a:xfrm>
-            <a:off x="249984" y="0"/>
-            <a:ext cx="11692032" cy="6858000"/>
+            <a:off x="2178422" y="2117912"/>
+            <a:ext cx="8015475" cy="4477869"/>
           </a:xfrm>
           <a:prstGeom prst="rect">
             <a:avLst/>
           </a:prstGeom>
         </p:spPr>
       </p:pic>
-    </p:spTree>
-    <p:extLst>
-      <p:ext uri="{BB962C8B-B14F-4D97-AF65-F5344CB8AC3E}">
-        <p14:creationId xmlns:p14="http://schemas.microsoft.com/office/powerpoint/2010/main" val="95992585"/>
-      </p:ext>
-    </p:extLst>
-  </p:cSld>
-  <p:clrMapOvr>
-    <a:masterClrMapping/>
-  </p:clrMapOvr>
-</p:sld>
-</file>
-
-<file path=ppt/slides/slideTemplate.xml><?xml version="1.0" encoding="utf-8"?>
-<p:sld xmlns:a="http://schemas.openxmlformats.org/drawingml/2006/main" xmlns:r="http://schemas.openxmlformats.org/officeDocument/2006/relationships" xmlns:p="http://schemas.openxmlformats.org/presentationml/2006/main">
-  <p:cSld>
-    <p:spTree>
-      <p:nvGrpSpPr>
-        <p:cNvPr id="1" name=""/>
-        <p:cNvGrpSpPr/>
-        <p:nvPr/>
-      </p:nvGrpSpPr>
-      <p:grpSpPr>
-        <a:xfrm>
-          <a:off x="0" y="0"/>
-          <a:ext cx="0" cy="0"/>
-          <a:chOff x="0" y="0"/>
-          <a:chExt cx="0" cy="0"/>
-        </a:xfrm>
-      </p:grpSpPr>
+      <p:sp>
+        <p:nvSpPr>
+          <p:cNvPr id="4" name="Title 3">
+            <a:extLst>
+              <a:ext uri="{FF2B5EF4-FFF2-40B4-BE49-F238E27FC236}">
+                <a16:creationId xmlns:a16="http://schemas.microsoft.com/office/drawing/2014/main" id="{63D31484-A933-66BA-F73B-2A1DCC7C4C2C}"/>
+              </a:ext>
+            </a:extLst>
+          </p:cNvPr>
+          <p:cNvSpPr>
+            <a:spLocks noGrp="1"/>
+          </p:cNvSpPr>
+          <p:nvPr>
+            <p:ph type="title"/>
+          </p:nvPr>
+        </p:nvSpPr>
+        <p:spPr>
+          <a:xfrm>
+            <a:off x="913795" y="95659"/>
+            <a:ext cx="10353761" cy="1326321"/>
+          </a:xfrm>
+        </p:spPr>
+        <p:txBody>
+          <a:bodyPr/>
+          <a:lstStyle/>
+          <a:p>
+            <a:r>
+              <a:rPr lang="en-US" dirty="0"/>
+              <a:t>Top Genres</a:t>
+            </a:r>
+          </a:p>
+        </p:txBody>
+      </p:sp>
+      <p:sp>
+        <p:nvSpPr>
+          <p:cNvPr id="5" name="Content Placeholder 4">
+            <a:extLst>
+              <a:ext uri="{FF2B5EF4-FFF2-40B4-BE49-F238E27FC236}">
+                <a16:creationId xmlns:a16="http://schemas.microsoft.com/office/drawing/2014/main" id="{E75F4749-140A-05CF-9CB7-4C8715E5CD29}"/>
+              </a:ext>
+            </a:extLst>
+          </p:cNvPr>
+          <p:cNvSpPr>
+            <a:spLocks noGrp="1"/>
+          </p:cNvSpPr>
+          <p:nvPr>
+            <p:ph idx="1"/>
+          </p:nvPr>
+        </p:nvSpPr>
+        <p:spPr>
+          <a:xfrm>
+            <a:off x="913795" y="1107705"/>
+            <a:ext cx="10353762" cy="3695136"/>
+          </a:xfrm>
+        </p:spPr>
+        <p:txBody>
+          <a:bodyPr/>
+          <a:lstStyle/>
+          <a:p>
+            <a:r>
+              <a:rPr lang="en-US" dirty="0"/>
+              <a:t>These are the genres on IMDB rated by their average scores</a:t>
+            </a:r>
+          </a:p>
+          <a:p>
+            <a:r>
+              <a:rPr lang="en-US" dirty="0"/>
+              <a:t>War, history, documentaries are the top 3 scoring genres</a:t>
+            </a:r>
+          </a:p>
+        </p:txBody>
+      </p:sp>
     </p:spTree>
     <p:extLst>
       <p:ext uri="{BB962C8B-B14F-4D97-AF65-F5344CB8AC3E}">
@@ -3959,9 +6893,9 @@
 </file>
 
 <file path=ppt/theme/theme1.xml><?xml version="1.0" encoding="utf-8"?>
-<a:theme xmlns:a="http://schemas.openxmlformats.org/drawingml/2006/main" name="Office Theme">
+<a:theme xmlns:a="http://schemas.openxmlformats.org/drawingml/2006/main" name="Damask">
   <a:themeElements>
-    <a:clrScheme name="Office">
+    <a:clrScheme name="Damask">
       <a:dk1>
         <a:sysClr val="windowText" lastClr="000000"/>
       </a:dk1>
@@ -3969,44 +6903,44 @@
         <a:sysClr val="window" lastClr="FFFFFF"/>
       </a:lt1>
       <a:dk2>
-        <a:srgbClr val="44546A"/>
+        <a:srgbClr val="2A5B7F"/>
       </a:dk2>
       <a:lt2>
-        <a:srgbClr val="E7E6E6"/>
+        <a:srgbClr val="ABDAFC"/>
       </a:lt2>
       <a:accent1>
-        <a:srgbClr val="4472C4"/>
+        <a:srgbClr val="9EC544"/>
       </a:accent1>
       <a:accent2>
-        <a:srgbClr val="ED7D31"/>
+        <a:srgbClr val="50BEA3"/>
       </a:accent2>
       <a:accent3>
-        <a:srgbClr val="A5A5A5"/>
+        <a:srgbClr val="4A9CCC"/>
       </a:accent3>
       <a:accent4>
-        <a:srgbClr val="FFC000"/>
+        <a:srgbClr val="9A66CA"/>
       </a:accent4>
       <a:accent5>
-        <a:srgbClr val="5B9BD5"/>
+        <a:srgbClr val="C54F71"/>
       </a:accent5>
       <a:accent6>
-        <a:srgbClr val="70AD47"/>
+        <a:srgbClr val="DE9C3C"/>
       </a:accent6>
       <a:hlink>
-        <a:srgbClr val="0563C1"/>
+        <a:srgbClr val="6BA9DA"/>
       </a:hlink>
       <a:folHlink>
-        <a:srgbClr val="954F72"/>
+        <a:srgbClr val="A0BCD3"/>
       </a:folHlink>
     </a:clrScheme>
-    <a:fontScheme name="Office">
+    <a:fontScheme name="Damask">
       <a:majorFont>
-        <a:latin typeface="Calibri Light" panose="020F0302020204030204"/>
+        <a:latin typeface="Bookman Old Style" panose="02050604050505020204"/>
         <a:ea typeface=""/>
         <a:cs typeface=""/>
-        <a:font script="Jpan" typeface="游ゴシック Light"/>
+        <a:font script="Jpan" typeface="ＭＳ Ｐゴシック"/>
         <a:font script="Hang" typeface="맑은 고딕"/>
-        <a:font script="Hans" typeface="等线 Light"/>
+        <a:font script="Hans" typeface="宋体"/>
         <a:font script="Hant" typeface="新細明體"/>
         <a:font script="Arab" typeface="Times New Roman"/>
         <a:font script="Hebr" typeface="Times New Roman"/>
@@ -4034,31 +6968,14 @@
         <a:font script="Viet" typeface="Times New Roman"/>
         <a:font script="Uigh" typeface="Microsoft Uighur"/>
         <a:font script="Geor" typeface="Sylfaen"/>
-        <a:font script="Armn" typeface="Arial"/>
-        <a:font script="Bugi" typeface="Leelawadee UI"/>
-        <a:font script="Bopo" typeface="Microsoft JhengHei"/>
-        <a:font script="Java" typeface="Javanese Text"/>
-        <a:font script="Lisu" typeface="Segoe UI"/>
-        <a:font script="Mymr" typeface="Myanmar Text"/>
-        <a:font script="Nkoo" typeface="Ebrima"/>
-        <a:font script="Olck" typeface="Nirmala UI"/>
-        <a:font script="Osma" typeface="Ebrima"/>
-        <a:font script="Phag" typeface="Phagspa"/>
-        <a:font script="Syrn" typeface="Estrangelo Edessa"/>
-        <a:font script="Syrj" typeface="Estrangelo Edessa"/>
-        <a:font script="Syre" typeface="Estrangelo Edessa"/>
-        <a:font script="Sora" typeface="Nirmala UI"/>
-        <a:font script="Tale" typeface="Microsoft Tai Le"/>
-        <a:font script="Talu" typeface="Microsoft New Tai Lue"/>
-        <a:font script="Tfng" typeface="Ebrima"/>
       </a:majorFont>
       <a:minorFont>
-        <a:latin typeface="Calibri" panose="020F0502020204030204"/>
+        <a:latin typeface="Rockwell" panose="02060603020205020403"/>
         <a:ea typeface=""/>
         <a:cs typeface=""/>
-        <a:font script="Jpan" typeface="游ゴシック"/>
+        <a:font script="Jpan" typeface="ＭＳ Ｐゴシック"/>
         <a:font script="Hang" typeface="맑은 고딕"/>
-        <a:font script="Hans" typeface="等线"/>
+        <a:font script="Hans" typeface="宋体"/>
         <a:font script="Hant" typeface="新細明體"/>
         <a:font script="Arab" typeface="Arial"/>
         <a:font script="Hebr" typeface="Arial"/>
@@ -4086,26 +7003,9 @@
         <a:font script="Viet" typeface="Arial"/>
         <a:font script="Uigh" typeface="Microsoft Uighur"/>
         <a:font script="Geor" typeface="Sylfaen"/>
-        <a:font script="Armn" typeface="Arial"/>
-        <a:font script="Bugi" typeface="Leelawadee UI"/>
-        <a:font script="Bopo" typeface="Microsoft JhengHei"/>
-        <a:font script="Java" typeface="Javanese Text"/>
-        <a:font script="Lisu" typeface="Segoe UI"/>
-        <a:font script="Mymr" typeface="Myanmar Text"/>
-        <a:font script="Nkoo" typeface="Ebrima"/>
-        <a:font script="Olck" typeface="Nirmala UI"/>
-        <a:font script="Osma" typeface="Ebrima"/>
-        <a:font script="Phag" typeface="Phagspa"/>
-        <a:font script="Syrn" typeface="Estrangelo Edessa"/>
-        <a:font script="Syrj" typeface="Estrangelo Edessa"/>
-        <a:font script="Syre" typeface="Estrangelo Edessa"/>
-        <a:font script="Sora" typeface="Nirmala UI"/>
-        <a:font script="Tale" typeface="Microsoft Tai Le"/>
-        <a:font script="Talu" typeface="Microsoft New Tai Lue"/>
-        <a:font script="Tfng" typeface="Ebrima"/>
       </a:minorFont>
     </a:fontScheme>
-    <a:fmtScheme name="Office">
+    <a:fmtScheme name="Damask">
       <a:fillStyleLst>
         <a:solidFill>
           <a:schemeClr val="phClr"/>
@@ -4114,23 +7014,16 @@
           <a:gsLst>
             <a:gs pos="0">
               <a:schemeClr val="phClr">
+                <a:tint val="48000"/>
+                <a:satMod val="105000"/>
                 <a:lumMod val="110000"/>
-                <a:satMod val="105000"/>
-                <a:tint val="67000"/>
-              </a:schemeClr>
-            </a:gs>
-            <a:gs pos="50000">
-              <a:schemeClr val="phClr">
-                <a:lumMod val="105000"/>
-                <a:satMod val="103000"/>
-                <a:tint val="73000"/>
               </a:schemeClr>
             </a:gs>
             <a:gs pos="100000">
               <a:schemeClr val="phClr">
-                <a:lumMod val="105000"/>
+                <a:tint val="78000"/>
                 <a:satMod val="109000"/>
-                <a:tint val="81000"/>
+                <a:lumMod val="100000"/>
               </a:schemeClr>
             </a:gs>
           </a:gsLst>
@@ -4140,23 +7033,23 @@
           <a:gsLst>
             <a:gs pos="0">
               <a:schemeClr val="phClr">
-                <a:satMod val="103000"/>
-                <a:lumMod val="102000"/>
                 <a:tint val="94000"/>
+                <a:satMod val="100000"/>
+                <a:lumMod val="104000"/>
               </a:schemeClr>
             </a:gs>
-            <a:gs pos="50000">
+            <a:gs pos="69000">
               <a:schemeClr val="phClr">
-                <a:satMod val="110000"/>
-                <a:lumMod val="100000"/>
-                <a:shade val="100000"/>
+                <a:shade val="86000"/>
+                <a:satMod val="130000"/>
+                <a:lumMod val="102000"/>
               </a:schemeClr>
             </a:gs>
             <a:gs pos="100000">
               <a:schemeClr val="phClr">
-                <a:lumMod val="99000"/>
-                <a:satMod val="120000"/>
-                <a:shade val="78000"/>
+                <a:shade val="72000"/>
+                <a:satMod val="130000"/>
+                <a:lumMod val="100000"/>
               </a:schemeClr>
             </a:gs>
           </a:gsLst>
@@ -4164,26 +7057,23 @@
         </a:gradFill>
       </a:fillStyleLst>
       <a:lnStyleLst>
-        <a:ln w="6350" cap="flat" cmpd="sng" algn="ctr">
-          <a:solidFill>
-            <a:schemeClr val="phClr"/>
-          </a:solidFill>
-          <a:prstDash val="solid"/>
-          <a:miter lim="800000"/>
-        </a:ln>
         <a:ln w="12700" cap="flat" cmpd="sng" algn="ctr">
           <a:solidFill>
             <a:schemeClr val="phClr"/>
           </a:solidFill>
           <a:prstDash val="solid"/>
-          <a:miter lim="800000"/>
         </a:ln>
         <a:ln w="19050" cap="flat" cmpd="sng" algn="ctr">
           <a:solidFill>
             <a:schemeClr val="phClr"/>
           </a:solidFill>
           <a:prstDash val="solid"/>
-          <a:miter lim="800000"/>
+        </a:ln>
+        <a:ln w="25400" cap="flat" cmpd="sng" algn="ctr">
+          <a:solidFill>
+            <a:schemeClr val="phClr"/>
+          </a:solidFill>
+          <a:prstDash val="solid"/>
         </a:ln>
       </a:lnStyleLst>
       <a:effectStyleLst>
@@ -4191,16 +7081,31 @@
           <a:effectLst/>
         </a:effectStyle>
         <a:effectStyle>
-          <a:effectLst/>
+          <a:effectLst>
+            <a:outerShdw blurRad="50800" dist="38100" dir="5400000" sy="96000" rotWithShape="0">
+              <a:srgbClr val="000000">
+                <a:alpha val="54000"/>
+              </a:srgbClr>
+            </a:outerShdw>
+          </a:effectLst>
         </a:effectStyle>
         <a:effectStyle>
           <a:effectLst>
-            <a:outerShdw blurRad="57150" dist="19050" dir="5400000" algn="ctr" rotWithShape="0">
+            <a:outerShdw blurRad="76200" dist="38100" dir="5400000" algn="ctr" rotWithShape="0">
               <a:srgbClr val="000000">
-                <a:alpha val="63000"/>
+                <a:alpha val="76000"/>
               </a:srgbClr>
             </a:outerShdw>
           </a:effectLst>
+          <a:scene3d>
+            <a:camera prst="orthographicFront">
+              <a:rot lat="0" lon="0" rev="0"/>
+            </a:camera>
+            <a:lightRig rig="balanced" dir="t"/>
+          </a:scene3d>
+          <a:sp3d prstMaterial="matte">
+            <a:bevelT w="25400" h="25400" prst="relaxedInset"/>
+          </a:sp3d>
         </a:effectStyle>
       </a:effectStyleLst>
       <a:bgFillStyleLst>
@@ -4213,33 +7118,23 @@
             <a:satMod val="170000"/>
           </a:schemeClr>
         </a:solidFill>
-        <a:gradFill rotWithShape="1">
-          <a:gsLst>
-            <a:gs pos="0">
+        <a:blipFill rotWithShape="1">
+          <a:blip xmlns:r="http://schemas.openxmlformats.org/officeDocument/2006/relationships" r:embed="rId1">
+            <a:duotone>
               <a:schemeClr val="phClr">
-                <a:tint val="93000"/>
-                <a:satMod val="150000"/>
-                <a:shade val="98000"/>
-                <a:lumMod val="102000"/>
+                <a:shade val="18000"/>
+                <a:satMod val="160000"/>
+                <a:lumMod val="28000"/>
               </a:schemeClr>
-            </a:gs>
-            <a:gs pos="50000">
               <a:schemeClr val="phClr">
-                <a:tint val="98000"/>
-                <a:satMod val="130000"/>
-                <a:shade val="90000"/>
-                <a:lumMod val="103000"/>
+                <a:tint val="95000"/>
+                <a:satMod val="160000"/>
+                <a:lumMod val="116000"/>
               </a:schemeClr>
-            </a:gs>
-            <a:gs pos="100000">
-              <a:schemeClr val="phClr">
-                <a:shade val="63000"/>
-                <a:satMod val="120000"/>
-              </a:schemeClr>
-            </a:gs>
-          </a:gsLst>
-          <a:lin ang="5400000" scaled="0"/>
-        </a:gradFill>
+            </a:duotone>
+          </a:blip>
+          <a:stretch/>
+        </a:blipFill>
       </a:bgFillStyleLst>
     </a:fmtScheme>
   </a:themeElements>
@@ -4247,7 +7142,7 @@
   <a:extraClrSchemeLst/>
   <a:extLst>
     <a:ext uri="{05A4C25C-085E-4340-85A3-A5531E510DB2}">
-      <thm15:themeFamily xmlns:thm15="http://schemas.microsoft.com/office/thememl/2012/main" name="Office Theme" id="{62F939B6-93AF-4DB8-9C6B-D6C7DFDC589F}" vid="{4A3C46E8-61CC-4603-A589-7422A47A8E4A}"/>
+      <thm15:themeFamily xmlns:thm15="http://schemas.microsoft.com/office/thememl/2012/main" name="Damask" id="{F9A299A0-33D0-4E0F-9F3F-7163E3744208}" vid="{746EEEEA-FB6A-406B-B510-531588D54811}"/>
     </a:ext>
   </a:extLst>
 </a:theme>

--- a/Craft a Data Story/Movie Data Exploration.pptx
+++ b/Craft a Data Story/Movie Data Exploration.pptx
@@ -254,7 +254,7 @@
           <a:p>
             <a:fld id="{EED1C14C-A143-42F5-B247-D0E800131009}" type="datetimeFigureOut">
               <a:rPr lang="en-US" smtClean="0"/>
-              <a:t>7/5/2022</a:t>
+              <a:t>7/6/2022</a:t>
             </a:fld>
             <a:endParaRPr lang="en-US"/>
           </a:p>
@@ -541,7 +541,7 @@
           <a:p>
             <a:fld id="{EED1C14C-A143-42F5-B247-D0E800131009}" type="datetimeFigureOut">
               <a:rPr lang="en-US" smtClean="0"/>
-              <a:t>7/5/2022</a:t>
+              <a:t>7/6/2022</a:t>
             </a:fld>
             <a:endParaRPr lang="en-US"/>
           </a:p>
@@ -733,7 +733,7 @@
           <a:p>
             <a:fld id="{EED1C14C-A143-42F5-B247-D0E800131009}" type="datetimeFigureOut">
               <a:rPr lang="en-US" smtClean="0"/>
-              <a:t>7/5/2022</a:t>
+              <a:t>7/6/2022</a:t>
             </a:fld>
             <a:endParaRPr lang="en-US"/>
           </a:p>
@@ -994,7 +994,7 @@
           <a:p>
             <a:fld id="{EED1C14C-A143-42F5-B247-D0E800131009}" type="datetimeFigureOut">
               <a:rPr lang="en-US" smtClean="0"/>
-              <a:t>7/5/2022</a:t>
+              <a:t>7/6/2022</a:t>
             </a:fld>
             <a:endParaRPr lang="en-US"/>
           </a:p>
@@ -1418,7 +1418,7 @@
           <a:p>
             <a:fld id="{EED1C14C-A143-42F5-B247-D0E800131009}" type="datetimeFigureOut">
               <a:rPr lang="en-US" smtClean="0"/>
-              <a:t>7/5/2022</a:t>
+              <a:t>7/6/2022</a:t>
             </a:fld>
             <a:endParaRPr lang="en-US"/>
           </a:p>
@@ -1964,7 +1964,7 @@
           <a:p>
             <a:fld id="{EED1C14C-A143-42F5-B247-D0E800131009}" type="datetimeFigureOut">
               <a:rPr lang="en-US" smtClean="0"/>
-              <a:t>7/5/2022</a:t>
+              <a:t>7/6/2022</a:t>
             </a:fld>
             <a:endParaRPr lang="en-US"/>
           </a:p>
@@ -2804,7 +2804,7 @@
           <a:p>
             <a:fld id="{EED1C14C-A143-42F5-B247-D0E800131009}" type="datetimeFigureOut">
               <a:rPr lang="en-US" smtClean="0"/>
-              <a:t>7/5/2022</a:t>
+              <a:t>7/6/2022</a:t>
             </a:fld>
             <a:endParaRPr lang="en-US"/>
           </a:p>
@@ -2974,7 +2974,7 @@
           <a:p>
             <a:fld id="{EED1C14C-A143-42F5-B247-D0E800131009}" type="datetimeFigureOut">
               <a:rPr lang="en-US" smtClean="0"/>
-              <a:t>7/5/2022</a:t>
+              <a:t>7/6/2022</a:t>
             </a:fld>
             <a:endParaRPr lang="en-US"/>
           </a:p>
@@ -3158,7 +3158,7 @@
           <a:p>
             <a:fld id="{EED1C14C-A143-42F5-B247-D0E800131009}" type="datetimeFigureOut">
               <a:rPr lang="en-US" smtClean="0"/>
-              <a:t>7/5/2022</a:t>
+              <a:t>7/6/2022</a:t>
             </a:fld>
             <a:endParaRPr lang="en-US"/>
           </a:p>
@@ -3328,7 +3328,7 @@
           <a:p>
             <a:fld id="{EED1C14C-A143-42F5-B247-D0E800131009}" type="datetimeFigureOut">
               <a:rPr lang="en-US" smtClean="0"/>
-              <a:t>7/5/2022</a:t>
+              <a:t>7/6/2022</a:t>
             </a:fld>
             <a:endParaRPr lang="en-US"/>
           </a:p>
@@ -3576,7 +3576,7 @@
           <a:p>
             <a:fld id="{EED1C14C-A143-42F5-B247-D0E800131009}" type="datetimeFigureOut">
               <a:rPr lang="en-US" smtClean="0"/>
-              <a:t>7/5/2022</a:t>
+              <a:t>7/6/2022</a:t>
             </a:fld>
             <a:endParaRPr lang="en-US"/>
           </a:p>
@@ -3813,7 +3813,7 @@
           <a:p>
             <a:fld id="{EED1C14C-A143-42F5-B247-D0E800131009}" type="datetimeFigureOut">
               <a:rPr lang="en-US" smtClean="0"/>
-              <a:t>7/5/2022</a:t>
+              <a:t>7/6/2022</a:t>
             </a:fld>
             <a:endParaRPr lang="en-US"/>
           </a:p>
@@ -4186,7 +4186,7 @@
           <a:p>
             <a:fld id="{EED1C14C-A143-42F5-B247-D0E800131009}" type="datetimeFigureOut">
               <a:rPr lang="en-US" smtClean="0"/>
-              <a:t>7/5/2022</a:t>
+              <a:t>7/6/2022</a:t>
             </a:fld>
             <a:endParaRPr lang="en-US"/>
           </a:p>
@@ -4304,7 +4304,7 @@
           <a:p>
             <a:fld id="{EED1C14C-A143-42F5-B247-D0E800131009}" type="datetimeFigureOut">
               <a:rPr lang="en-US" smtClean="0"/>
-              <a:t>7/5/2022</a:t>
+              <a:t>7/6/2022</a:t>
             </a:fld>
             <a:endParaRPr lang="en-US"/>
           </a:p>
@@ -4399,7 +4399,7 @@
           <a:p>
             <a:fld id="{EED1C14C-A143-42F5-B247-D0E800131009}" type="datetimeFigureOut">
               <a:rPr lang="en-US" smtClean="0"/>
-              <a:t>7/5/2022</a:t>
+              <a:t>7/6/2022</a:t>
             </a:fld>
             <a:endParaRPr lang="en-US"/>
           </a:p>
@@ -4650,7 +4650,7 @@
           <a:p>
             <a:fld id="{EED1C14C-A143-42F5-B247-D0E800131009}" type="datetimeFigureOut">
               <a:rPr lang="en-US" smtClean="0"/>
-              <a:t>7/5/2022</a:t>
+              <a:t>7/6/2022</a:t>
             </a:fld>
             <a:endParaRPr lang="en-US"/>
           </a:p>
@@ -4937,7 +4937,7 @@
           <a:p>
             <a:fld id="{EED1C14C-A143-42F5-B247-D0E800131009}" type="datetimeFigureOut">
               <a:rPr lang="en-US" smtClean="0"/>
-              <a:t>7/5/2022</a:t>
+              <a:t>7/6/2022</a:t>
             </a:fld>
             <a:endParaRPr lang="en-US"/>
           </a:p>
@@ -5150,7 +5150,7 @@
           <a:p>
             <a:fld id="{EED1C14C-A143-42F5-B247-D0E800131009}" type="datetimeFigureOut">
               <a:rPr lang="en-US" smtClean="0"/>
-              <a:t>7/5/2022</a:t>
+              <a:t>7/6/2022</a:t>
             </a:fld>
             <a:endParaRPr lang="en-US"/>
           </a:p>
@@ -5891,18 +5891,26 @@
           </a:xfrm>
         </p:spPr>
         <p:txBody>
-          <a:bodyPr/>
+          <a:bodyPr>
+            <a:normAutofit fontScale="92500" lnSpcReduction="20000"/>
+          </a:bodyPr>
           <a:lstStyle/>
           <a:p>
             <a:r>
               <a:rPr lang="en-US" dirty="0"/>
-              <a:t>Optimize movie and TV show decisions to generate revenue</a:t>
+              <a:t>What are some traits we can glean from some basic movie and TV show data?</a:t>
             </a:r>
           </a:p>
           <a:p>
             <a:r>
               <a:rPr lang="en-US" dirty="0"/>
-              <a:t>Utilize IMDB and TMDB score as sign of “successful movie/show”</a:t>
+              <a:t>How can we optimize movie and TV show decisions to generate revenue</a:t>
+            </a:r>
+          </a:p>
+          <a:p>
+            <a:r>
+              <a:rPr lang="en-US" dirty="0"/>
+              <a:t>Utilizing IMDB and TMDB score as sign of “successful movie/show”</a:t>
             </a:r>
           </a:p>
           <a:p>
